--- a/Lecture_4_CloudFormation/Cloudformation.pptx
+++ b/Lecture_4_CloudFormation/Cloudformation.pptx
@@ -5,7 +5,7 @@
     <p:sldMasterId id="2147483660" r:id="rId1"/>
   </p:sldMasterIdLst>
   <p:notesMasterIdLst>
-    <p:notesMasterId r:id="rId13"/>
+    <p:notesMasterId r:id="rId14"/>
   </p:notesMasterIdLst>
   <p:sldIdLst>
     <p:sldId id="256" r:id="rId2"/>
@@ -14,11 +14,12 @@
     <p:sldId id="258" r:id="rId5"/>
     <p:sldId id="259" r:id="rId6"/>
     <p:sldId id="261" r:id="rId7"/>
-    <p:sldId id="285" r:id="rId8"/>
-    <p:sldId id="279" r:id="rId9"/>
-    <p:sldId id="283" r:id="rId10"/>
-    <p:sldId id="286" r:id="rId11"/>
-    <p:sldId id="284" r:id="rId12"/>
+    <p:sldId id="286" r:id="rId8"/>
+    <p:sldId id="287" r:id="rId9"/>
+    <p:sldId id="285" r:id="rId10"/>
+    <p:sldId id="279" r:id="rId11"/>
+    <p:sldId id="283" r:id="rId12"/>
+    <p:sldId id="284" r:id="rId13"/>
   </p:sldIdLst>
   <p:sldSz cx="12192000" cy="6858000"/>
   <p:notesSz cx="6858000" cy="9144000"/>
@@ -128,10 +129,11 @@
             <p14:sldId id="258"/>
             <p14:sldId id="259"/>
             <p14:sldId id="261"/>
+            <p14:sldId id="286"/>
+            <p14:sldId id="287"/>
             <p14:sldId id="285"/>
             <p14:sldId id="279"/>
             <p14:sldId id="283"/>
-            <p14:sldId id="286"/>
             <p14:sldId id="284"/>
           </p14:sldIdLst>
         </p14:section>
@@ -226,7 +228,7 @@
           <a:p>
             <a:fld id="{07D895DB-E61D-4CE9-9710-80DFE93F382F}" type="datetimeFigureOut">
               <a:rPr lang="en-US" smtClean="0"/>
-              <a:t>10/7/2019</a:t>
+              <a:t>10/9/2019</a:t>
             </a:fld>
             <a:endParaRPr lang="en-US"/>
           </a:p>
@@ -1103,2031 +1105,6 @@
           <a:bodyPr/>
           <a:lstStyle/>
           <a:p>
-            <a:r>
-              <a:rPr lang="en-US" sz="1200" b="0" i="0" kern="1200" dirty="0">
-                <a:solidFill>
-                  <a:schemeClr val="tx1"/>
-                </a:solidFill>
-                <a:effectLst/>
-                <a:latin typeface="+mn-lt"/>
-                <a:ea typeface="+mn-ea"/>
-                <a:cs typeface="+mn-cs"/>
-              </a:rPr>
-              <a:t>You're probably wondering how you set properties on one resource based on the name or property of another resource. For example, you can create a CloudFront distribution backed by an S3 bucket or an EC2 instance that uses EC2 security groups, and all of these resources can be created in the same template. AWS CloudFormation has a number of intrinsic functions that you can use to refer to other resources and their properties. You can use the </a:t>
-            </a:r>
-            <a:r>
-              <a:rPr lang="en-US" sz="1200" b="0" i="0" u="none" strike="noStrike" kern="1200" dirty="0">
-                <a:solidFill>
-                  <a:schemeClr val="tx1"/>
-                </a:solidFill>
-                <a:effectLst/>
-                <a:latin typeface="+mn-lt"/>
-                <a:ea typeface="+mn-ea"/>
-                <a:cs typeface="+mn-cs"/>
-                <a:hlinkClick r:id="rId3"/>
-              </a:rPr>
-              <a:t>Ref function</a:t>
-            </a:r>
-            <a:r>
-              <a:rPr lang="en-US" sz="1200" b="0" i="0" kern="1200" dirty="0">
-                <a:solidFill>
-                  <a:schemeClr val="tx1"/>
-                </a:solidFill>
-                <a:effectLst/>
-                <a:latin typeface="+mn-lt"/>
-                <a:ea typeface="+mn-ea"/>
-                <a:cs typeface="+mn-cs"/>
-              </a:rPr>
-              <a:t> to refer to an identifying property of a resource. Frequently, this is the physical name of the resource; however, sometimes it can be an identifier, such as the IP address for an </a:t>
-            </a:r>
-            <a:r>
-              <a:rPr lang="en-US" sz="1200" b="0" i="0" u="none" strike="noStrike" kern="1200" dirty="0">
-                <a:solidFill>
-                  <a:schemeClr val="tx1"/>
-                </a:solidFill>
-                <a:effectLst/>
-                <a:latin typeface="+mn-lt"/>
-                <a:ea typeface="+mn-ea"/>
-                <a:cs typeface="+mn-cs"/>
-                <a:hlinkClick r:id="rId4"/>
-              </a:rPr>
-              <a:t>AWS::EC2::EIP</a:t>
-            </a:r>
-            <a:r>
-              <a:rPr lang="en-US" sz="1200" b="0" i="0" kern="1200" dirty="0">
-                <a:solidFill>
-                  <a:schemeClr val="tx1"/>
-                </a:solidFill>
-                <a:effectLst/>
-                <a:latin typeface="+mn-lt"/>
-                <a:ea typeface="+mn-ea"/>
-                <a:cs typeface="+mn-cs"/>
-              </a:rPr>
-              <a:t> resource or an Amazon Resource Name (ARN) for an Amazon SNS topic. For a list of values returned by the Ref function, see </a:t>
-            </a:r>
-            <a:r>
-              <a:rPr lang="en-US" sz="1200" b="0" i="0" u="none" strike="noStrike" kern="1200" dirty="0">
-                <a:solidFill>
-                  <a:schemeClr val="tx1"/>
-                </a:solidFill>
-                <a:effectLst/>
-                <a:latin typeface="+mn-lt"/>
-                <a:ea typeface="+mn-ea"/>
-                <a:cs typeface="+mn-cs"/>
-                <a:hlinkClick r:id="rId3"/>
-              </a:rPr>
-              <a:t>Ref function</a:t>
-            </a:r>
-            <a:r>
-              <a:rPr lang="en-US" sz="1200" b="0" i="0" kern="1200" dirty="0">
-                <a:solidFill>
-                  <a:schemeClr val="tx1"/>
-                </a:solidFill>
-                <a:effectLst/>
-                <a:latin typeface="+mn-lt"/>
-                <a:ea typeface="+mn-ea"/>
-                <a:cs typeface="+mn-cs"/>
-              </a:rPr>
-              <a:t>. The following template contains an </a:t>
-            </a:r>
-            <a:r>
-              <a:rPr lang="en-US" sz="1200" b="0" i="0" u="none" strike="noStrike" kern="1200" dirty="0">
-                <a:solidFill>
-                  <a:schemeClr val="tx1"/>
-                </a:solidFill>
-                <a:effectLst/>
-                <a:latin typeface="+mn-lt"/>
-                <a:ea typeface="+mn-ea"/>
-                <a:cs typeface="+mn-cs"/>
-                <a:hlinkClick r:id="rId5"/>
-              </a:rPr>
-              <a:t>AWS::EC2::Instance</a:t>
-            </a:r>
-            <a:r>
-              <a:rPr lang="en-US" sz="1200" b="0" i="0" kern="1200" dirty="0">
-                <a:solidFill>
-                  <a:schemeClr val="tx1"/>
-                </a:solidFill>
-                <a:effectLst/>
-                <a:latin typeface="+mn-lt"/>
-                <a:ea typeface="+mn-ea"/>
-                <a:cs typeface="+mn-cs"/>
-              </a:rPr>
-              <a:t> resource. The resource's </a:t>
-            </a:r>
-            <a:r>
-              <a:rPr lang="en-US" sz="1200" b="0" i="0" kern="1200" dirty="0" err="1">
-                <a:solidFill>
-                  <a:schemeClr val="tx1"/>
-                </a:solidFill>
-                <a:effectLst/>
-                <a:latin typeface="+mn-lt"/>
-                <a:ea typeface="+mn-ea"/>
-                <a:cs typeface="+mn-cs"/>
-              </a:rPr>
-              <a:t>SecurityGroups</a:t>
-            </a:r>
-            <a:r>
-              <a:rPr lang="en-US" sz="1200" b="0" i="0" kern="1200" dirty="0">
-                <a:solidFill>
-                  <a:schemeClr val="tx1"/>
-                </a:solidFill>
-                <a:effectLst/>
-                <a:latin typeface="+mn-lt"/>
-                <a:ea typeface="+mn-ea"/>
-                <a:cs typeface="+mn-cs"/>
-              </a:rPr>
-              <a:t> property calls the Ref function to refer to the AWS::EC2::</a:t>
-            </a:r>
-            <a:r>
-              <a:rPr lang="en-US" sz="1200" b="0" i="0" kern="1200" dirty="0" err="1">
-                <a:solidFill>
-                  <a:schemeClr val="tx1"/>
-                </a:solidFill>
-                <a:effectLst/>
-                <a:latin typeface="+mn-lt"/>
-                <a:ea typeface="+mn-ea"/>
-                <a:cs typeface="+mn-cs"/>
-              </a:rPr>
-              <a:t>SecurityGroup</a:t>
-            </a:r>
-            <a:r>
-              <a:rPr lang="en-US" sz="1200" b="0" i="0" kern="1200" dirty="0">
-                <a:solidFill>
-                  <a:schemeClr val="tx1"/>
-                </a:solidFill>
-                <a:effectLst/>
-                <a:latin typeface="+mn-lt"/>
-                <a:ea typeface="+mn-ea"/>
-                <a:cs typeface="+mn-cs"/>
-              </a:rPr>
-              <a:t> resource </a:t>
-            </a:r>
-            <a:r>
-              <a:rPr lang="en-US" sz="1200" b="0" i="0" kern="1200" dirty="0" err="1">
-                <a:solidFill>
-                  <a:schemeClr val="tx1"/>
-                </a:solidFill>
-                <a:effectLst/>
-                <a:latin typeface="+mn-lt"/>
-                <a:ea typeface="+mn-ea"/>
-                <a:cs typeface="+mn-cs"/>
-              </a:rPr>
-              <a:t>InstanceSecurityGroup</a:t>
-            </a:r>
-            <a:r>
-              <a:rPr lang="en-US" sz="1200" b="0" i="0" kern="1200" dirty="0">
-                <a:solidFill>
-                  <a:schemeClr val="tx1"/>
-                </a:solidFill>
-                <a:effectLst/>
-                <a:latin typeface="+mn-lt"/>
-                <a:ea typeface="+mn-ea"/>
-                <a:cs typeface="+mn-cs"/>
-              </a:rPr>
-              <a:t>.</a:t>
-            </a:r>
-            <a:br>
-              <a:rPr lang="en-US" sz="1200" b="0" i="0" kern="1200" dirty="0">
-                <a:solidFill>
-                  <a:schemeClr val="tx1"/>
-                </a:solidFill>
-                <a:effectLst/>
-                <a:latin typeface="+mn-lt"/>
-                <a:ea typeface="+mn-ea"/>
-                <a:cs typeface="+mn-cs"/>
-              </a:rPr>
-            </a:br>
-            <a:r>
-              <a:rPr lang="en-US" sz="1200" b="1" i="0" kern="1200" dirty="0">
-                <a:solidFill>
-                  <a:schemeClr val="tx1"/>
-                </a:solidFill>
-                <a:effectLst/>
-                <a:latin typeface="+mn-lt"/>
-                <a:ea typeface="+mn-ea"/>
-                <a:cs typeface="+mn-cs"/>
-              </a:rPr>
-              <a:t>Example:</a:t>
-            </a:r>
-          </a:p>
-          <a:p>
-            <a:endParaRPr lang="en-US" sz="1200" b="0" i="0" kern="1200" dirty="0">
-              <a:solidFill>
-                <a:schemeClr val="tx1"/>
-              </a:solidFill>
-              <a:effectLst/>
-              <a:latin typeface="+mn-lt"/>
-              <a:ea typeface="+mn-ea"/>
-              <a:cs typeface="+mn-cs"/>
-            </a:endParaRPr>
-          </a:p>
-          <a:p>
-            <a:r>
-              <a:rPr lang="en-US" dirty="0"/>
-              <a:t>{</a:t>
-            </a:r>
-          </a:p>
-          <a:p>
-            <a:r>
-              <a:rPr lang="en-US" dirty="0"/>
-              <a:t>    "Resources": {</a:t>
-            </a:r>
-          </a:p>
-          <a:p>
-            <a:r>
-              <a:rPr lang="en-US" dirty="0"/>
-              <a:t>        "Ec2Instance": {</a:t>
-            </a:r>
-          </a:p>
-          <a:p>
-            <a:r>
-              <a:rPr lang="en-US" dirty="0"/>
-              <a:t>            "Type": "AWS::EC2::Instance",</a:t>
-            </a:r>
-          </a:p>
-          <a:p>
-            <a:r>
-              <a:rPr lang="en-US" dirty="0"/>
-              <a:t>            "Properties": {</a:t>
-            </a:r>
-          </a:p>
-          <a:p>
-            <a:r>
-              <a:rPr lang="en-US" dirty="0"/>
-              <a:t>                "</a:t>
-            </a:r>
-            <a:r>
-              <a:rPr lang="en-US" dirty="0" err="1"/>
-              <a:t>SecurityGroups</a:t>
-            </a:r>
-            <a:r>
-              <a:rPr lang="en-US" dirty="0"/>
-              <a:t>": [</a:t>
-            </a:r>
-          </a:p>
-          <a:p>
-            <a:r>
-              <a:rPr lang="en-US" dirty="0"/>
-              <a:t>                    {</a:t>
-            </a:r>
-          </a:p>
-          <a:p>
-            <a:r>
-              <a:rPr lang="en-US" dirty="0"/>
-              <a:t>                        "</a:t>
-            </a:r>
-            <a:r>
-              <a:rPr lang="en-US" b="1" dirty="0"/>
-              <a:t>Ref</a:t>
-            </a:r>
-            <a:r>
-              <a:rPr lang="en-US" dirty="0"/>
-              <a:t>": "</a:t>
-            </a:r>
-            <a:r>
-              <a:rPr lang="en-US" i="1" dirty="0" err="1"/>
-              <a:t>InstanceSecurityGroup</a:t>
-            </a:r>
-            <a:r>
-              <a:rPr lang="en-US" dirty="0"/>
-              <a:t>"</a:t>
-            </a:r>
-          </a:p>
-          <a:p>
-            <a:r>
-              <a:rPr lang="en-US" dirty="0"/>
-              <a:t>                    }</a:t>
-            </a:r>
-          </a:p>
-          <a:p>
-            <a:r>
-              <a:rPr lang="en-US" dirty="0"/>
-              <a:t>                ],</a:t>
-            </a:r>
-          </a:p>
-          <a:p>
-            <a:r>
-              <a:rPr lang="en-US" dirty="0"/>
-              <a:t>                "</a:t>
-            </a:r>
-            <a:r>
-              <a:rPr lang="en-US" dirty="0" err="1"/>
-              <a:t>KeyName</a:t>
-            </a:r>
-            <a:r>
-              <a:rPr lang="en-US" dirty="0"/>
-              <a:t>": "</a:t>
-            </a:r>
-            <a:r>
-              <a:rPr lang="en-US" dirty="0" err="1"/>
-              <a:t>mykey</a:t>
-            </a:r>
-            <a:r>
-              <a:rPr lang="en-US" dirty="0"/>
-              <a:t>",</a:t>
-            </a:r>
-          </a:p>
-          <a:p>
-            <a:r>
-              <a:rPr lang="en-US" dirty="0"/>
-              <a:t>                "</a:t>
-            </a:r>
-            <a:r>
-              <a:rPr lang="en-US" dirty="0" err="1"/>
-              <a:t>ImageId</a:t>
-            </a:r>
-            <a:r>
-              <a:rPr lang="en-US" dirty="0"/>
-              <a:t>": ""</a:t>
-            </a:r>
-          </a:p>
-          <a:p>
-            <a:r>
-              <a:rPr lang="en-US" dirty="0"/>
-              <a:t>            }</a:t>
-            </a:r>
-          </a:p>
-          <a:p>
-            <a:r>
-              <a:rPr lang="en-US" dirty="0"/>
-              <a:t>        },</a:t>
-            </a:r>
-          </a:p>
-          <a:p>
-            <a:r>
-              <a:rPr lang="en-US" dirty="0"/>
-              <a:t>        "</a:t>
-            </a:r>
-            <a:r>
-              <a:rPr lang="en-US" i="1" dirty="0" err="1">
-                <a:highlight>
-                  <a:srgbClr val="FFFF00"/>
-                </a:highlight>
-              </a:rPr>
-              <a:t>InstanceSecurityGroup</a:t>
-            </a:r>
-            <a:r>
-              <a:rPr lang="en-US" dirty="0"/>
-              <a:t>": {</a:t>
-            </a:r>
-          </a:p>
-          <a:p>
-            <a:r>
-              <a:rPr lang="en-US" b="1" dirty="0"/>
-              <a:t>            "Type": "AWS::EC2::</a:t>
-            </a:r>
-            <a:r>
-              <a:rPr lang="en-US" b="1" dirty="0" err="1"/>
-              <a:t>SecurityGroup</a:t>
-            </a:r>
-            <a:r>
-              <a:rPr lang="en-US" b="1" dirty="0"/>
-              <a:t>",</a:t>
-            </a:r>
-          </a:p>
-          <a:p>
-            <a:r>
-              <a:rPr lang="en-US" dirty="0"/>
-              <a:t>            "Properties": {</a:t>
-            </a:r>
-          </a:p>
-          <a:p>
-            <a:r>
-              <a:rPr lang="en-US" dirty="0"/>
-              <a:t>                "</a:t>
-            </a:r>
-            <a:r>
-              <a:rPr lang="en-US" dirty="0" err="1"/>
-              <a:t>GroupDescription</a:t>
-            </a:r>
-            <a:r>
-              <a:rPr lang="en-US" dirty="0"/>
-              <a:t>": "Enable SSH access via port 22",</a:t>
-            </a:r>
-          </a:p>
-          <a:p>
-            <a:r>
-              <a:rPr lang="en-US" dirty="0"/>
-              <a:t>                "</a:t>
-            </a:r>
-            <a:r>
-              <a:rPr lang="en-US" dirty="0" err="1"/>
-              <a:t>SecurityGroupIngress</a:t>
-            </a:r>
-            <a:r>
-              <a:rPr lang="en-US" dirty="0"/>
-              <a:t>": [</a:t>
-            </a:r>
-          </a:p>
-          <a:p>
-            <a:r>
-              <a:rPr lang="en-US" dirty="0"/>
-              <a:t>                    {</a:t>
-            </a:r>
-          </a:p>
-          <a:p>
-            <a:r>
-              <a:rPr lang="en-US" dirty="0"/>
-              <a:t>                        "</a:t>
-            </a:r>
-            <a:r>
-              <a:rPr lang="en-US" dirty="0" err="1"/>
-              <a:t>IpProtocol</a:t>
-            </a:r>
-            <a:r>
-              <a:rPr lang="en-US" dirty="0"/>
-              <a:t>": "</a:t>
-            </a:r>
-            <a:r>
-              <a:rPr lang="en-US" dirty="0" err="1"/>
-              <a:t>tcp</a:t>
-            </a:r>
-            <a:r>
-              <a:rPr lang="en-US" dirty="0"/>
-              <a:t>",</a:t>
-            </a:r>
-          </a:p>
-          <a:p>
-            <a:r>
-              <a:rPr lang="en-US" dirty="0"/>
-              <a:t>                        "</a:t>
-            </a:r>
-            <a:r>
-              <a:rPr lang="en-US" dirty="0" err="1"/>
-              <a:t>FromPort</a:t>
-            </a:r>
-            <a:r>
-              <a:rPr lang="en-US" dirty="0"/>
-              <a:t>": "22",</a:t>
-            </a:r>
-          </a:p>
-          <a:p>
-            <a:r>
-              <a:rPr lang="en-US" dirty="0"/>
-              <a:t>                        "</a:t>
-            </a:r>
-            <a:r>
-              <a:rPr lang="en-US" dirty="0" err="1"/>
-              <a:t>ToPort</a:t>
-            </a:r>
-            <a:r>
-              <a:rPr lang="en-US" dirty="0"/>
-              <a:t>": "22",</a:t>
-            </a:r>
-          </a:p>
-          <a:p>
-            <a:r>
-              <a:rPr lang="en-US" dirty="0"/>
-              <a:t>                        "</a:t>
-            </a:r>
-            <a:r>
-              <a:rPr lang="en-US" dirty="0" err="1"/>
-              <a:t>CidrIp</a:t>
-            </a:r>
-            <a:r>
-              <a:rPr lang="en-US" dirty="0"/>
-              <a:t>": "0.0.0.0/0"</a:t>
-            </a:r>
-          </a:p>
-          <a:p>
-            <a:r>
-              <a:rPr lang="en-US" dirty="0"/>
-              <a:t>                    }</a:t>
-            </a:r>
-          </a:p>
-          <a:p>
-            <a:r>
-              <a:rPr lang="en-US" dirty="0"/>
-              <a:t>                ]</a:t>
-            </a:r>
-          </a:p>
-          <a:p>
-            <a:r>
-              <a:rPr lang="en-US" dirty="0"/>
-              <a:t>            }</a:t>
-            </a:r>
-          </a:p>
-          <a:p>
-            <a:r>
-              <a:rPr lang="en-US" dirty="0"/>
-              <a:t>        }</a:t>
-            </a:r>
-          </a:p>
-          <a:p>
-            <a:r>
-              <a:rPr lang="en-US" dirty="0"/>
-              <a:t>    }</a:t>
-            </a:r>
-          </a:p>
-          <a:p>
-            <a:r>
-              <a:rPr lang="en-US" dirty="0"/>
-              <a:t>}</a:t>
-            </a:r>
-          </a:p>
-          <a:p>
-            <a:endParaRPr lang="en-US" dirty="0"/>
-          </a:p>
-          <a:p>
-            <a:r>
-              <a:rPr lang="en-US" sz="1200" b="0" i="0" kern="1200" dirty="0">
-                <a:solidFill>
-                  <a:schemeClr val="tx1"/>
-                </a:solidFill>
-                <a:effectLst/>
-                <a:latin typeface="+mn-lt"/>
-                <a:ea typeface="+mn-ea"/>
-                <a:cs typeface="+mn-cs"/>
-              </a:rPr>
-              <a:t>The Ref function is handy if the parameter or the value returned for a resource is exactly what you want; however, you may need other attributes of a resource. For example, if you want to create a CloudFront distribution with an S3 origin, you need to specify the bucket location by using a DNS-style address. A number of resources have additional attributes whose values you can use in your template. To get these attributes, you use the </a:t>
-            </a:r>
-            <a:r>
-              <a:rPr lang="en-US" sz="1200" b="0" i="0" u="none" strike="noStrike" kern="1200" dirty="0" err="1">
-                <a:solidFill>
-                  <a:schemeClr val="tx1"/>
-                </a:solidFill>
-                <a:effectLst/>
-                <a:latin typeface="+mn-lt"/>
-                <a:ea typeface="+mn-ea"/>
-                <a:cs typeface="+mn-cs"/>
-                <a:hlinkClick r:id="rId6"/>
-              </a:rPr>
-              <a:t>Fn</a:t>
-            </a:r>
-            <a:r>
-              <a:rPr lang="en-US" sz="1200" b="0" i="0" u="none" strike="noStrike" kern="1200" dirty="0">
-                <a:solidFill>
-                  <a:schemeClr val="tx1"/>
-                </a:solidFill>
-                <a:effectLst/>
-                <a:latin typeface="+mn-lt"/>
-                <a:ea typeface="+mn-ea"/>
-                <a:cs typeface="+mn-cs"/>
-                <a:hlinkClick r:id="rId6"/>
-              </a:rPr>
-              <a:t>::</a:t>
-            </a:r>
-            <a:r>
-              <a:rPr lang="en-US" sz="1200" b="0" i="0" u="none" strike="noStrike" kern="1200" dirty="0" err="1">
-                <a:solidFill>
-                  <a:schemeClr val="tx1"/>
-                </a:solidFill>
-                <a:effectLst/>
-                <a:latin typeface="+mn-lt"/>
-                <a:ea typeface="+mn-ea"/>
-                <a:cs typeface="+mn-cs"/>
-                <a:hlinkClick r:id="rId6"/>
-              </a:rPr>
-              <a:t>GetAtt</a:t>
-            </a:r>
-            <a:r>
-              <a:rPr lang="en-US" sz="1200" b="0" i="0" kern="1200" dirty="0">
-                <a:solidFill>
-                  <a:schemeClr val="tx1"/>
-                </a:solidFill>
-                <a:effectLst/>
-                <a:latin typeface="+mn-lt"/>
-                <a:ea typeface="+mn-ea"/>
-                <a:cs typeface="+mn-cs"/>
-              </a:rPr>
-              <a:t> function. The following template creates a CloudFront distribution resource that specifies the DNS name of an S3 bucket resource using </a:t>
-            </a:r>
-            <a:r>
-              <a:rPr lang="en-US" sz="1200" b="0" i="0" kern="1200" dirty="0" err="1">
-                <a:solidFill>
-                  <a:schemeClr val="tx1"/>
-                </a:solidFill>
-                <a:effectLst/>
-                <a:latin typeface="+mn-lt"/>
-                <a:ea typeface="+mn-ea"/>
-                <a:cs typeface="+mn-cs"/>
-              </a:rPr>
-              <a:t>Fn</a:t>
-            </a:r>
-            <a:r>
-              <a:rPr lang="en-US" sz="1200" b="0" i="0" kern="1200" dirty="0">
-                <a:solidFill>
-                  <a:schemeClr val="tx1"/>
-                </a:solidFill>
-                <a:effectLst/>
-                <a:latin typeface="+mn-lt"/>
-                <a:ea typeface="+mn-ea"/>
-                <a:cs typeface="+mn-cs"/>
-              </a:rPr>
-              <a:t>::</a:t>
-            </a:r>
-            <a:r>
-              <a:rPr lang="en-US" sz="1200" b="0" i="0" kern="1200" dirty="0" err="1">
-                <a:solidFill>
-                  <a:schemeClr val="tx1"/>
-                </a:solidFill>
-                <a:effectLst/>
-                <a:latin typeface="+mn-lt"/>
-                <a:ea typeface="+mn-ea"/>
-                <a:cs typeface="+mn-cs"/>
-              </a:rPr>
-              <a:t>GetAtt</a:t>
-            </a:r>
-            <a:r>
-              <a:rPr lang="en-US" sz="1200" b="0" i="0" kern="1200" dirty="0">
-                <a:solidFill>
-                  <a:schemeClr val="tx1"/>
-                </a:solidFill>
-                <a:effectLst/>
-                <a:latin typeface="+mn-lt"/>
-                <a:ea typeface="+mn-ea"/>
-                <a:cs typeface="+mn-cs"/>
-              </a:rPr>
-              <a:t> function to get the bucket's DomainName attribute.</a:t>
-            </a:r>
-          </a:p>
-          <a:p>
-            <a:r>
-              <a:rPr lang="en-US" sz="1200" b="1" i="0" kern="1200" dirty="0">
-                <a:solidFill>
-                  <a:schemeClr val="tx1"/>
-                </a:solidFill>
-                <a:effectLst/>
-                <a:latin typeface="+mn-lt"/>
-                <a:ea typeface="+mn-ea"/>
-                <a:cs typeface="+mn-cs"/>
-              </a:rPr>
-              <a:t>Example:</a:t>
-            </a:r>
-          </a:p>
-          <a:p>
-            <a:endParaRPr lang="en-US" sz="1200" b="1" i="0" kern="1200" dirty="0">
-              <a:solidFill>
-                <a:schemeClr val="tx1"/>
-              </a:solidFill>
-              <a:effectLst/>
-              <a:latin typeface="+mn-lt"/>
-              <a:ea typeface="+mn-ea"/>
-              <a:cs typeface="+mn-cs"/>
-            </a:endParaRPr>
-          </a:p>
-          <a:p>
-            <a:r>
-              <a:rPr lang="en-US" dirty="0"/>
-              <a:t>{</a:t>
-            </a:r>
-          </a:p>
-          <a:p>
-            <a:r>
-              <a:rPr lang="en-US" dirty="0"/>
-              <a:t>  "Resources": {</a:t>
-            </a:r>
-          </a:p>
-          <a:p>
-            <a:r>
-              <a:rPr lang="en-US" dirty="0"/>
-              <a:t>    "</a:t>
-            </a:r>
-            <a:r>
-              <a:rPr lang="en-US" dirty="0" err="1"/>
-              <a:t>myBucket</a:t>
-            </a:r>
-            <a:r>
-              <a:rPr lang="en-US" dirty="0"/>
-              <a:t>": {</a:t>
-            </a:r>
-          </a:p>
-          <a:p>
-            <a:r>
-              <a:rPr lang="en-US" dirty="0"/>
-              <a:t>      "Type": "AWS::S3::Bucket"</a:t>
-            </a:r>
-          </a:p>
-          <a:p>
-            <a:r>
-              <a:rPr lang="en-US" dirty="0"/>
-              <a:t>    },</a:t>
-            </a:r>
-          </a:p>
-          <a:p>
-            <a:r>
-              <a:rPr lang="en-US" dirty="0"/>
-              <a:t>    "</a:t>
-            </a:r>
-            <a:r>
-              <a:rPr lang="en-US" dirty="0" err="1"/>
-              <a:t>myDistribution</a:t>
-            </a:r>
-            <a:r>
-              <a:rPr lang="en-US" dirty="0"/>
-              <a:t>": {</a:t>
-            </a:r>
-          </a:p>
-          <a:p>
-            <a:r>
-              <a:rPr lang="en-US" dirty="0"/>
-              <a:t>      "Type": "AWS::CloudFront::Distribution",</a:t>
-            </a:r>
-          </a:p>
-          <a:p>
-            <a:r>
-              <a:rPr lang="en-US" dirty="0"/>
-              <a:t>      "Properties": {</a:t>
-            </a:r>
-          </a:p>
-          <a:p>
-            <a:r>
-              <a:rPr lang="en-US" dirty="0"/>
-              <a:t>        "</a:t>
-            </a:r>
-            <a:r>
-              <a:rPr lang="en-US" dirty="0" err="1"/>
-              <a:t>DistributionConfig</a:t>
-            </a:r>
-            <a:r>
-              <a:rPr lang="en-US" dirty="0"/>
-              <a:t>": {</a:t>
-            </a:r>
-          </a:p>
-          <a:p>
-            <a:r>
-              <a:rPr lang="en-US" dirty="0"/>
-              <a:t>          "Origins": [</a:t>
-            </a:r>
-          </a:p>
-          <a:p>
-            <a:r>
-              <a:rPr lang="en-US" dirty="0"/>
-              <a:t>            {</a:t>
-            </a:r>
-          </a:p>
-          <a:p>
-            <a:r>
-              <a:rPr lang="en-US" dirty="0"/>
-              <a:t>              "DomainName": {</a:t>
-            </a:r>
-          </a:p>
-          <a:p>
-            <a:r>
-              <a:rPr lang="en-US" dirty="0"/>
-              <a:t>                "</a:t>
-            </a:r>
-            <a:r>
-              <a:rPr lang="en-US" dirty="0" err="1"/>
-              <a:t>Fn</a:t>
-            </a:r>
-            <a:r>
-              <a:rPr lang="en-US" dirty="0"/>
-              <a:t>::</a:t>
-            </a:r>
-            <a:r>
-              <a:rPr lang="en-US" dirty="0" err="1"/>
-              <a:t>GetAtt</a:t>
-            </a:r>
-            <a:r>
-              <a:rPr lang="en-US" dirty="0"/>
-              <a:t>": [</a:t>
-            </a:r>
-          </a:p>
-          <a:p>
-            <a:r>
-              <a:rPr lang="en-US" dirty="0"/>
-              <a:t>                  "</a:t>
-            </a:r>
-            <a:r>
-              <a:rPr lang="en-US" dirty="0" err="1"/>
-              <a:t>myBucket</a:t>
-            </a:r>
-            <a:r>
-              <a:rPr lang="en-US" dirty="0"/>
-              <a:t>",</a:t>
-            </a:r>
-          </a:p>
-          <a:p>
-            <a:r>
-              <a:rPr lang="en-US" dirty="0"/>
-              <a:t>                  "DomainName"</a:t>
-            </a:r>
-          </a:p>
-          <a:p>
-            <a:r>
-              <a:rPr lang="en-US" dirty="0"/>
-              <a:t>                ]</a:t>
-            </a:r>
-          </a:p>
-          <a:p>
-            <a:r>
-              <a:rPr lang="en-US" dirty="0"/>
-              <a:t>              },</a:t>
-            </a:r>
-          </a:p>
-          <a:p>
-            <a:r>
-              <a:rPr lang="en-US" dirty="0"/>
-              <a:t>              "Id": "myS3Origin",</a:t>
-            </a:r>
-          </a:p>
-          <a:p>
-            <a:r>
-              <a:rPr lang="en-US" dirty="0"/>
-              <a:t>              "S3OriginConfig": {}</a:t>
-            </a:r>
-          </a:p>
-          <a:p>
-            <a:r>
-              <a:rPr lang="en-US" dirty="0"/>
-              <a:t>            }</a:t>
-            </a:r>
-          </a:p>
-          <a:p>
-            <a:r>
-              <a:rPr lang="en-US" dirty="0"/>
-              <a:t>          ],</a:t>
-            </a:r>
-          </a:p>
-          <a:p>
-            <a:r>
-              <a:rPr lang="en-US" dirty="0"/>
-              <a:t>          "Enabled": "true",</a:t>
-            </a:r>
-          </a:p>
-          <a:p>
-            <a:r>
-              <a:rPr lang="en-US" dirty="0"/>
-              <a:t>          "</a:t>
-            </a:r>
-            <a:r>
-              <a:rPr lang="en-US" dirty="0" err="1"/>
-              <a:t>DefaultCacheBehavior</a:t>
-            </a:r>
-            <a:r>
-              <a:rPr lang="en-US" dirty="0"/>
-              <a:t>": {</a:t>
-            </a:r>
-          </a:p>
-          <a:p>
-            <a:r>
-              <a:rPr lang="en-US" dirty="0"/>
-              <a:t>            "</a:t>
-            </a:r>
-            <a:r>
-              <a:rPr lang="en-US" dirty="0" err="1"/>
-              <a:t>TargetOriginId</a:t>
-            </a:r>
-            <a:r>
-              <a:rPr lang="en-US" dirty="0"/>
-              <a:t>": "myS3Origin",</a:t>
-            </a:r>
-          </a:p>
-          <a:p>
-            <a:r>
-              <a:rPr lang="en-US" dirty="0"/>
-              <a:t>            "</a:t>
-            </a:r>
-            <a:r>
-              <a:rPr lang="en-US" dirty="0" err="1"/>
-              <a:t>ForwardedValues</a:t>
-            </a:r>
-            <a:r>
-              <a:rPr lang="en-US" dirty="0"/>
-              <a:t>": {</a:t>
-            </a:r>
-          </a:p>
-          <a:p>
-            <a:r>
-              <a:rPr lang="en-US" dirty="0"/>
-              <a:t>              "</a:t>
-            </a:r>
-            <a:r>
-              <a:rPr lang="en-US" dirty="0" err="1"/>
-              <a:t>QueryString</a:t>
-            </a:r>
-            <a:r>
-              <a:rPr lang="en-US" dirty="0"/>
-              <a:t>": "false"</a:t>
-            </a:r>
-          </a:p>
-          <a:p>
-            <a:r>
-              <a:rPr lang="en-US" dirty="0"/>
-              <a:t>            },</a:t>
-            </a:r>
-          </a:p>
-          <a:p>
-            <a:r>
-              <a:rPr lang="en-US" dirty="0"/>
-              <a:t>            "</a:t>
-            </a:r>
-            <a:r>
-              <a:rPr lang="en-US" dirty="0" err="1"/>
-              <a:t>ViewerProtocolPolicy</a:t>
-            </a:r>
-            <a:r>
-              <a:rPr lang="en-US" dirty="0"/>
-              <a:t>": "allow-all"</a:t>
-            </a:r>
-          </a:p>
-          <a:p>
-            <a:r>
-              <a:rPr lang="en-US" dirty="0"/>
-              <a:t>          }</a:t>
-            </a:r>
-          </a:p>
-          <a:p>
-            <a:r>
-              <a:rPr lang="en-US" dirty="0"/>
-              <a:t>        }</a:t>
-            </a:r>
-          </a:p>
-          <a:p>
-            <a:r>
-              <a:rPr lang="en-US" dirty="0"/>
-              <a:t>      }</a:t>
-            </a:r>
-          </a:p>
-          <a:p>
-            <a:r>
-              <a:rPr lang="en-US" dirty="0"/>
-              <a:t>    }</a:t>
-            </a:r>
-          </a:p>
-          <a:p>
-            <a:r>
-              <a:rPr lang="en-US" dirty="0"/>
-              <a:t>  }</a:t>
-            </a:r>
-          </a:p>
-          <a:p>
-            <a:r>
-              <a:rPr lang="en-US" dirty="0"/>
-              <a:t>}</a:t>
-            </a:r>
-          </a:p>
-          <a:p>
-            <a:endParaRPr lang="en-US" dirty="0"/>
-          </a:p>
-          <a:p>
-            <a:r>
-              <a:rPr lang="en-US" b="1" dirty="0"/>
-              <a:t>Conditional Values in Mappings</a:t>
-            </a:r>
-          </a:p>
-          <a:p>
-            <a:r>
-              <a:rPr lang="en-US" sz="1200" b="0" i="0" kern="1200" dirty="0">
-                <a:solidFill>
-                  <a:schemeClr val="tx1"/>
-                </a:solidFill>
-                <a:effectLst/>
-                <a:latin typeface="+mn-lt"/>
-                <a:ea typeface="+mn-ea"/>
-                <a:cs typeface="+mn-cs"/>
-              </a:rPr>
-              <a:t>Parameters are a great way to enable users to specify unique or sensitive values for use in the properties of stack resources; however, there may be settings that are region dependent or are somewhat complex for users to figure out because of other conditions or dependencies. In these cases, you would want to put some logic in the template itself so that users can specify simpler values (or none at all) to get the results that they want. In an earlier example, we hardcoded the AMI ID for the </a:t>
-            </a:r>
-            <a:r>
-              <a:rPr lang="en-US" sz="1200" b="0" i="0" kern="1200" dirty="0" err="1">
-                <a:solidFill>
-                  <a:schemeClr val="tx1"/>
-                </a:solidFill>
-                <a:effectLst/>
-                <a:latin typeface="+mn-lt"/>
-                <a:ea typeface="+mn-ea"/>
-                <a:cs typeface="+mn-cs"/>
-              </a:rPr>
-              <a:t>ImageId</a:t>
-            </a:r>
-            <a:r>
-              <a:rPr lang="en-US" sz="1200" b="0" i="0" kern="1200" dirty="0">
-                <a:solidFill>
-                  <a:schemeClr val="tx1"/>
-                </a:solidFill>
-                <a:effectLst/>
-                <a:latin typeface="+mn-lt"/>
-                <a:ea typeface="+mn-ea"/>
-                <a:cs typeface="+mn-cs"/>
-              </a:rPr>
-              <a:t> property of our EC2 instance. This works fine in the US-East region, where it represents the AMI that we want. However, if the user tries to build the stack in a different region he or she will get the wrong AMI or no AMI at all. (AMI IDs are unique to a region, so the same AMI ID in a different region may not represent any AMI or a completely different one.)</a:t>
-            </a:r>
-            <a:br>
-              <a:rPr lang="en-US" sz="1200" b="0" i="0" kern="1200" dirty="0">
-                <a:solidFill>
-                  <a:schemeClr val="tx1"/>
-                </a:solidFill>
-                <a:effectLst/>
-                <a:latin typeface="+mn-lt"/>
-                <a:ea typeface="+mn-ea"/>
-                <a:cs typeface="+mn-cs"/>
-              </a:rPr>
-            </a:br>
-            <a:r>
-              <a:rPr lang="en-US" sz="1200" b="0" i="0" kern="1200" dirty="0">
-                <a:solidFill>
-                  <a:schemeClr val="tx1"/>
-                </a:solidFill>
-                <a:effectLst/>
-                <a:latin typeface="+mn-lt"/>
-                <a:ea typeface="+mn-ea"/>
-                <a:cs typeface="+mn-cs"/>
-              </a:rPr>
-              <a:t>The AWS::Region pseudo parameter is a value that AWS CloudFormation resolves as the region where the stack is created. </a:t>
-            </a:r>
-          </a:p>
-          <a:p>
-            <a:r>
-              <a:rPr lang="en-US" sz="1200" b="0" i="0" kern="1200" dirty="0">
-                <a:solidFill>
-                  <a:schemeClr val="tx1"/>
-                </a:solidFill>
-                <a:effectLst/>
-                <a:latin typeface="+mn-lt"/>
-                <a:ea typeface="+mn-ea"/>
-                <a:cs typeface="+mn-cs"/>
-              </a:rPr>
-              <a:t>To avoid this problem, you need a way to specify the right AMI ID based on a conditional input (in this example, the region where the stack is created). There are two template features that can help, the Mappings object and the AWS::Region pseudo parameter.</a:t>
-            </a:r>
-          </a:p>
-          <a:p>
-            <a:r>
-              <a:rPr lang="en-US" sz="1200" b="1" i="0" kern="1200" dirty="0">
-                <a:solidFill>
-                  <a:schemeClr val="tx1"/>
-                </a:solidFill>
-                <a:effectLst/>
-                <a:latin typeface="+mn-lt"/>
-                <a:ea typeface="+mn-ea"/>
-                <a:cs typeface="+mn-cs"/>
-              </a:rPr>
-              <a:t>Example:</a:t>
-            </a:r>
-            <a:br>
-              <a:rPr lang="en-US" sz="1200" b="0" i="0" kern="1200" dirty="0">
-                <a:solidFill>
-                  <a:schemeClr val="tx1"/>
-                </a:solidFill>
-                <a:effectLst/>
-                <a:latin typeface="+mn-lt"/>
-                <a:ea typeface="+mn-ea"/>
-                <a:cs typeface="+mn-cs"/>
-              </a:rPr>
-            </a:br>
-            <a:r>
-              <a:rPr lang="en-US" sz="1200" b="0" i="0" kern="1200" dirty="0">
-                <a:solidFill>
-                  <a:schemeClr val="tx1"/>
-                </a:solidFill>
-                <a:effectLst/>
-                <a:latin typeface="+mn-lt"/>
-                <a:ea typeface="+mn-ea"/>
-                <a:cs typeface="+mn-cs"/>
-              </a:rPr>
-              <a:t>{</a:t>
-            </a:r>
-          </a:p>
-          <a:p>
-            <a:r>
-              <a:rPr lang="en-US" sz="1200" b="0" i="0" kern="1200" dirty="0">
-                <a:solidFill>
-                  <a:schemeClr val="tx1"/>
-                </a:solidFill>
-                <a:effectLst/>
-                <a:latin typeface="+mn-lt"/>
-                <a:ea typeface="+mn-ea"/>
-                <a:cs typeface="+mn-cs"/>
-              </a:rPr>
-              <a:t>  "Parameters": {</a:t>
-            </a:r>
-          </a:p>
-          <a:p>
-            <a:r>
-              <a:rPr lang="en-US" sz="1200" b="0" i="0" kern="1200" dirty="0">
-                <a:solidFill>
-                  <a:schemeClr val="tx1"/>
-                </a:solidFill>
-                <a:effectLst/>
-                <a:latin typeface="+mn-lt"/>
-                <a:ea typeface="+mn-ea"/>
-                <a:cs typeface="+mn-cs"/>
-              </a:rPr>
-              <a:t>    "</a:t>
-            </a:r>
-            <a:r>
-              <a:rPr lang="en-US" sz="1200" b="0" i="0" kern="1200" dirty="0" err="1">
-                <a:solidFill>
-                  <a:schemeClr val="tx1"/>
-                </a:solidFill>
-                <a:effectLst/>
-                <a:latin typeface="+mn-lt"/>
-                <a:ea typeface="+mn-ea"/>
-                <a:cs typeface="+mn-cs"/>
-              </a:rPr>
-              <a:t>KeyName</a:t>
-            </a:r>
-            <a:r>
-              <a:rPr lang="en-US" sz="1200" b="0" i="0" kern="1200" dirty="0">
-                <a:solidFill>
-                  <a:schemeClr val="tx1"/>
-                </a:solidFill>
-                <a:effectLst/>
-                <a:latin typeface="+mn-lt"/>
-                <a:ea typeface="+mn-ea"/>
-                <a:cs typeface="+mn-cs"/>
-              </a:rPr>
-              <a:t>": {</a:t>
-            </a:r>
-          </a:p>
-          <a:p>
-            <a:r>
-              <a:rPr lang="en-US" sz="1200" b="0" i="0" kern="1200" dirty="0">
-                <a:solidFill>
-                  <a:schemeClr val="tx1"/>
-                </a:solidFill>
-                <a:effectLst/>
-                <a:latin typeface="+mn-lt"/>
-                <a:ea typeface="+mn-ea"/>
-                <a:cs typeface="+mn-cs"/>
-              </a:rPr>
-              <a:t>      "Description": "Name of an existing EC2 </a:t>
-            </a:r>
-            <a:r>
-              <a:rPr lang="en-US" sz="1200" b="0" i="0" kern="1200" dirty="0" err="1">
-                <a:solidFill>
-                  <a:schemeClr val="tx1"/>
-                </a:solidFill>
-                <a:effectLst/>
-                <a:latin typeface="+mn-lt"/>
-                <a:ea typeface="+mn-ea"/>
-                <a:cs typeface="+mn-cs"/>
-              </a:rPr>
-              <a:t>KeyPair</a:t>
-            </a:r>
-            <a:r>
-              <a:rPr lang="en-US" sz="1200" b="0" i="0" kern="1200" dirty="0">
-                <a:solidFill>
-                  <a:schemeClr val="tx1"/>
-                </a:solidFill>
-                <a:effectLst/>
-                <a:latin typeface="+mn-lt"/>
-                <a:ea typeface="+mn-ea"/>
-                <a:cs typeface="+mn-cs"/>
-              </a:rPr>
-              <a:t> to enable SSH access to the instance",</a:t>
-            </a:r>
-          </a:p>
-          <a:p>
-            <a:r>
-              <a:rPr lang="en-US" sz="1200" b="0" i="0" kern="1200" dirty="0">
-                <a:solidFill>
-                  <a:schemeClr val="tx1"/>
-                </a:solidFill>
-                <a:effectLst/>
-                <a:latin typeface="+mn-lt"/>
-                <a:ea typeface="+mn-ea"/>
-                <a:cs typeface="+mn-cs"/>
-              </a:rPr>
-              <a:t>      "Type": "String"</a:t>
-            </a:r>
-          </a:p>
-          <a:p>
-            <a:r>
-              <a:rPr lang="en-US" sz="1200" b="0" i="0" kern="1200" dirty="0">
-                <a:solidFill>
-                  <a:schemeClr val="tx1"/>
-                </a:solidFill>
-                <a:effectLst/>
-                <a:latin typeface="+mn-lt"/>
-                <a:ea typeface="+mn-ea"/>
-                <a:cs typeface="+mn-cs"/>
-              </a:rPr>
-              <a:t>    }</a:t>
-            </a:r>
-          </a:p>
-          <a:p>
-            <a:r>
-              <a:rPr lang="en-US" sz="1200" b="0" i="0" kern="1200" dirty="0">
-                <a:solidFill>
-                  <a:schemeClr val="tx1"/>
-                </a:solidFill>
-                <a:effectLst/>
-                <a:latin typeface="+mn-lt"/>
-                <a:ea typeface="+mn-ea"/>
-                <a:cs typeface="+mn-cs"/>
-              </a:rPr>
-              <a:t>  },</a:t>
-            </a:r>
-          </a:p>
-          <a:p>
-            <a:r>
-              <a:rPr lang="en-US" sz="1200" b="0" i="0" kern="1200" dirty="0">
-                <a:solidFill>
-                  <a:schemeClr val="tx1"/>
-                </a:solidFill>
-                <a:effectLst/>
-                <a:latin typeface="+mn-lt"/>
-                <a:ea typeface="+mn-ea"/>
-                <a:cs typeface="+mn-cs"/>
-              </a:rPr>
-              <a:t>  "Mappings": {</a:t>
-            </a:r>
-          </a:p>
-          <a:p>
-            <a:r>
-              <a:rPr lang="en-US" sz="1200" b="0" i="0" kern="1200" dirty="0">
-                <a:solidFill>
-                  <a:schemeClr val="tx1"/>
-                </a:solidFill>
-                <a:effectLst/>
-                <a:latin typeface="+mn-lt"/>
-                <a:ea typeface="+mn-ea"/>
-                <a:cs typeface="+mn-cs"/>
-              </a:rPr>
-              <a:t>    "</a:t>
-            </a:r>
-            <a:r>
-              <a:rPr lang="en-US" sz="1200" b="0" i="0" kern="1200" dirty="0" err="1">
-                <a:solidFill>
-                  <a:schemeClr val="tx1"/>
-                </a:solidFill>
-                <a:effectLst/>
-                <a:latin typeface="+mn-lt"/>
-                <a:ea typeface="+mn-ea"/>
-                <a:cs typeface="+mn-cs"/>
-              </a:rPr>
-              <a:t>RegionMap</a:t>
-            </a:r>
-            <a:r>
-              <a:rPr lang="en-US" sz="1200" b="0" i="0" kern="1200" dirty="0">
-                <a:solidFill>
-                  <a:schemeClr val="tx1"/>
-                </a:solidFill>
-                <a:effectLst/>
-                <a:latin typeface="+mn-lt"/>
-                <a:ea typeface="+mn-ea"/>
-                <a:cs typeface="+mn-cs"/>
-              </a:rPr>
-              <a:t>": {</a:t>
-            </a:r>
-          </a:p>
-          <a:p>
-            <a:r>
-              <a:rPr lang="en-US" sz="1200" b="0" i="0" kern="1200" dirty="0">
-                <a:solidFill>
-                  <a:schemeClr val="tx1"/>
-                </a:solidFill>
-                <a:effectLst/>
-                <a:latin typeface="+mn-lt"/>
-                <a:ea typeface="+mn-ea"/>
-                <a:cs typeface="+mn-cs"/>
-              </a:rPr>
-              <a:t>      "us-east-1": {</a:t>
-            </a:r>
-          </a:p>
-          <a:p>
-            <a:r>
-              <a:rPr lang="en-US" sz="1200" b="0" i="0" kern="1200" dirty="0">
-                <a:solidFill>
-                  <a:schemeClr val="tx1"/>
-                </a:solidFill>
-                <a:effectLst/>
-                <a:latin typeface="+mn-lt"/>
-                <a:ea typeface="+mn-ea"/>
-                <a:cs typeface="+mn-cs"/>
-              </a:rPr>
-              <a:t>        "AMI": "ami-76f0061f"</a:t>
-            </a:r>
-          </a:p>
-          <a:p>
-            <a:r>
-              <a:rPr lang="en-US" sz="1200" b="0" i="0" kern="1200" dirty="0">
-                <a:solidFill>
-                  <a:schemeClr val="tx1"/>
-                </a:solidFill>
-                <a:effectLst/>
-                <a:latin typeface="+mn-lt"/>
-                <a:ea typeface="+mn-ea"/>
-                <a:cs typeface="+mn-cs"/>
-              </a:rPr>
-              <a:t>      },</a:t>
-            </a:r>
-          </a:p>
-          <a:p>
-            <a:r>
-              <a:rPr lang="en-US" sz="1200" b="0" i="0" kern="1200" dirty="0">
-                <a:solidFill>
-                  <a:schemeClr val="tx1"/>
-                </a:solidFill>
-                <a:effectLst/>
-                <a:latin typeface="+mn-lt"/>
-                <a:ea typeface="+mn-ea"/>
-                <a:cs typeface="+mn-cs"/>
-              </a:rPr>
-              <a:t>      "us-west-1": {</a:t>
-            </a:r>
-          </a:p>
-          <a:p>
-            <a:r>
-              <a:rPr lang="en-US" sz="1200" b="0" i="0" kern="1200" dirty="0">
-                <a:solidFill>
-                  <a:schemeClr val="tx1"/>
-                </a:solidFill>
-                <a:effectLst/>
-                <a:latin typeface="+mn-lt"/>
-                <a:ea typeface="+mn-ea"/>
-                <a:cs typeface="+mn-cs"/>
-              </a:rPr>
-              <a:t>        "AMI": "ami-655a0a20"</a:t>
-            </a:r>
-          </a:p>
-          <a:p>
-            <a:r>
-              <a:rPr lang="en-US" sz="1200" b="0" i="0" kern="1200" dirty="0">
-                <a:solidFill>
-                  <a:schemeClr val="tx1"/>
-                </a:solidFill>
-                <a:effectLst/>
-                <a:latin typeface="+mn-lt"/>
-                <a:ea typeface="+mn-ea"/>
-                <a:cs typeface="+mn-cs"/>
-              </a:rPr>
-              <a:t>      },</a:t>
-            </a:r>
-          </a:p>
-          <a:p>
-            <a:r>
-              <a:rPr lang="en-US" sz="1200" b="0" i="0" kern="1200" dirty="0">
-                <a:solidFill>
-                  <a:schemeClr val="tx1"/>
-                </a:solidFill>
-                <a:effectLst/>
-                <a:latin typeface="+mn-lt"/>
-                <a:ea typeface="+mn-ea"/>
-                <a:cs typeface="+mn-cs"/>
-              </a:rPr>
-              <a:t>      "eu-west-1": {</a:t>
-            </a:r>
-          </a:p>
-          <a:p>
-            <a:r>
-              <a:rPr lang="en-US" sz="1200" b="0" i="0" kern="1200" dirty="0">
-                <a:solidFill>
-                  <a:schemeClr val="tx1"/>
-                </a:solidFill>
-                <a:effectLst/>
-                <a:latin typeface="+mn-lt"/>
-                <a:ea typeface="+mn-ea"/>
-                <a:cs typeface="+mn-cs"/>
-              </a:rPr>
-              <a:t>        "AMI": "ami-7fd4e10b"</a:t>
-            </a:r>
-          </a:p>
-          <a:p>
-            <a:r>
-              <a:rPr lang="en-US" sz="1200" b="0" i="0" kern="1200" dirty="0">
-                <a:solidFill>
-                  <a:schemeClr val="tx1"/>
-                </a:solidFill>
-                <a:effectLst/>
-                <a:latin typeface="+mn-lt"/>
-                <a:ea typeface="+mn-ea"/>
-                <a:cs typeface="+mn-cs"/>
-              </a:rPr>
-              <a:t>      },</a:t>
-            </a:r>
-          </a:p>
-          <a:p>
-            <a:r>
-              <a:rPr lang="en-US" sz="1200" b="0" i="0" kern="1200" dirty="0">
-                <a:solidFill>
-                  <a:schemeClr val="tx1"/>
-                </a:solidFill>
-                <a:effectLst/>
-                <a:latin typeface="+mn-lt"/>
-                <a:ea typeface="+mn-ea"/>
-                <a:cs typeface="+mn-cs"/>
-              </a:rPr>
-              <a:t>      "ap-southeast-1": {</a:t>
-            </a:r>
-          </a:p>
-          <a:p>
-            <a:r>
-              <a:rPr lang="en-US" sz="1200" b="0" i="0" kern="1200" dirty="0">
-                <a:solidFill>
-                  <a:schemeClr val="tx1"/>
-                </a:solidFill>
-                <a:effectLst/>
-                <a:latin typeface="+mn-lt"/>
-                <a:ea typeface="+mn-ea"/>
-                <a:cs typeface="+mn-cs"/>
-              </a:rPr>
-              <a:t>        "AMI": "ami-72621c20"</a:t>
-            </a:r>
-          </a:p>
-          <a:p>
-            <a:r>
-              <a:rPr lang="en-US" sz="1200" b="0" i="0" kern="1200" dirty="0">
-                <a:solidFill>
-                  <a:schemeClr val="tx1"/>
-                </a:solidFill>
-                <a:effectLst/>
-                <a:latin typeface="+mn-lt"/>
-                <a:ea typeface="+mn-ea"/>
-                <a:cs typeface="+mn-cs"/>
-              </a:rPr>
-              <a:t>      },</a:t>
-            </a:r>
-          </a:p>
-          <a:p>
-            <a:r>
-              <a:rPr lang="en-US" sz="1200" b="0" i="0" kern="1200" dirty="0">
-                <a:solidFill>
-                  <a:schemeClr val="tx1"/>
-                </a:solidFill>
-                <a:effectLst/>
-                <a:latin typeface="+mn-lt"/>
-                <a:ea typeface="+mn-ea"/>
-                <a:cs typeface="+mn-cs"/>
-              </a:rPr>
-              <a:t>      "ap-northeast-1": {</a:t>
-            </a:r>
-          </a:p>
-          <a:p>
-            <a:r>
-              <a:rPr lang="en-US" sz="1200" b="0" i="0" kern="1200" dirty="0">
-                <a:solidFill>
-                  <a:schemeClr val="tx1"/>
-                </a:solidFill>
-                <a:effectLst/>
-                <a:latin typeface="+mn-lt"/>
-                <a:ea typeface="+mn-ea"/>
-                <a:cs typeface="+mn-cs"/>
-              </a:rPr>
-              <a:t>        "AMI": "ami-8e08a38f"</a:t>
-            </a:r>
-          </a:p>
-          <a:p>
-            <a:r>
-              <a:rPr lang="en-US" sz="1200" b="0" i="0" kern="1200" dirty="0">
-                <a:solidFill>
-                  <a:schemeClr val="tx1"/>
-                </a:solidFill>
-                <a:effectLst/>
-                <a:latin typeface="+mn-lt"/>
-                <a:ea typeface="+mn-ea"/>
-                <a:cs typeface="+mn-cs"/>
-              </a:rPr>
-              <a:t>      }</a:t>
-            </a:r>
-          </a:p>
-          <a:p>
-            <a:r>
-              <a:rPr lang="en-US" sz="1200" b="0" i="0" kern="1200" dirty="0">
-                <a:solidFill>
-                  <a:schemeClr val="tx1"/>
-                </a:solidFill>
-                <a:effectLst/>
-                <a:latin typeface="+mn-lt"/>
-                <a:ea typeface="+mn-ea"/>
-                <a:cs typeface="+mn-cs"/>
-              </a:rPr>
-              <a:t>    }</a:t>
-            </a:r>
-          </a:p>
-          <a:p>
-            <a:r>
-              <a:rPr lang="en-US" sz="1200" b="0" i="0" kern="1200" dirty="0">
-                <a:solidFill>
-                  <a:schemeClr val="tx1"/>
-                </a:solidFill>
-                <a:effectLst/>
-                <a:latin typeface="+mn-lt"/>
-                <a:ea typeface="+mn-ea"/>
-                <a:cs typeface="+mn-cs"/>
-              </a:rPr>
-              <a:t>  },</a:t>
-            </a:r>
-          </a:p>
-          <a:p>
-            <a:r>
-              <a:rPr lang="en-US" sz="1200" b="0" i="0" kern="1200" dirty="0">
-                <a:solidFill>
-                  <a:schemeClr val="tx1"/>
-                </a:solidFill>
-                <a:effectLst/>
-                <a:latin typeface="+mn-lt"/>
-                <a:ea typeface="+mn-ea"/>
-                <a:cs typeface="+mn-cs"/>
-              </a:rPr>
-              <a:t>  "Resources": {</a:t>
-            </a:r>
-          </a:p>
-          <a:p>
-            <a:r>
-              <a:rPr lang="en-US" sz="1200" b="0" i="0" kern="1200" dirty="0">
-                <a:solidFill>
-                  <a:schemeClr val="tx1"/>
-                </a:solidFill>
-                <a:effectLst/>
-                <a:latin typeface="+mn-lt"/>
-                <a:ea typeface="+mn-ea"/>
-                <a:cs typeface="+mn-cs"/>
-              </a:rPr>
-              <a:t>    "Ec2Instance": {</a:t>
-            </a:r>
-          </a:p>
-          <a:p>
-            <a:r>
-              <a:rPr lang="en-US" sz="1200" b="0" i="0" kern="1200" dirty="0">
-                <a:solidFill>
-                  <a:schemeClr val="tx1"/>
-                </a:solidFill>
-                <a:effectLst/>
-                <a:latin typeface="+mn-lt"/>
-                <a:ea typeface="+mn-ea"/>
-                <a:cs typeface="+mn-cs"/>
-              </a:rPr>
-              <a:t>      "Type": "AWS::EC2::Instance",</a:t>
-            </a:r>
-          </a:p>
-          <a:p>
-            <a:r>
-              <a:rPr lang="en-US" sz="1200" b="0" i="0" kern="1200" dirty="0">
-                <a:solidFill>
-                  <a:schemeClr val="tx1"/>
-                </a:solidFill>
-                <a:effectLst/>
-                <a:latin typeface="+mn-lt"/>
-                <a:ea typeface="+mn-ea"/>
-                <a:cs typeface="+mn-cs"/>
-              </a:rPr>
-              <a:t>      "Properties": {</a:t>
-            </a:r>
-          </a:p>
-          <a:p>
-            <a:r>
-              <a:rPr lang="en-US" sz="1200" b="0" i="0" kern="1200" dirty="0">
-                <a:solidFill>
-                  <a:schemeClr val="tx1"/>
-                </a:solidFill>
-                <a:effectLst/>
-                <a:latin typeface="+mn-lt"/>
-                <a:ea typeface="+mn-ea"/>
-                <a:cs typeface="+mn-cs"/>
-              </a:rPr>
-              <a:t>        "</a:t>
-            </a:r>
-            <a:r>
-              <a:rPr lang="en-US" sz="1200" b="0" i="0" kern="1200" dirty="0" err="1">
-                <a:solidFill>
-                  <a:schemeClr val="tx1"/>
-                </a:solidFill>
-                <a:effectLst/>
-                <a:latin typeface="+mn-lt"/>
-                <a:ea typeface="+mn-ea"/>
-                <a:cs typeface="+mn-cs"/>
-              </a:rPr>
-              <a:t>KeyName</a:t>
-            </a:r>
-            <a:r>
-              <a:rPr lang="en-US" sz="1200" b="0" i="0" kern="1200" dirty="0">
-                <a:solidFill>
-                  <a:schemeClr val="tx1"/>
-                </a:solidFill>
-                <a:effectLst/>
-                <a:latin typeface="+mn-lt"/>
-                <a:ea typeface="+mn-ea"/>
-                <a:cs typeface="+mn-cs"/>
-              </a:rPr>
-              <a:t>": {</a:t>
-            </a:r>
-          </a:p>
-          <a:p>
-            <a:r>
-              <a:rPr lang="en-US" sz="1200" b="0" i="0" kern="1200" dirty="0">
-                <a:solidFill>
-                  <a:schemeClr val="tx1"/>
-                </a:solidFill>
-                <a:effectLst/>
-                <a:latin typeface="+mn-lt"/>
-                <a:ea typeface="+mn-ea"/>
-                <a:cs typeface="+mn-cs"/>
-              </a:rPr>
-              <a:t>          "Ref": "</a:t>
-            </a:r>
-            <a:r>
-              <a:rPr lang="en-US" sz="1200" b="0" i="0" kern="1200" dirty="0" err="1">
-                <a:solidFill>
-                  <a:schemeClr val="tx1"/>
-                </a:solidFill>
-                <a:effectLst/>
-                <a:latin typeface="+mn-lt"/>
-                <a:ea typeface="+mn-ea"/>
-                <a:cs typeface="+mn-cs"/>
-              </a:rPr>
-              <a:t>KeyName</a:t>
-            </a:r>
-            <a:r>
-              <a:rPr lang="en-US" sz="1200" b="0" i="0" kern="1200" dirty="0">
-                <a:solidFill>
-                  <a:schemeClr val="tx1"/>
-                </a:solidFill>
-                <a:effectLst/>
-                <a:latin typeface="+mn-lt"/>
-                <a:ea typeface="+mn-ea"/>
-                <a:cs typeface="+mn-cs"/>
-              </a:rPr>
-              <a:t>"</a:t>
-            </a:r>
-          </a:p>
-          <a:p>
-            <a:r>
-              <a:rPr lang="en-US" sz="1200" b="0" i="0" kern="1200" dirty="0">
-                <a:solidFill>
-                  <a:schemeClr val="tx1"/>
-                </a:solidFill>
-                <a:effectLst/>
-                <a:latin typeface="+mn-lt"/>
-                <a:ea typeface="+mn-ea"/>
-                <a:cs typeface="+mn-cs"/>
-              </a:rPr>
-              <a:t>        },</a:t>
-            </a:r>
-          </a:p>
-          <a:p>
-            <a:r>
-              <a:rPr lang="en-US" sz="1200" b="0" i="0" kern="1200" dirty="0">
-                <a:solidFill>
-                  <a:schemeClr val="tx1"/>
-                </a:solidFill>
-                <a:effectLst/>
-                <a:latin typeface="+mn-lt"/>
-                <a:ea typeface="+mn-ea"/>
-                <a:cs typeface="+mn-cs"/>
-              </a:rPr>
-              <a:t>        "</a:t>
-            </a:r>
-            <a:r>
-              <a:rPr lang="en-US" sz="1200" b="0" i="0" kern="1200" dirty="0" err="1">
-                <a:solidFill>
-                  <a:schemeClr val="tx1"/>
-                </a:solidFill>
-                <a:effectLst/>
-                <a:latin typeface="+mn-lt"/>
-                <a:ea typeface="+mn-ea"/>
-                <a:cs typeface="+mn-cs"/>
-              </a:rPr>
-              <a:t>ImageId</a:t>
-            </a:r>
-            <a:r>
-              <a:rPr lang="en-US" sz="1200" b="0" i="0" kern="1200" dirty="0">
-                <a:solidFill>
-                  <a:schemeClr val="tx1"/>
-                </a:solidFill>
-                <a:effectLst/>
-                <a:latin typeface="+mn-lt"/>
-                <a:ea typeface="+mn-ea"/>
-                <a:cs typeface="+mn-cs"/>
-              </a:rPr>
-              <a:t>": {</a:t>
-            </a:r>
-          </a:p>
-          <a:p>
-            <a:r>
-              <a:rPr lang="en-US" sz="1200" b="0" i="0" kern="1200" dirty="0">
-                <a:solidFill>
-                  <a:schemeClr val="tx1"/>
-                </a:solidFill>
-                <a:effectLst/>
-                <a:latin typeface="+mn-lt"/>
-                <a:ea typeface="+mn-ea"/>
-                <a:cs typeface="+mn-cs"/>
-              </a:rPr>
-              <a:t>          "</a:t>
-            </a:r>
-            <a:r>
-              <a:rPr lang="en-US" sz="1200" b="0" i="0" kern="1200" dirty="0" err="1">
-                <a:solidFill>
-                  <a:schemeClr val="tx1"/>
-                </a:solidFill>
-                <a:effectLst/>
-                <a:latin typeface="+mn-lt"/>
-                <a:ea typeface="+mn-ea"/>
-                <a:cs typeface="+mn-cs"/>
-              </a:rPr>
-              <a:t>Fn</a:t>
-            </a:r>
-            <a:r>
-              <a:rPr lang="en-US" sz="1200" b="0" i="0" kern="1200" dirty="0">
-                <a:solidFill>
-                  <a:schemeClr val="tx1"/>
-                </a:solidFill>
-                <a:effectLst/>
-                <a:latin typeface="+mn-lt"/>
-                <a:ea typeface="+mn-ea"/>
-                <a:cs typeface="+mn-cs"/>
-              </a:rPr>
-              <a:t>::</a:t>
-            </a:r>
-            <a:r>
-              <a:rPr lang="en-US" sz="1200" b="0" i="0" kern="1200" dirty="0" err="1">
-                <a:solidFill>
-                  <a:schemeClr val="tx1"/>
-                </a:solidFill>
-                <a:effectLst/>
-                <a:latin typeface="+mn-lt"/>
-                <a:ea typeface="+mn-ea"/>
-                <a:cs typeface="+mn-cs"/>
-              </a:rPr>
-              <a:t>FindInMap</a:t>
-            </a:r>
-            <a:r>
-              <a:rPr lang="en-US" sz="1200" b="0" i="0" kern="1200" dirty="0">
-                <a:solidFill>
-                  <a:schemeClr val="tx1"/>
-                </a:solidFill>
-                <a:effectLst/>
-                <a:latin typeface="+mn-lt"/>
-                <a:ea typeface="+mn-ea"/>
-                <a:cs typeface="+mn-cs"/>
-              </a:rPr>
-              <a:t>": [</a:t>
-            </a:r>
-          </a:p>
-          <a:p>
-            <a:r>
-              <a:rPr lang="en-US" sz="1200" b="0" i="0" kern="1200" dirty="0">
-                <a:solidFill>
-                  <a:schemeClr val="tx1"/>
-                </a:solidFill>
-                <a:effectLst/>
-                <a:latin typeface="+mn-lt"/>
-                <a:ea typeface="+mn-ea"/>
-                <a:cs typeface="+mn-cs"/>
-              </a:rPr>
-              <a:t>            "</a:t>
-            </a:r>
-            <a:r>
-              <a:rPr lang="en-US" sz="1200" b="0" i="0" kern="1200" dirty="0" err="1">
-                <a:solidFill>
-                  <a:schemeClr val="tx1"/>
-                </a:solidFill>
-                <a:effectLst/>
-                <a:latin typeface="+mn-lt"/>
-                <a:ea typeface="+mn-ea"/>
-                <a:cs typeface="+mn-cs"/>
-              </a:rPr>
-              <a:t>RegionMap</a:t>
-            </a:r>
-            <a:r>
-              <a:rPr lang="en-US" sz="1200" b="0" i="0" kern="1200" dirty="0">
-                <a:solidFill>
-                  <a:schemeClr val="tx1"/>
-                </a:solidFill>
-                <a:effectLst/>
-                <a:latin typeface="+mn-lt"/>
-                <a:ea typeface="+mn-ea"/>
-                <a:cs typeface="+mn-cs"/>
-              </a:rPr>
-              <a:t>",</a:t>
-            </a:r>
-          </a:p>
-          <a:p>
-            <a:r>
-              <a:rPr lang="en-US" sz="1200" b="0" i="0" kern="1200" dirty="0">
-                <a:solidFill>
-                  <a:schemeClr val="tx1"/>
-                </a:solidFill>
-                <a:effectLst/>
-                <a:latin typeface="+mn-lt"/>
-                <a:ea typeface="+mn-ea"/>
-                <a:cs typeface="+mn-cs"/>
-              </a:rPr>
-              <a:t>            {</a:t>
-            </a:r>
-          </a:p>
-          <a:p>
-            <a:r>
-              <a:rPr lang="en-US" sz="1200" b="0" i="0" kern="1200" dirty="0">
-                <a:solidFill>
-                  <a:schemeClr val="tx1"/>
-                </a:solidFill>
-                <a:effectLst/>
-                <a:latin typeface="+mn-lt"/>
-                <a:ea typeface="+mn-ea"/>
-                <a:cs typeface="+mn-cs"/>
-              </a:rPr>
-              <a:t>              "Ref": "AWS::Region"</a:t>
-            </a:r>
-          </a:p>
-          <a:p>
-            <a:r>
-              <a:rPr lang="en-US" sz="1200" b="0" i="0" kern="1200" dirty="0">
-                <a:solidFill>
-                  <a:schemeClr val="tx1"/>
-                </a:solidFill>
-                <a:effectLst/>
-                <a:latin typeface="+mn-lt"/>
-                <a:ea typeface="+mn-ea"/>
-                <a:cs typeface="+mn-cs"/>
-              </a:rPr>
-              <a:t>            },</a:t>
-            </a:r>
-          </a:p>
-          <a:p>
-            <a:r>
-              <a:rPr lang="en-US" sz="1200" b="0" i="0" kern="1200" dirty="0">
-                <a:solidFill>
-                  <a:schemeClr val="tx1"/>
-                </a:solidFill>
-                <a:effectLst/>
-                <a:latin typeface="+mn-lt"/>
-                <a:ea typeface="+mn-ea"/>
-                <a:cs typeface="+mn-cs"/>
-              </a:rPr>
-              <a:t>            "AMI"</a:t>
-            </a:r>
-          </a:p>
-          <a:p>
-            <a:r>
-              <a:rPr lang="en-US" sz="1200" b="0" i="0" kern="1200" dirty="0">
-                <a:solidFill>
-                  <a:schemeClr val="tx1"/>
-                </a:solidFill>
-                <a:effectLst/>
-                <a:latin typeface="+mn-lt"/>
-                <a:ea typeface="+mn-ea"/>
-                <a:cs typeface="+mn-cs"/>
-              </a:rPr>
-              <a:t>          ]</a:t>
-            </a:r>
-          </a:p>
-          <a:p>
-            <a:r>
-              <a:rPr lang="en-US" sz="1200" b="0" i="0" kern="1200" dirty="0">
-                <a:solidFill>
-                  <a:schemeClr val="tx1"/>
-                </a:solidFill>
-                <a:effectLst/>
-                <a:latin typeface="+mn-lt"/>
-                <a:ea typeface="+mn-ea"/>
-                <a:cs typeface="+mn-cs"/>
-              </a:rPr>
-              <a:t>        },</a:t>
-            </a:r>
-          </a:p>
-          <a:p>
-            <a:r>
-              <a:rPr lang="en-US" sz="1200" b="0" i="0" kern="1200" dirty="0">
-                <a:solidFill>
-                  <a:schemeClr val="tx1"/>
-                </a:solidFill>
-                <a:effectLst/>
-                <a:latin typeface="+mn-lt"/>
-                <a:ea typeface="+mn-ea"/>
-                <a:cs typeface="+mn-cs"/>
-              </a:rPr>
-              <a:t>        "</a:t>
-            </a:r>
-            <a:r>
-              <a:rPr lang="en-US" sz="1200" b="0" i="0" kern="1200" dirty="0" err="1">
-                <a:solidFill>
-                  <a:schemeClr val="tx1"/>
-                </a:solidFill>
-                <a:effectLst/>
-                <a:latin typeface="+mn-lt"/>
-                <a:ea typeface="+mn-ea"/>
-                <a:cs typeface="+mn-cs"/>
-              </a:rPr>
-              <a:t>UserData</a:t>
-            </a:r>
-            <a:r>
-              <a:rPr lang="en-US" sz="1200" b="0" i="0" kern="1200" dirty="0">
-                <a:solidFill>
-                  <a:schemeClr val="tx1"/>
-                </a:solidFill>
-                <a:effectLst/>
-                <a:latin typeface="+mn-lt"/>
-                <a:ea typeface="+mn-ea"/>
-                <a:cs typeface="+mn-cs"/>
-              </a:rPr>
-              <a:t>": {</a:t>
-            </a:r>
-          </a:p>
-          <a:p>
-            <a:r>
-              <a:rPr lang="en-US" sz="1200" b="0" i="0" kern="1200" dirty="0">
-                <a:solidFill>
-                  <a:schemeClr val="tx1"/>
-                </a:solidFill>
-                <a:effectLst/>
-                <a:latin typeface="+mn-lt"/>
-                <a:ea typeface="+mn-ea"/>
-                <a:cs typeface="+mn-cs"/>
-              </a:rPr>
-              <a:t>          "</a:t>
-            </a:r>
-            <a:r>
-              <a:rPr lang="en-US" sz="1200" b="0" i="0" kern="1200" dirty="0" err="1">
-                <a:solidFill>
-                  <a:schemeClr val="tx1"/>
-                </a:solidFill>
-                <a:effectLst/>
-                <a:latin typeface="+mn-lt"/>
-                <a:ea typeface="+mn-ea"/>
-                <a:cs typeface="+mn-cs"/>
-              </a:rPr>
-              <a:t>Fn</a:t>
-            </a:r>
-            <a:r>
-              <a:rPr lang="en-US" sz="1200" b="0" i="0" kern="1200" dirty="0">
-                <a:solidFill>
-                  <a:schemeClr val="tx1"/>
-                </a:solidFill>
-                <a:effectLst/>
-                <a:latin typeface="+mn-lt"/>
-                <a:ea typeface="+mn-ea"/>
-                <a:cs typeface="+mn-cs"/>
-              </a:rPr>
-              <a:t>::Base64": "80"</a:t>
-            </a:r>
-          </a:p>
-          <a:p>
-            <a:r>
-              <a:rPr lang="en-US" sz="1200" b="0" i="0" kern="1200" dirty="0">
-                <a:solidFill>
-                  <a:schemeClr val="tx1"/>
-                </a:solidFill>
-                <a:effectLst/>
-                <a:latin typeface="+mn-lt"/>
-                <a:ea typeface="+mn-ea"/>
-                <a:cs typeface="+mn-cs"/>
-              </a:rPr>
-              <a:t>        }</a:t>
-            </a:r>
-          </a:p>
-          <a:p>
-            <a:r>
-              <a:rPr lang="en-US" sz="1200" b="0" i="0" kern="1200" dirty="0">
-                <a:solidFill>
-                  <a:schemeClr val="tx1"/>
-                </a:solidFill>
-                <a:effectLst/>
-                <a:latin typeface="+mn-lt"/>
-                <a:ea typeface="+mn-ea"/>
-                <a:cs typeface="+mn-cs"/>
-              </a:rPr>
-              <a:t>      }</a:t>
-            </a:r>
-          </a:p>
-          <a:p>
-            <a:r>
-              <a:rPr lang="en-US" sz="1200" b="0" i="0" kern="1200" dirty="0">
-                <a:solidFill>
-                  <a:schemeClr val="tx1"/>
-                </a:solidFill>
-                <a:effectLst/>
-                <a:latin typeface="+mn-lt"/>
-                <a:ea typeface="+mn-ea"/>
-                <a:cs typeface="+mn-cs"/>
-              </a:rPr>
-              <a:t>    }</a:t>
-            </a:r>
-          </a:p>
-          <a:p>
-            <a:r>
-              <a:rPr lang="en-US" sz="1200" b="0" i="0" kern="1200" dirty="0">
-                <a:solidFill>
-                  <a:schemeClr val="tx1"/>
-                </a:solidFill>
-                <a:effectLst/>
-                <a:latin typeface="+mn-lt"/>
-                <a:ea typeface="+mn-ea"/>
-                <a:cs typeface="+mn-cs"/>
-              </a:rPr>
-              <a:t>  }</a:t>
-            </a:r>
-          </a:p>
-          <a:p>
-            <a:r>
-              <a:rPr lang="en-US" sz="1200" b="0" i="0" kern="1200" dirty="0">
-                <a:solidFill>
-                  <a:schemeClr val="tx1"/>
-                </a:solidFill>
-                <a:effectLst/>
-                <a:latin typeface="+mn-lt"/>
-                <a:ea typeface="+mn-ea"/>
-                <a:cs typeface="+mn-cs"/>
-              </a:rPr>
-              <a:t>}</a:t>
-            </a:r>
-          </a:p>
-          <a:p>
-            <a:endParaRPr lang="en-US" sz="1200" b="0" i="0" kern="1200" dirty="0">
-              <a:solidFill>
-                <a:schemeClr val="tx1"/>
-              </a:solidFill>
-              <a:effectLst/>
-              <a:latin typeface="+mn-lt"/>
-              <a:ea typeface="+mn-ea"/>
-              <a:cs typeface="+mn-cs"/>
-            </a:endParaRPr>
-          </a:p>
-          <a:p>
             <a:endParaRPr lang="en-US" dirty="0"/>
           </a:p>
         </p:txBody>
@@ -3158,7 +1135,7 @@
     </p:spTree>
     <p:extLst>
       <p:ext uri="{BB962C8B-B14F-4D97-AF65-F5344CB8AC3E}">
-        <p14:creationId xmlns:p14="http://schemas.microsoft.com/office/powerpoint/2010/main" val="4219339037"/>
+        <p14:creationId xmlns:p14="http://schemas.microsoft.com/office/powerpoint/2010/main" val="509920797"/>
       </p:ext>
     </p:extLst>
   </p:cSld>
@@ -3212,73 +1189,6 @@
           <a:bodyPr/>
           <a:lstStyle/>
           <a:p>
-            <a:r>
-              <a:rPr lang="en-US" sz="1200" b="1" i="0" kern="1200" dirty="0">
-                <a:solidFill>
-                  <a:schemeClr val="tx1"/>
-                </a:solidFill>
-                <a:effectLst/>
-                <a:latin typeface="+mn-lt"/>
-                <a:ea typeface="+mn-ea"/>
-                <a:cs typeface="+mn-cs"/>
-              </a:rPr>
-              <a:t>Verify Quotas for All Resource Types</a:t>
-            </a:r>
-          </a:p>
-          <a:p>
-            <a:r>
-              <a:rPr lang="en-US" sz="1200" b="0" i="0" kern="1200" dirty="0">
-                <a:solidFill>
-                  <a:schemeClr val="tx1"/>
-                </a:solidFill>
-                <a:effectLst/>
-                <a:latin typeface="+mn-lt"/>
-                <a:ea typeface="+mn-ea"/>
-                <a:cs typeface="+mn-cs"/>
-              </a:rPr>
-              <a:t>Before launching a stack, ensure that you can create all the resources that you want without hitting your AWS account limits. If you hit a limit, AWS CloudFormation won't create your stack successfully until you increase your quota or delete extra resources. Each service can have various limits that you should be aware of before launching a stack. For example, by default, you can only launch 200 AWS CloudFormation stacks per region in your AWS account. For more information about limits and how to increase the default limits</a:t>
-            </a:r>
-          </a:p>
-          <a:p>
-            <a:r>
-              <a:rPr lang="en-US" sz="1200" b="1" i="0" kern="1200" dirty="0">
-                <a:solidFill>
-                  <a:schemeClr val="tx1"/>
-                </a:solidFill>
-                <a:effectLst/>
-                <a:latin typeface="+mn-lt"/>
-                <a:ea typeface="+mn-ea"/>
-                <a:cs typeface="+mn-cs"/>
-              </a:rPr>
-              <a:t>Use IAM to Control Access</a:t>
-            </a:r>
-          </a:p>
-          <a:p>
-            <a:r>
-              <a:rPr lang="en-US" sz="1200" b="0" i="0" kern="1200" dirty="0">
-                <a:solidFill>
-                  <a:schemeClr val="tx1"/>
-                </a:solidFill>
-                <a:effectLst/>
-                <a:latin typeface="+mn-lt"/>
-                <a:ea typeface="+mn-ea"/>
-                <a:cs typeface="+mn-cs"/>
-              </a:rPr>
-              <a:t>IAM is an AWS service that you can use to manage users and their permissions in AWS. You can use IAM with AWS CloudFormation to specify what AWS CloudFormation actions users can perform, such as viewing stack templates, creating stacks, or deleting stacks. Furthermore, anyone managing AWS CloudFormation stacks will require permissions to resources within those stacks. For example, if users want to use AWS CloudFormation to launch, update, or terminate Amazon EC2 instances, they must have permission to call the relevant Amazon EC2 actions.</a:t>
-            </a:r>
-          </a:p>
-          <a:p>
-            <a:endParaRPr lang="en-US" sz="1200" b="0" i="0" kern="1200" dirty="0">
-              <a:solidFill>
-                <a:schemeClr val="tx1"/>
-              </a:solidFill>
-              <a:effectLst/>
-              <a:latin typeface="+mn-lt"/>
-              <a:ea typeface="+mn-ea"/>
-              <a:cs typeface="+mn-cs"/>
-            </a:endParaRPr>
-          </a:p>
-          <a:p>
             <a:endParaRPr lang="en-US" dirty="0"/>
           </a:p>
         </p:txBody>
@@ -3309,7 +1219,7 @@
     </p:spTree>
     <p:extLst>
       <p:ext uri="{BB962C8B-B14F-4D97-AF65-F5344CB8AC3E}">
-        <p14:creationId xmlns:p14="http://schemas.microsoft.com/office/powerpoint/2010/main" val="542002156"/>
+        <p14:creationId xmlns:p14="http://schemas.microsoft.com/office/powerpoint/2010/main" val="1996369657"/>
       </p:ext>
     </p:extLst>
   </p:cSld>
@@ -3364,7 +1274,7 @@
           <a:lstStyle/>
           <a:p>
             <a:r>
-              <a:rPr lang="en-US" sz="1200" b="1" i="0" u="sng" kern="1200" dirty="0">
+              <a:rPr lang="en-US" sz="1200" b="0" i="0" kern="1200" dirty="0">
                 <a:solidFill>
                   <a:schemeClr val="tx1"/>
                 </a:solidFill>
@@ -3373,12 +1283,10 @@
                 <a:ea typeface="+mn-ea"/>
                 <a:cs typeface="+mn-cs"/>
               </a:rPr>
-              <a:t>Good practice:</a:t>
-            </a:r>
-          </a:p>
-          <a:p>
-            <a:br>
-              <a:rPr lang="en-US" sz="1200" b="1" i="0" kern="1200" dirty="0">
+              <a:t>You're probably wondering how you set properties on one resource based on the name or property of another resource. For example, you can create a CloudFront distribution backed by an S3 bucket or an EC2 instance that uses EC2 security groups, and all of these resources can be created in the same template. AWS CloudFormation has a number of intrinsic functions that you can use to refer to other resources and their properties. You can use the </a:t>
+            </a:r>
+            <a:r>
+              <a:rPr lang="en-US" sz="1200" b="0" i="0" u="none" strike="noStrike" kern="1200" dirty="0">
                 <a:solidFill>
                   <a:schemeClr val="tx1"/>
                 </a:solidFill>
@@ -3386,10 +1294,12 @@
                 <a:latin typeface="+mn-lt"/>
                 <a:ea typeface="+mn-ea"/>
                 <a:cs typeface="+mn-cs"/>
-              </a:rPr>
-            </a:br>
-            <a:r>
-              <a:rPr lang="en-US" sz="1200" b="1" i="0" kern="1200" dirty="0">
+                <a:hlinkClick r:id="rId3"/>
+              </a:rPr>
+              <a:t>Ref function</a:t>
+            </a:r>
+            <a:r>
+              <a:rPr lang="en-US" sz="1200" b="0" i="0" kern="1200" dirty="0">
                 <a:solidFill>
                   <a:schemeClr val="tx1"/>
                 </a:solidFill>
@@ -3398,12 +1308,10 @@
                 <a:ea typeface="+mn-ea"/>
                 <a:cs typeface="+mn-cs"/>
               </a:rPr>
-              <a:t>Reuse Templates to Replicate Stacks in Multiple Environments</a:t>
-            </a:r>
-          </a:p>
-          <a:p>
-            <a:r>
-              <a:rPr lang="en-US" sz="1200" b="0" i="0" kern="1200" dirty="0">
+              <a:t> to refer to an identifying property of a resource. Frequently, this is the physical name of the resource; however, sometimes it can be an identifier, such as the IP address for an </a:t>
+            </a:r>
+            <a:r>
+              <a:rPr lang="en-US" sz="1200" b="0" i="0" u="none" strike="noStrike" kern="1200" dirty="0">
                 <a:solidFill>
                   <a:schemeClr val="tx1"/>
                 </a:solidFill>
@@ -3411,11 +1319,12 @@
                 <a:latin typeface="+mn-lt"/>
                 <a:ea typeface="+mn-ea"/>
                 <a:cs typeface="+mn-cs"/>
-              </a:rPr>
-              <a:t>After you have your stacks and resources set up, you can reuse your templates to replicate your infrastructure in multiple environments. For example, you can create environments for development, testing, and production so that you can test changes before implementing them into production. To make templates reusable, use the parameters, mappings, and conditions sections so that you can customize your stacks when you create them. For example, for your </a:t>
-            </a:r>
-            <a:r>
-              <a:rPr lang="en-US" sz="1200" b="0" i="1" kern="1200" dirty="0">
+                <a:hlinkClick r:id="rId4"/>
+              </a:rPr>
+              <a:t>AWS::EC2::EIP</a:t>
+            </a:r>
+            <a:r>
+              <a:rPr lang="en-US" sz="1200" b="0" i="0" kern="1200" dirty="0">
                 <a:solidFill>
                   <a:schemeClr val="tx1"/>
                 </a:solidFill>
@@ -3424,10 +1333,10 @@
                 <a:ea typeface="+mn-ea"/>
                 <a:cs typeface="+mn-cs"/>
               </a:rPr>
-              <a:t>development</a:t>
-            </a:r>
-            <a:r>
-              <a:rPr lang="en-US" sz="1200" b="0" i="0" kern="1200" dirty="0">
+              <a:t> resource or an Amazon Resource Name (ARN) for an Amazon SNS topic. For a list of values returned by the Ref function, see </a:t>
+            </a:r>
+            <a:r>
+              <a:rPr lang="en-US" sz="1200" b="0" i="0" u="none" strike="noStrike" kern="1200" dirty="0">
                 <a:solidFill>
                   <a:schemeClr val="tx1"/>
                 </a:solidFill>
@@ -3435,11 +1344,12 @@
                 <a:latin typeface="+mn-lt"/>
                 <a:ea typeface="+mn-ea"/>
                 <a:cs typeface="+mn-cs"/>
-              </a:rPr>
-              <a:t> environments, you can specify </a:t>
-            </a:r>
-            <a:r>
-              <a:rPr lang="en-US" sz="1200" b="1" i="0" kern="1200" dirty="0">
+                <a:hlinkClick r:id="rId3"/>
+              </a:rPr>
+              <a:t>Ref function</a:t>
+            </a:r>
+            <a:r>
+              <a:rPr lang="en-US" sz="1200" b="0" i="0" kern="1200" dirty="0">
                 <a:solidFill>
                   <a:schemeClr val="tx1"/>
                 </a:solidFill>
@@ -3448,10 +1358,10 @@
                 <a:ea typeface="+mn-ea"/>
                 <a:cs typeface="+mn-cs"/>
               </a:rPr>
-              <a:t>a lower-cost </a:t>
-            </a:r>
-            <a:r>
-              <a:rPr lang="en-US" sz="1200" b="0" i="0" kern="1200" dirty="0">
+              <a:t>. The following template contains an </a:t>
+            </a:r>
+            <a:r>
+              <a:rPr lang="en-US" sz="1200" b="0" i="0" u="none" strike="noStrike" kern="1200" dirty="0">
                 <a:solidFill>
                   <a:schemeClr val="tx1"/>
                 </a:solidFill>
@@ -3459,11 +1369,12 @@
                 <a:latin typeface="+mn-lt"/>
                 <a:ea typeface="+mn-ea"/>
                 <a:cs typeface="+mn-cs"/>
-              </a:rPr>
-              <a:t>instance type compared to your </a:t>
-            </a:r>
-            <a:r>
-              <a:rPr lang="en-US" sz="1200" b="0" i="1" kern="1200" dirty="0">
+                <a:hlinkClick r:id="rId5"/>
+              </a:rPr>
+              <a:t>AWS::EC2::Instance</a:t>
+            </a:r>
+            <a:r>
+              <a:rPr lang="en-US" sz="1200" b="0" i="0" kern="1200" dirty="0">
                 <a:solidFill>
                   <a:schemeClr val="tx1"/>
                 </a:solidFill>
@@ -3472,10 +1383,10 @@
                 <a:ea typeface="+mn-ea"/>
                 <a:cs typeface="+mn-cs"/>
               </a:rPr>
-              <a:t>production</a:t>
-            </a:r>
-            <a:r>
-              <a:rPr lang="en-US" sz="1200" b="0" i="0" kern="1200" dirty="0">
+              <a:t> resource. The resource's </a:t>
+            </a:r>
+            <a:r>
+              <a:rPr lang="en-US" sz="1200" b="0" i="0" kern="1200" dirty="0" err="1">
                 <a:solidFill>
                   <a:schemeClr val="tx1"/>
                 </a:solidFill>
@@ -3484,7 +1395,535 @@
                 <a:ea typeface="+mn-ea"/>
                 <a:cs typeface="+mn-cs"/>
               </a:rPr>
-              <a:t> environment, but all other configurations and settings remain the same. For more information about parameters, mappings, and conditions,</a:t>
+              <a:t>SecurityGroups</a:t>
+            </a:r>
+            <a:r>
+              <a:rPr lang="en-US" sz="1200" b="0" i="0" kern="1200" dirty="0">
+                <a:solidFill>
+                  <a:schemeClr val="tx1"/>
+                </a:solidFill>
+                <a:effectLst/>
+                <a:latin typeface="+mn-lt"/>
+                <a:ea typeface="+mn-ea"/>
+                <a:cs typeface="+mn-cs"/>
+              </a:rPr>
+              <a:t> property calls the Ref function to refer to the AWS::EC2::</a:t>
+            </a:r>
+            <a:r>
+              <a:rPr lang="en-US" sz="1200" b="0" i="0" kern="1200" dirty="0" err="1">
+                <a:solidFill>
+                  <a:schemeClr val="tx1"/>
+                </a:solidFill>
+                <a:effectLst/>
+                <a:latin typeface="+mn-lt"/>
+                <a:ea typeface="+mn-ea"/>
+                <a:cs typeface="+mn-cs"/>
+              </a:rPr>
+              <a:t>SecurityGroup</a:t>
+            </a:r>
+            <a:r>
+              <a:rPr lang="en-US" sz="1200" b="0" i="0" kern="1200" dirty="0">
+                <a:solidFill>
+                  <a:schemeClr val="tx1"/>
+                </a:solidFill>
+                <a:effectLst/>
+                <a:latin typeface="+mn-lt"/>
+                <a:ea typeface="+mn-ea"/>
+                <a:cs typeface="+mn-cs"/>
+              </a:rPr>
+              <a:t> resource </a:t>
+            </a:r>
+            <a:r>
+              <a:rPr lang="en-US" sz="1200" b="0" i="0" kern="1200" dirty="0" err="1">
+                <a:solidFill>
+                  <a:schemeClr val="tx1"/>
+                </a:solidFill>
+                <a:effectLst/>
+                <a:latin typeface="+mn-lt"/>
+                <a:ea typeface="+mn-ea"/>
+                <a:cs typeface="+mn-cs"/>
+              </a:rPr>
+              <a:t>InstanceSecurityGroup</a:t>
+            </a:r>
+            <a:r>
+              <a:rPr lang="en-US" sz="1200" b="0" i="0" kern="1200" dirty="0">
+                <a:solidFill>
+                  <a:schemeClr val="tx1"/>
+                </a:solidFill>
+                <a:effectLst/>
+                <a:latin typeface="+mn-lt"/>
+                <a:ea typeface="+mn-ea"/>
+                <a:cs typeface="+mn-cs"/>
+              </a:rPr>
+              <a:t>.</a:t>
+            </a:r>
+            <a:br>
+              <a:rPr lang="en-US" sz="1200" b="0" i="0" kern="1200" dirty="0">
+                <a:solidFill>
+                  <a:schemeClr val="tx1"/>
+                </a:solidFill>
+                <a:effectLst/>
+                <a:latin typeface="+mn-lt"/>
+                <a:ea typeface="+mn-ea"/>
+                <a:cs typeface="+mn-cs"/>
+              </a:rPr>
+            </a:br>
+            <a:r>
+              <a:rPr lang="en-US" sz="1200" b="1" i="0" kern="1200" dirty="0">
+                <a:solidFill>
+                  <a:schemeClr val="tx1"/>
+                </a:solidFill>
+                <a:effectLst/>
+                <a:latin typeface="+mn-lt"/>
+                <a:ea typeface="+mn-ea"/>
+                <a:cs typeface="+mn-cs"/>
+              </a:rPr>
+              <a:t>Example:</a:t>
+            </a:r>
+          </a:p>
+          <a:p>
+            <a:endParaRPr lang="en-US" sz="1200" b="0" i="0" kern="1200" dirty="0">
+              <a:solidFill>
+                <a:schemeClr val="tx1"/>
+              </a:solidFill>
+              <a:effectLst/>
+              <a:latin typeface="+mn-lt"/>
+              <a:ea typeface="+mn-ea"/>
+              <a:cs typeface="+mn-cs"/>
+            </a:endParaRPr>
+          </a:p>
+          <a:p>
+            <a:r>
+              <a:rPr lang="en-US" dirty="0"/>
+              <a:t>{</a:t>
+            </a:r>
+          </a:p>
+          <a:p>
+            <a:r>
+              <a:rPr lang="en-US" dirty="0"/>
+              <a:t>    "Resources": {</a:t>
+            </a:r>
+          </a:p>
+          <a:p>
+            <a:r>
+              <a:rPr lang="en-US" dirty="0"/>
+              <a:t>        "Ec2Instance": {</a:t>
+            </a:r>
+          </a:p>
+          <a:p>
+            <a:r>
+              <a:rPr lang="en-US" dirty="0"/>
+              <a:t>            "Type": "AWS::EC2::Instance",</a:t>
+            </a:r>
+          </a:p>
+          <a:p>
+            <a:r>
+              <a:rPr lang="en-US" dirty="0"/>
+              <a:t>            "Properties": {</a:t>
+            </a:r>
+          </a:p>
+          <a:p>
+            <a:r>
+              <a:rPr lang="en-US" dirty="0"/>
+              <a:t>                "</a:t>
+            </a:r>
+            <a:r>
+              <a:rPr lang="en-US" dirty="0" err="1"/>
+              <a:t>SecurityGroups</a:t>
+            </a:r>
+            <a:r>
+              <a:rPr lang="en-US" dirty="0"/>
+              <a:t>": [</a:t>
+            </a:r>
+          </a:p>
+          <a:p>
+            <a:r>
+              <a:rPr lang="en-US" dirty="0"/>
+              <a:t>                    {</a:t>
+            </a:r>
+          </a:p>
+          <a:p>
+            <a:r>
+              <a:rPr lang="en-US" dirty="0"/>
+              <a:t>                        "</a:t>
+            </a:r>
+            <a:r>
+              <a:rPr lang="en-US" b="1" dirty="0"/>
+              <a:t>Ref</a:t>
+            </a:r>
+            <a:r>
+              <a:rPr lang="en-US" dirty="0"/>
+              <a:t>": "</a:t>
+            </a:r>
+            <a:r>
+              <a:rPr lang="en-US" i="1" dirty="0" err="1"/>
+              <a:t>InstanceSecurityGroup</a:t>
+            </a:r>
+            <a:r>
+              <a:rPr lang="en-US" dirty="0"/>
+              <a:t>"</a:t>
+            </a:r>
+          </a:p>
+          <a:p>
+            <a:r>
+              <a:rPr lang="en-US" dirty="0"/>
+              <a:t>                    }</a:t>
+            </a:r>
+          </a:p>
+          <a:p>
+            <a:r>
+              <a:rPr lang="en-US" dirty="0"/>
+              <a:t>                ],</a:t>
+            </a:r>
+          </a:p>
+          <a:p>
+            <a:r>
+              <a:rPr lang="en-US" dirty="0"/>
+              <a:t>                "</a:t>
+            </a:r>
+            <a:r>
+              <a:rPr lang="en-US" dirty="0" err="1"/>
+              <a:t>KeyName</a:t>
+            </a:r>
+            <a:r>
+              <a:rPr lang="en-US" dirty="0"/>
+              <a:t>": "</a:t>
+            </a:r>
+            <a:r>
+              <a:rPr lang="en-US" dirty="0" err="1"/>
+              <a:t>mykey</a:t>
+            </a:r>
+            <a:r>
+              <a:rPr lang="en-US" dirty="0"/>
+              <a:t>",</a:t>
+            </a:r>
+          </a:p>
+          <a:p>
+            <a:r>
+              <a:rPr lang="en-US" dirty="0"/>
+              <a:t>                "</a:t>
+            </a:r>
+            <a:r>
+              <a:rPr lang="en-US" dirty="0" err="1"/>
+              <a:t>ImageId</a:t>
+            </a:r>
+            <a:r>
+              <a:rPr lang="en-US" dirty="0"/>
+              <a:t>": ""</a:t>
+            </a:r>
+          </a:p>
+          <a:p>
+            <a:r>
+              <a:rPr lang="en-US" dirty="0"/>
+              <a:t>            }</a:t>
+            </a:r>
+          </a:p>
+          <a:p>
+            <a:r>
+              <a:rPr lang="en-US" dirty="0"/>
+              <a:t>        },</a:t>
+            </a:r>
+          </a:p>
+          <a:p>
+            <a:r>
+              <a:rPr lang="en-US" dirty="0"/>
+              <a:t>        "</a:t>
+            </a:r>
+            <a:r>
+              <a:rPr lang="en-US" i="1" dirty="0" err="1">
+                <a:highlight>
+                  <a:srgbClr val="FFFF00"/>
+                </a:highlight>
+              </a:rPr>
+              <a:t>InstanceSecurityGroup</a:t>
+            </a:r>
+            <a:r>
+              <a:rPr lang="en-US" dirty="0"/>
+              <a:t>": {</a:t>
+            </a:r>
+          </a:p>
+          <a:p>
+            <a:r>
+              <a:rPr lang="en-US" b="1" dirty="0"/>
+              <a:t>            "Type": "AWS::EC2::</a:t>
+            </a:r>
+            <a:r>
+              <a:rPr lang="en-US" b="1" dirty="0" err="1"/>
+              <a:t>SecurityGroup</a:t>
+            </a:r>
+            <a:r>
+              <a:rPr lang="en-US" b="1" dirty="0"/>
+              <a:t>",</a:t>
+            </a:r>
+          </a:p>
+          <a:p>
+            <a:r>
+              <a:rPr lang="en-US" dirty="0"/>
+              <a:t>            "Properties": {</a:t>
+            </a:r>
+          </a:p>
+          <a:p>
+            <a:r>
+              <a:rPr lang="en-US" dirty="0"/>
+              <a:t>                "</a:t>
+            </a:r>
+            <a:r>
+              <a:rPr lang="en-US" dirty="0" err="1"/>
+              <a:t>GroupDescription</a:t>
+            </a:r>
+            <a:r>
+              <a:rPr lang="en-US" dirty="0"/>
+              <a:t>": "Enable SSH access via port 22",</a:t>
+            </a:r>
+          </a:p>
+          <a:p>
+            <a:r>
+              <a:rPr lang="en-US" dirty="0"/>
+              <a:t>                "</a:t>
+            </a:r>
+            <a:r>
+              <a:rPr lang="en-US" dirty="0" err="1"/>
+              <a:t>SecurityGroupIngress</a:t>
+            </a:r>
+            <a:r>
+              <a:rPr lang="en-US" dirty="0"/>
+              <a:t>": [</a:t>
+            </a:r>
+          </a:p>
+          <a:p>
+            <a:r>
+              <a:rPr lang="en-US" dirty="0"/>
+              <a:t>                    {</a:t>
+            </a:r>
+          </a:p>
+          <a:p>
+            <a:r>
+              <a:rPr lang="en-US" dirty="0"/>
+              <a:t>                        "</a:t>
+            </a:r>
+            <a:r>
+              <a:rPr lang="en-US" dirty="0" err="1"/>
+              <a:t>IpProtocol</a:t>
+            </a:r>
+            <a:r>
+              <a:rPr lang="en-US" dirty="0"/>
+              <a:t>": "</a:t>
+            </a:r>
+            <a:r>
+              <a:rPr lang="en-US" dirty="0" err="1"/>
+              <a:t>tcp</a:t>
+            </a:r>
+            <a:r>
+              <a:rPr lang="en-US" dirty="0"/>
+              <a:t>",</a:t>
+            </a:r>
+          </a:p>
+          <a:p>
+            <a:r>
+              <a:rPr lang="en-US" dirty="0"/>
+              <a:t>                        "</a:t>
+            </a:r>
+            <a:r>
+              <a:rPr lang="en-US" dirty="0" err="1"/>
+              <a:t>FromPort</a:t>
+            </a:r>
+            <a:r>
+              <a:rPr lang="en-US" dirty="0"/>
+              <a:t>": "22",</a:t>
+            </a:r>
+          </a:p>
+          <a:p>
+            <a:r>
+              <a:rPr lang="en-US" dirty="0"/>
+              <a:t>                        "</a:t>
+            </a:r>
+            <a:r>
+              <a:rPr lang="en-US" dirty="0" err="1"/>
+              <a:t>ToPort</a:t>
+            </a:r>
+            <a:r>
+              <a:rPr lang="en-US" dirty="0"/>
+              <a:t>": "22",</a:t>
+            </a:r>
+          </a:p>
+          <a:p>
+            <a:r>
+              <a:rPr lang="en-US" dirty="0"/>
+              <a:t>                        "</a:t>
+            </a:r>
+            <a:r>
+              <a:rPr lang="en-US" dirty="0" err="1"/>
+              <a:t>CidrIp</a:t>
+            </a:r>
+            <a:r>
+              <a:rPr lang="en-US" dirty="0"/>
+              <a:t>": "0.0.0.0/0"</a:t>
+            </a:r>
+          </a:p>
+          <a:p>
+            <a:r>
+              <a:rPr lang="en-US" dirty="0"/>
+              <a:t>                    }</a:t>
+            </a:r>
+          </a:p>
+          <a:p>
+            <a:r>
+              <a:rPr lang="en-US" dirty="0"/>
+              <a:t>                ]</a:t>
+            </a:r>
+          </a:p>
+          <a:p>
+            <a:r>
+              <a:rPr lang="en-US" dirty="0"/>
+              <a:t>            }</a:t>
+            </a:r>
+          </a:p>
+          <a:p>
+            <a:r>
+              <a:rPr lang="en-US" dirty="0"/>
+              <a:t>        }</a:t>
+            </a:r>
+          </a:p>
+          <a:p>
+            <a:r>
+              <a:rPr lang="en-US" dirty="0"/>
+              <a:t>    }</a:t>
+            </a:r>
+          </a:p>
+          <a:p>
+            <a:r>
+              <a:rPr lang="en-US" dirty="0"/>
+              <a:t>}</a:t>
+            </a:r>
+          </a:p>
+          <a:p>
+            <a:endParaRPr lang="en-US" dirty="0"/>
+          </a:p>
+          <a:p>
+            <a:r>
+              <a:rPr lang="en-US" sz="1200" b="0" i="0" kern="1200" dirty="0">
+                <a:solidFill>
+                  <a:schemeClr val="tx1"/>
+                </a:solidFill>
+                <a:effectLst/>
+                <a:latin typeface="+mn-lt"/>
+                <a:ea typeface="+mn-ea"/>
+                <a:cs typeface="+mn-cs"/>
+              </a:rPr>
+              <a:t>The Ref function is handy if the parameter or the value returned for a resource is exactly what you want; however, you may need other attributes of a resource. For example, if you want to create a CloudFront distribution with an S3 origin, you need to specify the bucket location by using a DNS-style address. A number of resources have additional attributes whose values you can use in your template. To get these attributes, you use the </a:t>
+            </a:r>
+            <a:r>
+              <a:rPr lang="en-US" sz="1200" b="0" i="0" u="none" strike="noStrike" kern="1200" dirty="0" err="1">
+                <a:solidFill>
+                  <a:schemeClr val="tx1"/>
+                </a:solidFill>
+                <a:effectLst/>
+                <a:latin typeface="+mn-lt"/>
+                <a:ea typeface="+mn-ea"/>
+                <a:cs typeface="+mn-cs"/>
+                <a:hlinkClick r:id="rId6"/>
+              </a:rPr>
+              <a:t>Fn</a:t>
+            </a:r>
+            <a:r>
+              <a:rPr lang="en-US" sz="1200" b="0" i="0" u="none" strike="noStrike" kern="1200" dirty="0">
+                <a:solidFill>
+                  <a:schemeClr val="tx1"/>
+                </a:solidFill>
+                <a:effectLst/>
+                <a:latin typeface="+mn-lt"/>
+                <a:ea typeface="+mn-ea"/>
+                <a:cs typeface="+mn-cs"/>
+                <a:hlinkClick r:id="rId6"/>
+              </a:rPr>
+              <a:t>::</a:t>
+            </a:r>
+            <a:r>
+              <a:rPr lang="en-US" sz="1200" b="0" i="0" u="none" strike="noStrike" kern="1200" dirty="0" err="1">
+                <a:solidFill>
+                  <a:schemeClr val="tx1"/>
+                </a:solidFill>
+                <a:effectLst/>
+                <a:latin typeface="+mn-lt"/>
+                <a:ea typeface="+mn-ea"/>
+                <a:cs typeface="+mn-cs"/>
+                <a:hlinkClick r:id="rId6"/>
+              </a:rPr>
+              <a:t>GetAtt</a:t>
+            </a:r>
+            <a:r>
+              <a:rPr lang="en-US" sz="1200" b="0" i="0" kern="1200" dirty="0">
+                <a:solidFill>
+                  <a:schemeClr val="tx1"/>
+                </a:solidFill>
+                <a:effectLst/>
+                <a:latin typeface="+mn-lt"/>
+                <a:ea typeface="+mn-ea"/>
+                <a:cs typeface="+mn-cs"/>
+              </a:rPr>
+              <a:t> function. The following template creates a CloudFront distribution resource that specifies the DNS name of an S3 bucket resource using </a:t>
+            </a:r>
+            <a:r>
+              <a:rPr lang="en-US" sz="1200" b="0" i="0" kern="1200" dirty="0" err="1">
+                <a:solidFill>
+                  <a:schemeClr val="tx1"/>
+                </a:solidFill>
+                <a:effectLst/>
+                <a:latin typeface="+mn-lt"/>
+                <a:ea typeface="+mn-ea"/>
+                <a:cs typeface="+mn-cs"/>
+              </a:rPr>
+              <a:t>Fn</a:t>
+            </a:r>
+            <a:r>
+              <a:rPr lang="en-US" sz="1200" b="0" i="0" kern="1200" dirty="0">
+                <a:solidFill>
+                  <a:schemeClr val="tx1"/>
+                </a:solidFill>
+                <a:effectLst/>
+                <a:latin typeface="+mn-lt"/>
+                <a:ea typeface="+mn-ea"/>
+                <a:cs typeface="+mn-cs"/>
+              </a:rPr>
+              <a:t>::</a:t>
+            </a:r>
+            <a:r>
+              <a:rPr lang="en-US" sz="1200" b="0" i="0" kern="1200" dirty="0" err="1">
+                <a:solidFill>
+                  <a:schemeClr val="tx1"/>
+                </a:solidFill>
+                <a:effectLst/>
+                <a:latin typeface="+mn-lt"/>
+                <a:ea typeface="+mn-ea"/>
+                <a:cs typeface="+mn-cs"/>
+              </a:rPr>
+              <a:t>GetAtt</a:t>
+            </a:r>
+            <a:r>
+              <a:rPr lang="en-US" sz="1200" b="0" i="0" kern="1200" dirty="0">
+                <a:solidFill>
+                  <a:schemeClr val="tx1"/>
+                </a:solidFill>
+                <a:effectLst/>
+                <a:latin typeface="+mn-lt"/>
+                <a:ea typeface="+mn-ea"/>
+                <a:cs typeface="+mn-cs"/>
+              </a:rPr>
+              <a:t> function to get the bucket's DomainName attribute.</a:t>
+            </a:r>
+          </a:p>
+          <a:p>
+            <a:r>
+              <a:rPr lang="en-US" sz="1200" b="1" i="0" kern="1200" dirty="0">
+                <a:solidFill>
+                  <a:schemeClr val="tx1"/>
+                </a:solidFill>
+                <a:effectLst/>
+                <a:latin typeface="+mn-lt"/>
+                <a:ea typeface="+mn-ea"/>
+                <a:cs typeface="+mn-cs"/>
+              </a:rPr>
+              <a:t>Example:</a:t>
             </a:r>
           </a:p>
           <a:p>
@@ -3500,7 +1939,308 @@
           </a:p>
           <a:p>
             <a:r>
-              <a:rPr lang="en-US" sz="1200" b="1" i="0" kern="1200" dirty="0">
+              <a:rPr lang="en-US" dirty="0"/>
+              <a:t>{</a:t>
+            </a:r>
+          </a:p>
+          <a:p>
+            <a:r>
+              <a:rPr lang="en-US" dirty="0"/>
+              <a:t>  "Resources": {</a:t>
+            </a:r>
+          </a:p>
+          <a:p>
+            <a:r>
+              <a:rPr lang="en-US" dirty="0"/>
+              <a:t>    "</a:t>
+            </a:r>
+            <a:r>
+              <a:rPr lang="en-US" dirty="0" err="1"/>
+              <a:t>myBucket</a:t>
+            </a:r>
+            <a:r>
+              <a:rPr lang="en-US" dirty="0"/>
+              <a:t>": {</a:t>
+            </a:r>
+          </a:p>
+          <a:p>
+            <a:r>
+              <a:rPr lang="en-US" dirty="0"/>
+              <a:t>      "Type": "AWS::S3::Bucket"</a:t>
+            </a:r>
+          </a:p>
+          <a:p>
+            <a:r>
+              <a:rPr lang="en-US" dirty="0"/>
+              <a:t>    },</a:t>
+            </a:r>
+          </a:p>
+          <a:p>
+            <a:r>
+              <a:rPr lang="en-US" dirty="0"/>
+              <a:t>    "</a:t>
+            </a:r>
+            <a:r>
+              <a:rPr lang="en-US" dirty="0" err="1"/>
+              <a:t>myDistribution</a:t>
+            </a:r>
+            <a:r>
+              <a:rPr lang="en-US" dirty="0"/>
+              <a:t>": {</a:t>
+            </a:r>
+          </a:p>
+          <a:p>
+            <a:r>
+              <a:rPr lang="en-US" dirty="0"/>
+              <a:t>      "Type": "AWS::CloudFront::Distribution",</a:t>
+            </a:r>
+          </a:p>
+          <a:p>
+            <a:r>
+              <a:rPr lang="en-US" dirty="0"/>
+              <a:t>      "Properties": {</a:t>
+            </a:r>
+          </a:p>
+          <a:p>
+            <a:r>
+              <a:rPr lang="en-US" dirty="0"/>
+              <a:t>        "</a:t>
+            </a:r>
+            <a:r>
+              <a:rPr lang="en-US" dirty="0" err="1"/>
+              <a:t>DistributionConfig</a:t>
+            </a:r>
+            <a:r>
+              <a:rPr lang="en-US" dirty="0"/>
+              <a:t>": {</a:t>
+            </a:r>
+          </a:p>
+          <a:p>
+            <a:r>
+              <a:rPr lang="en-US" dirty="0"/>
+              <a:t>          "Origins": [</a:t>
+            </a:r>
+          </a:p>
+          <a:p>
+            <a:r>
+              <a:rPr lang="en-US" dirty="0"/>
+              <a:t>            {</a:t>
+            </a:r>
+          </a:p>
+          <a:p>
+            <a:r>
+              <a:rPr lang="en-US" dirty="0"/>
+              <a:t>              "DomainName": {</a:t>
+            </a:r>
+          </a:p>
+          <a:p>
+            <a:r>
+              <a:rPr lang="en-US" dirty="0"/>
+              <a:t>                "</a:t>
+            </a:r>
+            <a:r>
+              <a:rPr lang="en-US" dirty="0" err="1"/>
+              <a:t>Fn</a:t>
+            </a:r>
+            <a:r>
+              <a:rPr lang="en-US" dirty="0"/>
+              <a:t>::</a:t>
+            </a:r>
+            <a:r>
+              <a:rPr lang="en-US" dirty="0" err="1"/>
+              <a:t>GetAtt</a:t>
+            </a:r>
+            <a:r>
+              <a:rPr lang="en-US" dirty="0"/>
+              <a:t>": [</a:t>
+            </a:r>
+          </a:p>
+          <a:p>
+            <a:r>
+              <a:rPr lang="en-US" dirty="0"/>
+              <a:t>                  "</a:t>
+            </a:r>
+            <a:r>
+              <a:rPr lang="en-US" dirty="0" err="1"/>
+              <a:t>myBucket</a:t>
+            </a:r>
+            <a:r>
+              <a:rPr lang="en-US" dirty="0"/>
+              <a:t>",</a:t>
+            </a:r>
+          </a:p>
+          <a:p>
+            <a:r>
+              <a:rPr lang="en-US" dirty="0"/>
+              <a:t>                  "DomainName"</a:t>
+            </a:r>
+          </a:p>
+          <a:p>
+            <a:r>
+              <a:rPr lang="en-US" dirty="0"/>
+              <a:t>                ]</a:t>
+            </a:r>
+          </a:p>
+          <a:p>
+            <a:r>
+              <a:rPr lang="en-US" dirty="0"/>
+              <a:t>              },</a:t>
+            </a:r>
+          </a:p>
+          <a:p>
+            <a:r>
+              <a:rPr lang="en-US" dirty="0"/>
+              <a:t>              "Id": "myS3Origin",</a:t>
+            </a:r>
+          </a:p>
+          <a:p>
+            <a:r>
+              <a:rPr lang="en-US" dirty="0"/>
+              <a:t>              "S3OriginConfig": {}</a:t>
+            </a:r>
+          </a:p>
+          <a:p>
+            <a:r>
+              <a:rPr lang="en-US" dirty="0"/>
+              <a:t>            }</a:t>
+            </a:r>
+          </a:p>
+          <a:p>
+            <a:r>
+              <a:rPr lang="en-US" dirty="0"/>
+              <a:t>          ],</a:t>
+            </a:r>
+          </a:p>
+          <a:p>
+            <a:r>
+              <a:rPr lang="en-US" dirty="0"/>
+              <a:t>          "Enabled": "true",</a:t>
+            </a:r>
+          </a:p>
+          <a:p>
+            <a:r>
+              <a:rPr lang="en-US" dirty="0"/>
+              <a:t>          "</a:t>
+            </a:r>
+            <a:r>
+              <a:rPr lang="en-US" dirty="0" err="1"/>
+              <a:t>DefaultCacheBehavior</a:t>
+            </a:r>
+            <a:r>
+              <a:rPr lang="en-US" dirty="0"/>
+              <a:t>": {</a:t>
+            </a:r>
+          </a:p>
+          <a:p>
+            <a:r>
+              <a:rPr lang="en-US" dirty="0"/>
+              <a:t>            "</a:t>
+            </a:r>
+            <a:r>
+              <a:rPr lang="en-US" dirty="0" err="1"/>
+              <a:t>TargetOriginId</a:t>
+            </a:r>
+            <a:r>
+              <a:rPr lang="en-US" dirty="0"/>
+              <a:t>": "myS3Origin",</a:t>
+            </a:r>
+          </a:p>
+          <a:p>
+            <a:r>
+              <a:rPr lang="en-US" dirty="0"/>
+              <a:t>            "</a:t>
+            </a:r>
+            <a:r>
+              <a:rPr lang="en-US" dirty="0" err="1"/>
+              <a:t>ForwardedValues</a:t>
+            </a:r>
+            <a:r>
+              <a:rPr lang="en-US" dirty="0"/>
+              <a:t>": {</a:t>
+            </a:r>
+          </a:p>
+          <a:p>
+            <a:r>
+              <a:rPr lang="en-US" dirty="0"/>
+              <a:t>              "</a:t>
+            </a:r>
+            <a:r>
+              <a:rPr lang="en-US" dirty="0" err="1"/>
+              <a:t>QueryString</a:t>
+            </a:r>
+            <a:r>
+              <a:rPr lang="en-US" dirty="0"/>
+              <a:t>": "false"</a:t>
+            </a:r>
+          </a:p>
+          <a:p>
+            <a:r>
+              <a:rPr lang="en-US" dirty="0"/>
+              <a:t>            },</a:t>
+            </a:r>
+          </a:p>
+          <a:p>
+            <a:r>
+              <a:rPr lang="en-US" dirty="0"/>
+              <a:t>            "</a:t>
+            </a:r>
+            <a:r>
+              <a:rPr lang="en-US" dirty="0" err="1"/>
+              <a:t>ViewerProtocolPolicy</a:t>
+            </a:r>
+            <a:r>
+              <a:rPr lang="en-US" dirty="0"/>
+              <a:t>": "allow-all"</a:t>
+            </a:r>
+          </a:p>
+          <a:p>
+            <a:r>
+              <a:rPr lang="en-US" dirty="0"/>
+              <a:t>          }</a:t>
+            </a:r>
+          </a:p>
+          <a:p>
+            <a:r>
+              <a:rPr lang="en-US" dirty="0"/>
+              <a:t>        }</a:t>
+            </a:r>
+          </a:p>
+          <a:p>
+            <a:r>
+              <a:rPr lang="en-US" dirty="0"/>
+              <a:t>      }</a:t>
+            </a:r>
+          </a:p>
+          <a:p>
+            <a:r>
+              <a:rPr lang="en-US" dirty="0"/>
+              <a:t>    }</a:t>
+            </a:r>
+          </a:p>
+          <a:p>
+            <a:r>
+              <a:rPr lang="en-US" dirty="0"/>
+              <a:t>  }</a:t>
+            </a:r>
+          </a:p>
+          <a:p>
+            <a:r>
+              <a:rPr lang="en-US" dirty="0"/>
+              <a:t>}</a:t>
+            </a:r>
+          </a:p>
+          <a:p>
+            <a:endParaRPr lang="en-US" dirty="0"/>
+          </a:p>
+          <a:p>
+            <a:r>
+              <a:rPr lang="en-US" b="1" dirty="0"/>
+              <a:t>Conditional Values in Mappings</a:t>
+            </a:r>
+          </a:p>
+          <a:p>
+            <a:r>
+              <a:rPr lang="en-US" sz="1200" b="0" i="0" kern="1200" dirty="0">
                 <a:solidFill>
                   <a:schemeClr val="tx1"/>
                 </a:solidFill>
@@ -3509,12 +2249,10 @@
                 <a:ea typeface="+mn-ea"/>
                 <a:cs typeface="+mn-cs"/>
               </a:rPr>
-              <a:t>Do Not Embed Credentials in Your Templates</a:t>
-            </a:r>
-          </a:p>
-          <a:p>
-            <a:r>
-              <a:rPr lang="en-US" sz="1200" b="0" i="0" kern="1200" dirty="0">
+              <a:t>Parameters are a great way to enable users to specify unique or sensitive values for use in the properties of stack resources; however, there may be settings that are region dependent or are somewhat complex for users to figure out because of other conditions or dependencies. In these cases, you would want to put some logic in the template itself so that users can specify simpler values (or none at all) to get the results that they want. In an earlier example, we hardcoded the AMI ID for the </a:t>
+            </a:r>
+            <a:r>
+              <a:rPr lang="en-US" sz="1200" b="0" i="0" kern="1200" dirty="0" err="1">
                 <a:solidFill>
                   <a:schemeClr val="tx1"/>
                 </a:solidFill>
@@ -3523,10 +2261,10 @@
                 <a:ea typeface="+mn-ea"/>
                 <a:cs typeface="+mn-cs"/>
               </a:rPr>
-              <a:t>Rather than embedding sensitive information in your AWS CloudFormation templates, use input parameters to pass in information whenever you create or update a stack. If you do, make sure to use the </a:t>
-            </a:r>
-            <a:r>
-              <a:rPr lang="en-US" sz="1200" b="0" i="0" kern="1200" dirty="0" err="1">
+              <a:t>ImageId</a:t>
+            </a:r>
+            <a:r>
+              <a:rPr lang="en-US" sz="1200" b="0" i="0" kern="1200" dirty="0">
                 <a:solidFill>
                   <a:schemeClr val="tx1"/>
                 </a:solidFill>
@@ -3535,9 +2273,9 @@
                 <a:ea typeface="+mn-ea"/>
                 <a:cs typeface="+mn-cs"/>
               </a:rPr>
-              <a:t>NoEcho</a:t>
-            </a:r>
-            <a:r>
+              <a:t> property of our EC2 instance. This works fine in the US-East region, where it represents the AMI that we want. However, if the user tries to build the stack in a different region he or she will get the wrong AMI or no AMI at all. (AMI IDs are unique to a region, so the same AMI ID in a different region may not represent any AMI or a completely different one.)</a:t>
+            </a:r>
+            <a:br>
               <a:rPr lang="en-US" sz="1200" b="0" i="0" kern="1200" dirty="0">
                 <a:solidFill>
                   <a:schemeClr val="tx1"/>
@@ -3547,10 +2285,7 @@
                 <a:ea typeface="+mn-ea"/>
                 <a:cs typeface="+mn-cs"/>
               </a:rPr>
-              <a:t> property to obfuscate the parameter value.</a:t>
-            </a:r>
-          </a:p>
-          <a:p>
+            </a:br>
             <a:r>
               <a:rPr lang="en-US" sz="1200" b="0" i="0" kern="1200" dirty="0">
                 <a:solidFill>
@@ -3561,23 +2296,12 @@
                 <a:ea typeface="+mn-ea"/>
                 <a:cs typeface="+mn-cs"/>
               </a:rPr>
-              <a:t>For example, suppose your stack creates a new database instance. When the database is created, AWS CloudFormation needs to pass a database administrator password. You can pass in a password by using an input parameter instead of embedding it in your template. For more information</a:t>
-            </a:r>
-          </a:p>
-          <a:p>
-            <a:endParaRPr lang="en-US" sz="1200" b="1" i="0" kern="1200" dirty="0">
-              <a:solidFill>
-                <a:schemeClr val="tx1"/>
-              </a:solidFill>
-              <a:effectLst/>
-              <a:latin typeface="+mn-lt"/>
-              <a:ea typeface="+mn-ea"/>
-              <a:cs typeface="+mn-cs"/>
-            </a:endParaRPr>
-          </a:p>
-          <a:p>
-            <a:r>
-              <a:rPr lang="en-US" sz="1200" b="1" i="0" kern="1200" dirty="0">
+              <a:t>The AWS::Region pseudo parameter is a value that AWS CloudFormation resolves as the region where the stack is created. </a:t>
+            </a:r>
+          </a:p>
+          <a:p>
+            <a:r>
+              <a:rPr lang="en-US" sz="1200" b="0" i="0" kern="1200" dirty="0">
                 <a:solidFill>
                   <a:schemeClr val="tx1"/>
                 </a:solidFill>
@@ -3586,12 +2310,12 @@
                 <a:ea typeface="+mn-ea"/>
                 <a:cs typeface="+mn-cs"/>
               </a:rPr>
-              <a:t>Use AWS-Specific Parameter Types</a:t>
-            </a:r>
-          </a:p>
-          <a:p>
-            <a:r>
-              <a:rPr lang="en-US" sz="1200" b="0" i="0" kern="1200" dirty="0">
+              <a:t>To avoid this problem, you need a way to specify the right AMI ID based on a conditional input (in this example, the region where the stack is created). There are two template features that can help, the Mappings object and the AWS::Region pseudo parameter.</a:t>
+            </a:r>
+          </a:p>
+          <a:p>
+            <a:r>
+              <a:rPr lang="en-US" sz="1200" b="1" i="0" kern="1200" dirty="0">
                 <a:solidFill>
                   <a:schemeClr val="tx1"/>
                 </a:solidFill>
@@ -3600,10 +2324,10 @@
                 <a:ea typeface="+mn-ea"/>
                 <a:cs typeface="+mn-cs"/>
               </a:rPr>
-              <a:t>If your template requires inputs for existing AWS-specific values, such as existing Amazon Virtual Private Cloud IDs or an Amazon EC2 key pair name, use AWS-specific parameter types. For example, you can specify a parameter as type AWS::EC2::</a:t>
-            </a:r>
-            <a:r>
-              <a:rPr lang="en-US" sz="1200" b="0" i="0" kern="1200" dirty="0" err="1">
+              <a:t>Example:</a:t>
+            </a:r>
+            <a:br>
+              <a:rPr lang="en-US" sz="1200" b="0" i="0" kern="1200" dirty="0">
                 <a:solidFill>
                   <a:schemeClr val="tx1"/>
                 </a:solidFill>
@@ -3612,8 +2336,7 @@
                 <a:ea typeface="+mn-ea"/>
                 <a:cs typeface="+mn-cs"/>
               </a:rPr>
-              <a:t>KeyPair</a:t>
-            </a:r>
+            </a:br>
             <a:r>
               <a:rPr lang="en-US" sz="1200" b="0" i="0" kern="1200" dirty="0">
                 <a:solidFill>
@@ -3624,10 +2347,12 @@
                 <a:ea typeface="+mn-ea"/>
                 <a:cs typeface="+mn-cs"/>
               </a:rPr>
-              <a:t>::</a:t>
-            </a:r>
-            <a:r>
-              <a:rPr lang="en-US" sz="1200" b="0" i="0" kern="1200" dirty="0" err="1">
+              <a:t>{</a:t>
+            </a:r>
+          </a:p>
+          <a:p>
+            <a:r>
+              <a:rPr lang="en-US" sz="1200" b="0" i="0" kern="1200" dirty="0">
                 <a:solidFill>
                   <a:schemeClr val="tx1"/>
                 </a:solidFill>
@@ -3636,8 +2361,10 @@
                 <a:ea typeface="+mn-ea"/>
                 <a:cs typeface="+mn-cs"/>
               </a:rPr>
-              <a:t>KeyName</a:t>
-            </a:r>
+              <a:t>  "Parameters": {</a:t>
+            </a:r>
+          </a:p>
+          <a:p>
             <a:r>
               <a:rPr lang="en-US" sz="1200" b="0" i="0" kern="1200" dirty="0">
                 <a:solidFill>
@@ -3648,23 +2375,10 @@
                 <a:ea typeface="+mn-ea"/>
                 <a:cs typeface="+mn-cs"/>
               </a:rPr>
-              <a:t>, which takes an existing key pair name that is in your AWS account and in the region where you are creating the stack.</a:t>
-            </a:r>
-          </a:p>
-          <a:p>
-            <a:endParaRPr lang="en-US" sz="1200" b="1" i="0" kern="1200" dirty="0">
-              <a:solidFill>
-                <a:schemeClr val="tx1"/>
-              </a:solidFill>
-              <a:effectLst/>
-              <a:latin typeface="+mn-lt"/>
-              <a:ea typeface="+mn-ea"/>
-              <a:cs typeface="+mn-cs"/>
-            </a:endParaRPr>
-          </a:p>
-          <a:p>
-            <a:r>
-              <a:rPr lang="en-US" sz="1200" b="1" i="0" kern="1200" dirty="0">
+              <a:t>    "</a:t>
+            </a:r>
+            <a:r>
+              <a:rPr lang="en-US" sz="1200" b="0" i="0" kern="1200" dirty="0" err="1">
                 <a:solidFill>
                   <a:schemeClr val="tx1"/>
                 </a:solidFill>
@@ -3673,10 +2387,8 @@
                 <a:ea typeface="+mn-ea"/>
                 <a:cs typeface="+mn-cs"/>
               </a:rPr>
-              <a:t>Validate Templates Before Using Them</a:t>
-            </a:r>
-          </a:p>
-          <a:p>
+              <a:t>KeyName</a:t>
+            </a:r>
             <a:r>
               <a:rPr lang="en-US" sz="1200" b="0" i="0" kern="1200" dirty="0">
                 <a:solidFill>
@@ -3687,7 +2399,7 @@
                 <a:ea typeface="+mn-ea"/>
                 <a:cs typeface="+mn-cs"/>
               </a:rPr>
-              <a:t>Before you use a template to create or update a stack, you can use AWS CloudFormation to validate it. Validating a template can help you catch syntax and some semantic errors, such as circular dependencies, before AWS CloudFormation creates any resources. If you use the AWS CloudFormation console, the console automatically validates the template after you specify input parameters. For the AWS CLI or AWS CloudFormation API.</a:t>
+              <a:t>": {</a:t>
             </a:r>
           </a:p>
           <a:p>
@@ -3701,7 +2413,877 @@
                 <a:ea typeface="+mn-ea"/>
                 <a:cs typeface="+mn-cs"/>
               </a:rPr>
-              <a:t>During validation, AWS CloudFormation first checks if the template is valid JSON. If it isn't, AWS CloudFormation checks if the template is valid YAML. If both checks fail, AWS CloudFormation returns a template validation error.</a:t>
+              <a:t>      "Description": "Name of an existing EC2 </a:t>
+            </a:r>
+            <a:r>
+              <a:rPr lang="en-US" sz="1200" b="0" i="0" kern="1200" dirty="0" err="1">
+                <a:solidFill>
+                  <a:schemeClr val="tx1"/>
+                </a:solidFill>
+                <a:effectLst/>
+                <a:latin typeface="+mn-lt"/>
+                <a:ea typeface="+mn-ea"/>
+                <a:cs typeface="+mn-cs"/>
+              </a:rPr>
+              <a:t>KeyPair</a:t>
+            </a:r>
+            <a:r>
+              <a:rPr lang="en-US" sz="1200" b="0" i="0" kern="1200" dirty="0">
+                <a:solidFill>
+                  <a:schemeClr val="tx1"/>
+                </a:solidFill>
+                <a:effectLst/>
+                <a:latin typeface="+mn-lt"/>
+                <a:ea typeface="+mn-ea"/>
+                <a:cs typeface="+mn-cs"/>
+              </a:rPr>
+              <a:t> to enable SSH access to the instance",</a:t>
+            </a:r>
+          </a:p>
+          <a:p>
+            <a:r>
+              <a:rPr lang="en-US" sz="1200" b="0" i="0" kern="1200" dirty="0">
+                <a:solidFill>
+                  <a:schemeClr val="tx1"/>
+                </a:solidFill>
+                <a:effectLst/>
+                <a:latin typeface="+mn-lt"/>
+                <a:ea typeface="+mn-ea"/>
+                <a:cs typeface="+mn-cs"/>
+              </a:rPr>
+              <a:t>      "Type": "String"</a:t>
+            </a:r>
+          </a:p>
+          <a:p>
+            <a:r>
+              <a:rPr lang="en-US" sz="1200" b="0" i="0" kern="1200" dirty="0">
+                <a:solidFill>
+                  <a:schemeClr val="tx1"/>
+                </a:solidFill>
+                <a:effectLst/>
+                <a:latin typeface="+mn-lt"/>
+                <a:ea typeface="+mn-ea"/>
+                <a:cs typeface="+mn-cs"/>
+              </a:rPr>
+              <a:t>    }</a:t>
+            </a:r>
+          </a:p>
+          <a:p>
+            <a:r>
+              <a:rPr lang="en-US" sz="1200" b="0" i="0" kern="1200" dirty="0">
+                <a:solidFill>
+                  <a:schemeClr val="tx1"/>
+                </a:solidFill>
+                <a:effectLst/>
+                <a:latin typeface="+mn-lt"/>
+                <a:ea typeface="+mn-ea"/>
+                <a:cs typeface="+mn-cs"/>
+              </a:rPr>
+              <a:t>  },</a:t>
+            </a:r>
+          </a:p>
+          <a:p>
+            <a:r>
+              <a:rPr lang="en-US" sz="1200" b="0" i="0" kern="1200" dirty="0">
+                <a:solidFill>
+                  <a:schemeClr val="tx1"/>
+                </a:solidFill>
+                <a:effectLst/>
+                <a:latin typeface="+mn-lt"/>
+                <a:ea typeface="+mn-ea"/>
+                <a:cs typeface="+mn-cs"/>
+              </a:rPr>
+              <a:t>  "Mappings": {</a:t>
+            </a:r>
+          </a:p>
+          <a:p>
+            <a:r>
+              <a:rPr lang="en-US" sz="1200" b="0" i="0" kern="1200" dirty="0">
+                <a:solidFill>
+                  <a:schemeClr val="tx1"/>
+                </a:solidFill>
+                <a:effectLst/>
+                <a:latin typeface="+mn-lt"/>
+                <a:ea typeface="+mn-ea"/>
+                <a:cs typeface="+mn-cs"/>
+              </a:rPr>
+              <a:t>    "</a:t>
+            </a:r>
+            <a:r>
+              <a:rPr lang="en-US" sz="1200" b="0" i="0" kern="1200" dirty="0" err="1">
+                <a:solidFill>
+                  <a:schemeClr val="tx1"/>
+                </a:solidFill>
+                <a:effectLst/>
+                <a:latin typeface="+mn-lt"/>
+                <a:ea typeface="+mn-ea"/>
+                <a:cs typeface="+mn-cs"/>
+              </a:rPr>
+              <a:t>RegionMap</a:t>
+            </a:r>
+            <a:r>
+              <a:rPr lang="en-US" sz="1200" b="0" i="0" kern="1200" dirty="0">
+                <a:solidFill>
+                  <a:schemeClr val="tx1"/>
+                </a:solidFill>
+                <a:effectLst/>
+                <a:latin typeface="+mn-lt"/>
+                <a:ea typeface="+mn-ea"/>
+                <a:cs typeface="+mn-cs"/>
+              </a:rPr>
+              <a:t>": {</a:t>
+            </a:r>
+          </a:p>
+          <a:p>
+            <a:r>
+              <a:rPr lang="en-US" sz="1200" b="0" i="0" kern="1200" dirty="0">
+                <a:solidFill>
+                  <a:schemeClr val="tx1"/>
+                </a:solidFill>
+                <a:effectLst/>
+                <a:latin typeface="+mn-lt"/>
+                <a:ea typeface="+mn-ea"/>
+                <a:cs typeface="+mn-cs"/>
+              </a:rPr>
+              <a:t>      "us-east-1": {</a:t>
+            </a:r>
+          </a:p>
+          <a:p>
+            <a:r>
+              <a:rPr lang="en-US" sz="1200" b="0" i="0" kern="1200" dirty="0">
+                <a:solidFill>
+                  <a:schemeClr val="tx1"/>
+                </a:solidFill>
+                <a:effectLst/>
+                <a:latin typeface="+mn-lt"/>
+                <a:ea typeface="+mn-ea"/>
+                <a:cs typeface="+mn-cs"/>
+              </a:rPr>
+              <a:t>        "AMI": "ami-76f0061f"</a:t>
+            </a:r>
+          </a:p>
+          <a:p>
+            <a:r>
+              <a:rPr lang="en-US" sz="1200" b="0" i="0" kern="1200" dirty="0">
+                <a:solidFill>
+                  <a:schemeClr val="tx1"/>
+                </a:solidFill>
+                <a:effectLst/>
+                <a:latin typeface="+mn-lt"/>
+                <a:ea typeface="+mn-ea"/>
+                <a:cs typeface="+mn-cs"/>
+              </a:rPr>
+              <a:t>      },</a:t>
+            </a:r>
+          </a:p>
+          <a:p>
+            <a:r>
+              <a:rPr lang="en-US" sz="1200" b="0" i="0" kern="1200" dirty="0">
+                <a:solidFill>
+                  <a:schemeClr val="tx1"/>
+                </a:solidFill>
+                <a:effectLst/>
+                <a:latin typeface="+mn-lt"/>
+                <a:ea typeface="+mn-ea"/>
+                <a:cs typeface="+mn-cs"/>
+              </a:rPr>
+              <a:t>      "us-west-1": {</a:t>
+            </a:r>
+          </a:p>
+          <a:p>
+            <a:r>
+              <a:rPr lang="en-US" sz="1200" b="0" i="0" kern="1200" dirty="0">
+                <a:solidFill>
+                  <a:schemeClr val="tx1"/>
+                </a:solidFill>
+                <a:effectLst/>
+                <a:latin typeface="+mn-lt"/>
+                <a:ea typeface="+mn-ea"/>
+                <a:cs typeface="+mn-cs"/>
+              </a:rPr>
+              <a:t>        "AMI": "ami-655a0a20"</a:t>
+            </a:r>
+          </a:p>
+          <a:p>
+            <a:r>
+              <a:rPr lang="en-US" sz="1200" b="0" i="0" kern="1200" dirty="0">
+                <a:solidFill>
+                  <a:schemeClr val="tx1"/>
+                </a:solidFill>
+                <a:effectLst/>
+                <a:latin typeface="+mn-lt"/>
+                <a:ea typeface="+mn-ea"/>
+                <a:cs typeface="+mn-cs"/>
+              </a:rPr>
+              <a:t>      },</a:t>
+            </a:r>
+          </a:p>
+          <a:p>
+            <a:r>
+              <a:rPr lang="en-US" sz="1200" b="0" i="0" kern="1200" dirty="0">
+                <a:solidFill>
+                  <a:schemeClr val="tx1"/>
+                </a:solidFill>
+                <a:effectLst/>
+                <a:latin typeface="+mn-lt"/>
+                <a:ea typeface="+mn-ea"/>
+                <a:cs typeface="+mn-cs"/>
+              </a:rPr>
+              <a:t>      "eu-west-1": {</a:t>
+            </a:r>
+          </a:p>
+          <a:p>
+            <a:r>
+              <a:rPr lang="en-US" sz="1200" b="0" i="0" kern="1200" dirty="0">
+                <a:solidFill>
+                  <a:schemeClr val="tx1"/>
+                </a:solidFill>
+                <a:effectLst/>
+                <a:latin typeface="+mn-lt"/>
+                <a:ea typeface="+mn-ea"/>
+                <a:cs typeface="+mn-cs"/>
+              </a:rPr>
+              <a:t>        "AMI": "ami-7fd4e10b"</a:t>
+            </a:r>
+          </a:p>
+          <a:p>
+            <a:r>
+              <a:rPr lang="en-US" sz="1200" b="0" i="0" kern="1200" dirty="0">
+                <a:solidFill>
+                  <a:schemeClr val="tx1"/>
+                </a:solidFill>
+                <a:effectLst/>
+                <a:latin typeface="+mn-lt"/>
+                <a:ea typeface="+mn-ea"/>
+                <a:cs typeface="+mn-cs"/>
+              </a:rPr>
+              <a:t>      },</a:t>
+            </a:r>
+          </a:p>
+          <a:p>
+            <a:r>
+              <a:rPr lang="en-US" sz="1200" b="0" i="0" kern="1200" dirty="0">
+                <a:solidFill>
+                  <a:schemeClr val="tx1"/>
+                </a:solidFill>
+                <a:effectLst/>
+                <a:latin typeface="+mn-lt"/>
+                <a:ea typeface="+mn-ea"/>
+                <a:cs typeface="+mn-cs"/>
+              </a:rPr>
+              <a:t>      "ap-southeast-1": {</a:t>
+            </a:r>
+          </a:p>
+          <a:p>
+            <a:r>
+              <a:rPr lang="en-US" sz="1200" b="0" i="0" kern="1200" dirty="0">
+                <a:solidFill>
+                  <a:schemeClr val="tx1"/>
+                </a:solidFill>
+                <a:effectLst/>
+                <a:latin typeface="+mn-lt"/>
+                <a:ea typeface="+mn-ea"/>
+                <a:cs typeface="+mn-cs"/>
+              </a:rPr>
+              <a:t>        "AMI": "ami-72621c20"</a:t>
+            </a:r>
+          </a:p>
+          <a:p>
+            <a:r>
+              <a:rPr lang="en-US" sz="1200" b="0" i="0" kern="1200" dirty="0">
+                <a:solidFill>
+                  <a:schemeClr val="tx1"/>
+                </a:solidFill>
+                <a:effectLst/>
+                <a:latin typeface="+mn-lt"/>
+                <a:ea typeface="+mn-ea"/>
+                <a:cs typeface="+mn-cs"/>
+              </a:rPr>
+              <a:t>      },</a:t>
+            </a:r>
+          </a:p>
+          <a:p>
+            <a:r>
+              <a:rPr lang="en-US" sz="1200" b="0" i="0" kern="1200" dirty="0">
+                <a:solidFill>
+                  <a:schemeClr val="tx1"/>
+                </a:solidFill>
+                <a:effectLst/>
+                <a:latin typeface="+mn-lt"/>
+                <a:ea typeface="+mn-ea"/>
+                <a:cs typeface="+mn-cs"/>
+              </a:rPr>
+              <a:t>      "ap-northeast-1": {</a:t>
+            </a:r>
+          </a:p>
+          <a:p>
+            <a:r>
+              <a:rPr lang="en-US" sz="1200" b="0" i="0" kern="1200" dirty="0">
+                <a:solidFill>
+                  <a:schemeClr val="tx1"/>
+                </a:solidFill>
+                <a:effectLst/>
+                <a:latin typeface="+mn-lt"/>
+                <a:ea typeface="+mn-ea"/>
+                <a:cs typeface="+mn-cs"/>
+              </a:rPr>
+              <a:t>        "AMI": "ami-8e08a38f"</a:t>
+            </a:r>
+          </a:p>
+          <a:p>
+            <a:r>
+              <a:rPr lang="en-US" sz="1200" b="0" i="0" kern="1200" dirty="0">
+                <a:solidFill>
+                  <a:schemeClr val="tx1"/>
+                </a:solidFill>
+                <a:effectLst/>
+                <a:latin typeface="+mn-lt"/>
+                <a:ea typeface="+mn-ea"/>
+                <a:cs typeface="+mn-cs"/>
+              </a:rPr>
+              <a:t>      }</a:t>
+            </a:r>
+          </a:p>
+          <a:p>
+            <a:r>
+              <a:rPr lang="en-US" sz="1200" b="0" i="0" kern="1200" dirty="0">
+                <a:solidFill>
+                  <a:schemeClr val="tx1"/>
+                </a:solidFill>
+                <a:effectLst/>
+                <a:latin typeface="+mn-lt"/>
+                <a:ea typeface="+mn-ea"/>
+                <a:cs typeface="+mn-cs"/>
+              </a:rPr>
+              <a:t>    }</a:t>
+            </a:r>
+          </a:p>
+          <a:p>
+            <a:r>
+              <a:rPr lang="en-US" sz="1200" b="0" i="0" kern="1200" dirty="0">
+                <a:solidFill>
+                  <a:schemeClr val="tx1"/>
+                </a:solidFill>
+                <a:effectLst/>
+                <a:latin typeface="+mn-lt"/>
+                <a:ea typeface="+mn-ea"/>
+                <a:cs typeface="+mn-cs"/>
+              </a:rPr>
+              <a:t>  },</a:t>
+            </a:r>
+          </a:p>
+          <a:p>
+            <a:r>
+              <a:rPr lang="en-US" sz="1200" b="0" i="0" kern="1200" dirty="0">
+                <a:solidFill>
+                  <a:schemeClr val="tx1"/>
+                </a:solidFill>
+                <a:effectLst/>
+                <a:latin typeface="+mn-lt"/>
+                <a:ea typeface="+mn-ea"/>
+                <a:cs typeface="+mn-cs"/>
+              </a:rPr>
+              <a:t>  "Resources": {</a:t>
+            </a:r>
+          </a:p>
+          <a:p>
+            <a:r>
+              <a:rPr lang="en-US" sz="1200" b="0" i="0" kern="1200" dirty="0">
+                <a:solidFill>
+                  <a:schemeClr val="tx1"/>
+                </a:solidFill>
+                <a:effectLst/>
+                <a:latin typeface="+mn-lt"/>
+                <a:ea typeface="+mn-ea"/>
+                <a:cs typeface="+mn-cs"/>
+              </a:rPr>
+              <a:t>    "Ec2Instance": {</a:t>
+            </a:r>
+          </a:p>
+          <a:p>
+            <a:r>
+              <a:rPr lang="en-US" sz="1200" b="0" i="0" kern="1200" dirty="0">
+                <a:solidFill>
+                  <a:schemeClr val="tx1"/>
+                </a:solidFill>
+                <a:effectLst/>
+                <a:latin typeface="+mn-lt"/>
+                <a:ea typeface="+mn-ea"/>
+                <a:cs typeface="+mn-cs"/>
+              </a:rPr>
+              <a:t>      "Type": "AWS::EC2::Instance",</a:t>
+            </a:r>
+          </a:p>
+          <a:p>
+            <a:r>
+              <a:rPr lang="en-US" sz="1200" b="0" i="0" kern="1200" dirty="0">
+                <a:solidFill>
+                  <a:schemeClr val="tx1"/>
+                </a:solidFill>
+                <a:effectLst/>
+                <a:latin typeface="+mn-lt"/>
+                <a:ea typeface="+mn-ea"/>
+                <a:cs typeface="+mn-cs"/>
+              </a:rPr>
+              <a:t>      "Properties": {</a:t>
+            </a:r>
+          </a:p>
+          <a:p>
+            <a:r>
+              <a:rPr lang="en-US" sz="1200" b="0" i="0" kern="1200" dirty="0">
+                <a:solidFill>
+                  <a:schemeClr val="tx1"/>
+                </a:solidFill>
+                <a:effectLst/>
+                <a:latin typeface="+mn-lt"/>
+                <a:ea typeface="+mn-ea"/>
+                <a:cs typeface="+mn-cs"/>
+              </a:rPr>
+              <a:t>        "</a:t>
+            </a:r>
+            <a:r>
+              <a:rPr lang="en-US" sz="1200" b="0" i="0" kern="1200" dirty="0" err="1">
+                <a:solidFill>
+                  <a:schemeClr val="tx1"/>
+                </a:solidFill>
+                <a:effectLst/>
+                <a:latin typeface="+mn-lt"/>
+                <a:ea typeface="+mn-ea"/>
+                <a:cs typeface="+mn-cs"/>
+              </a:rPr>
+              <a:t>KeyName</a:t>
+            </a:r>
+            <a:r>
+              <a:rPr lang="en-US" sz="1200" b="0" i="0" kern="1200" dirty="0">
+                <a:solidFill>
+                  <a:schemeClr val="tx1"/>
+                </a:solidFill>
+                <a:effectLst/>
+                <a:latin typeface="+mn-lt"/>
+                <a:ea typeface="+mn-ea"/>
+                <a:cs typeface="+mn-cs"/>
+              </a:rPr>
+              <a:t>": {</a:t>
+            </a:r>
+          </a:p>
+          <a:p>
+            <a:r>
+              <a:rPr lang="en-US" sz="1200" b="0" i="0" kern="1200" dirty="0">
+                <a:solidFill>
+                  <a:schemeClr val="tx1"/>
+                </a:solidFill>
+                <a:effectLst/>
+                <a:latin typeface="+mn-lt"/>
+                <a:ea typeface="+mn-ea"/>
+                <a:cs typeface="+mn-cs"/>
+              </a:rPr>
+              <a:t>          "Ref": "</a:t>
+            </a:r>
+            <a:r>
+              <a:rPr lang="en-US" sz="1200" b="0" i="0" kern="1200" dirty="0" err="1">
+                <a:solidFill>
+                  <a:schemeClr val="tx1"/>
+                </a:solidFill>
+                <a:effectLst/>
+                <a:latin typeface="+mn-lt"/>
+                <a:ea typeface="+mn-ea"/>
+                <a:cs typeface="+mn-cs"/>
+              </a:rPr>
+              <a:t>KeyName</a:t>
+            </a:r>
+            <a:r>
+              <a:rPr lang="en-US" sz="1200" b="0" i="0" kern="1200" dirty="0">
+                <a:solidFill>
+                  <a:schemeClr val="tx1"/>
+                </a:solidFill>
+                <a:effectLst/>
+                <a:latin typeface="+mn-lt"/>
+                <a:ea typeface="+mn-ea"/>
+                <a:cs typeface="+mn-cs"/>
+              </a:rPr>
+              <a:t>"</a:t>
+            </a:r>
+          </a:p>
+          <a:p>
+            <a:r>
+              <a:rPr lang="en-US" sz="1200" b="0" i="0" kern="1200" dirty="0">
+                <a:solidFill>
+                  <a:schemeClr val="tx1"/>
+                </a:solidFill>
+                <a:effectLst/>
+                <a:latin typeface="+mn-lt"/>
+                <a:ea typeface="+mn-ea"/>
+                <a:cs typeface="+mn-cs"/>
+              </a:rPr>
+              <a:t>        },</a:t>
+            </a:r>
+          </a:p>
+          <a:p>
+            <a:r>
+              <a:rPr lang="en-US" sz="1200" b="0" i="0" kern="1200" dirty="0">
+                <a:solidFill>
+                  <a:schemeClr val="tx1"/>
+                </a:solidFill>
+                <a:effectLst/>
+                <a:latin typeface="+mn-lt"/>
+                <a:ea typeface="+mn-ea"/>
+                <a:cs typeface="+mn-cs"/>
+              </a:rPr>
+              <a:t>        "</a:t>
+            </a:r>
+            <a:r>
+              <a:rPr lang="en-US" sz="1200" b="0" i="0" kern="1200" dirty="0" err="1">
+                <a:solidFill>
+                  <a:schemeClr val="tx1"/>
+                </a:solidFill>
+                <a:effectLst/>
+                <a:latin typeface="+mn-lt"/>
+                <a:ea typeface="+mn-ea"/>
+                <a:cs typeface="+mn-cs"/>
+              </a:rPr>
+              <a:t>ImageId</a:t>
+            </a:r>
+            <a:r>
+              <a:rPr lang="en-US" sz="1200" b="0" i="0" kern="1200" dirty="0">
+                <a:solidFill>
+                  <a:schemeClr val="tx1"/>
+                </a:solidFill>
+                <a:effectLst/>
+                <a:latin typeface="+mn-lt"/>
+                <a:ea typeface="+mn-ea"/>
+                <a:cs typeface="+mn-cs"/>
+              </a:rPr>
+              <a:t>": {</a:t>
+            </a:r>
+          </a:p>
+          <a:p>
+            <a:r>
+              <a:rPr lang="en-US" sz="1200" b="0" i="0" kern="1200" dirty="0">
+                <a:solidFill>
+                  <a:schemeClr val="tx1"/>
+                </a:solidFill>
+                <a:effectLst/>
+                <a:latin typeface="+mn-lt"/>
+                <a:ea typeface="+mn-ea"/>
+                <a:cs typeface="+mn-cs"/>
+              </a:rPr>
+              <a:t>          "</a:t>
+            </a:r>
+            <a:r>
+              <a:rPr lang="en-US" sz="1200" b="0" i="0" kern="1200" dirty="0" err="1">
+                <a:solidFill>
+                  <a:schemeClr val="tx1"/>
+                </a:solidFill>
+                <a:effectLst/>
+                <a:latin typeface="+mn-lt"/>
+                <a:ea typeface="+mn-ea"/>
+                <a:cs typeface="+mn-cs"/>
+              </a:rPr>
+              <a:t>Fn</a:t>
+            </a:r>
+            <a:r>
+              <a:rPr lang="en-US" sz="1200" b="0" i="0" kern="1200" dirty="0">
+                <a:solidFill>
+                  <a:schemeClr val="tx1"/>
+                </a:solidFill>
+                <a:effectLst/>
+                <a:latin typeface="+mn-lt"/>
+                <a:ea typeface="+mn-ea"/>
+                <a:cs typeface="+mn-cs"/>
+              </a:rPr>
+              <a:t>::</a:t>
+            </a:r>
+            <a:r>
+              <a:rPr lang="en-US" sz="1200" b="0" i="0" kern="1200" dirty="0" err="1">
+                <a:solidFill>
+                  <a:schemeClr val="tx1"/>
+                </a:solidFill>
+                <a:effectLst/>
+                <a:latin typeface="+mn-lt"/>
+                <a:ea typeface="+mn-ea"/>
+                <a:cs typeface="+mn-cs"/>
+              </a:rPr>
+              <a:t>FindInMap</a:t>
+            </a:r>
+            <a:r>
+              <a:rPr lang="en-US" sz="1200" b="0" i="0" kern="1200" dirty="0">
+                <a:solidFill>
+                  <a:schemeClr val="tx1"/>
+                </a:solidFill>
+                <a:effectLst/>
+                <a:latin typeface="+mn-lt"/>
+                <a:ea typeface="+mn-ea"/>
+                <a:cs typeface="+mn-cs"/>
+              </a:rPr>
+              <a:t>": [</a:t>
+            </a:r>
+          </a:p>
+          <a:p>
+            <a:r>
+              <a:rPr lang="en-US" sz="1200" b="0" i="0" kern="1200" dirty="0">
+                <a:solidFill>
+                  <a:schemeClr val="tx1"/>
+                </a:solidFill>
+                <a:effectLst/>
+                <a:latin typeface="+mn-lt"/>
+                <a:ea typeface="+mn-ea"/>
+                <a:cs typeface="+mn-cs"/>
+              </a:rPr>
+              <a:t>            "</a:t>
+            </a:r>
+            <a:r>
+              <a:rPr lang="en-US" sz="1200" b="0" i="0" kern="1200" dirty="0" err="1">
+                <a:solidFill>
+                  <a:schemeClr val="tx1"/>
+                </a:solidFill>
+                <a:effectLst/>
+                <a:latin typeface="+mn-lt"/>
+                <a:ea typeface="+mn-ea"/>
+                <a:cs typeface="+mn-cs"/>
+              </a:rPr>
+              <a:t>RegionMap</a:t>
+            </a:r>
+            <a:r>
+              <a:rPr lang="en-US" sz="1200" b="0" i="0" kern="1200" dirty="0">
+                <a:solidFill>
+                  <a:schemeClr val="tx1"/>
+                </a:solidFill>
+                <a:effectLst/>
+                <a:latin typeface="+mn-lt"/>
+                <a:ea typeface="+mn-ea"/>
+                <a:cs typeface="+mn-cs"/>
+              </a:rPr>
+              <a:t>",</a:t>
+            </a:r>
+          </a:p>
+          <a:p>
+            <a:r>
+              <a:rPr lang="en-US" sz="1200" b="0" i="0" kern="1200" dirty="0">
+                <a:solidFill>
+                  <a:schemeClr val="tx1"/>
+                </a:solidFill>
+                <a:effectLst/>
+                <a:latin typeface="+mn-lt"/>
+                <a:ea typeface="+mn-ea"/>
+                <a:cs typeface="+mn-cs"/>
+              </a:rPr>
+              <a:t>            {</a:t>
+            </a:r>
+          </a:p>
+          <a:p>
+            <a:r>
+              <a:rPr lang="en-US" sz="1200" b="0" i="0" kern="1200" dirty="0">
+                <a:solidFill>
+                  <a:schemeClr val="tx1"/>
+                </a:solidFill>
+                <a:effectLst/>
+                <a:latin typeface="+mn-lt"/>
+                <a:ea typeface="+mn-ea"/>
+                <a:cs typeface="+mn-cs"/>
+              </a:rPr>
+              <a:t>              "Ref": "AWS::Region"</a:t>
+            </a:r>
+          </a:p>
+          <a:p>
+            <a:r>
+              <a:rPr lang="en-US" sz="1200" b="0" i="0" kern="1200" dirty="0">
+                <a:solidFill>
+                  <a:schemeClr val="tx1"/>
+                </a:solidFill>
+                <a:effectLst/>
+                <a:latin typeface="+mn-lt"/>
+                <a:ea typeface="+mn-ea"/>
+                <a:cs typeface="+mn-cs"/>
+              </a:rPr>
+              <a:t>            },</a:t>
+            </a:r>
+          </a:p>
+          <a:p>
+            <a:r>
+              <a:rPr lang="en-US" sz="1200" b="0" i="0" kern="1200" dirty="0">
+                <a:solidFill>
+                  <a:schemeClr val="tx1"/>
+                </a:solidFill>
+                <a:effectLst/>
+                <a:latin typeface="+mn-lt"/>
+                <a:ea typeface="+mn-ea"/>
+                <a:cs typeface="+mn-cs"/>
+              </a:rPr>
+              <a:t>            "AMI"</a:t>
+            </a:r>
+          </a:p>
+          <a:p>
+            <a:r>
+              <a:rPr lang="en-US" sz="1200" b="0" i="0" kern="1200" dirty="0">
+                <a:solidFill>
+                  <a:schemeClr val="tx1"/>
+                </a:solidFill>
+                <a:effectLst/>
+                <a:latin typeface="+mn-lt"/>
+                <a:ea typeface="+mn-ea"/>
+                <a:cs typeface="+mn-cs"/>
+              </a:rPr>
+              <a:t>          ]</a:t>
+            </a:r>
+          </a:p>
+          <a:p>
+            <a:r>
+              <a:rPr lang="en-US" sz="1200" b="0" i="0" kern="1200" dirty="0">
+                <a:solidFill>
+                  <a:schemeClr val="tx1"/>
+                </a:solidFill>
+                <a:effectLst/>
+                <a:latin typeface="+mn-lt"/>
+                <a:ea typeface="+mn-ea"/>
+                <a:cs typeface="+mn-cs"/>
+              </a:rPr>
+              <a:t>        },</a:t>
+            </a:r>
+          </a:p>
+          <a:p>
+            <a:r>
+              <a:rPr lang="en-US" sz="1200" b="0" i="0" kern="1200" dirty="0">
+                <a:solidFill>
+                  <a:schemeClr val="tx1"/>
+                </a:solidFill>
+                <a:effectLst/>
+                <a:latin typeface="+mn-lt"/>
+                <a:ea typeface="+mn-ea"/>
+                <a:cs typeface="+mn-cs"/>
+              </a:rPr>
+              <a:t>        "</a:t>
+            </a:r>
+            <a:r>
+              <a:rPr lang="en-US" sz="1200" b="0" i="0" kern="1200" dirty="0" err="1">
+                <a:solidFill>
+                  <a:schemeClr val="tx1"/>
+                </a:solidFill>
+                <a:effectLst/>
+                <a:latin typeface="+mn-lt"/>
+                <a:ea typeface="+mn-ea"/>
+                <a:cs typeface="+mn-cs"/>
+              </a:rPr>
+              <a:t>UserData</a:t>
+            </a:r>
+            <a:r>
+              <a:rPr lang="en-US" sz="1200" b="0" i="0" kern="1200" dirty="0">
+                <a:solidFill>
+                  <a:schemeClr val="tx1"/>
+                </a:solidFill>
+                <a:effectLst/>
+                <a:latin typeface="+mn-lt"/>
+                <a:ea typeface="+mn-ea"/>
+                <a:cs typeface="+mn-cs"/>
+              </a:rPr>
+              <a:t>": {</a:t>
+            </a:r>
+          </a:p>
+          <a:p>
+            <a:r>
+              <a:rPr lang="en-US" sz="1200" b="0" i="0" kern="1200" dirty="0">
+                <a:solidFill>
+                  <a:schemeClr val="tx1"/>
+                </a:solidFill>
+                <a:effectLst/>
+                <a:latin typeface="+mn-lt"/>
+                <a:ea typeface="+mn-ea"/>
+                <a:cs typeface="+mn-cs"/>
+              </a:rPr>
+              <a:t>          "</a:t>
+            </a:r>
+            <a:r>
+              <a:rPr lang="en-US" sz="1200" b="0" i="0" kern="1200" dirty="0" err="1">
+                <a:solidFill>
+                  <a:schemeClr val="tx1"/>
+                </a:solidFill>
+                <a:effectLst/>
+                <a:latin typeface="+mn-lt"/>
+                <a:ea typeface="+mn-ea"/>
+                <a:cs typeface="+mn-cs"/>
+              </a:rPr>
+              <a:t>Fn</a:t>
+            </a:r>
+            <a:r>
+              <a:rPr lang="en-US" sz="1200" b="0" i="0" kern="1200" dirty="0">
+                <a:solidFill>
+                  <a:schemeClr val="tx1"/>
+                </a:solidFill>
+                <a:effectLst/>
+                <a:latin typeface="+mn-lt"/>
+                <a:ea typeface="+mn-ea"/>
+                <a:cs typeface="+mn-cs"/>
+              </a:rPr>
+              <a:t>::Base64": "80"</a:t>
+            </a:r>
+          </a:p>
+          <a:p>
+            <a:r>
+              <a:rPr lang="en-US" sz="1200" b="0" i="0" kern="1200" dirty="0">
+                <a:solidFill>
+                  <a:schemeClr val="tx1"/>
+                </a:solidFill>
+                <a:effectLst/>
+                <a:latin typeface="+mn-lt"/>
+                <a:ea typeface="+mn-ea"/>
+                <a:cs typeface="+mn-cs"/>
+              </a:rPr>
+              <a:t>        }</a:t>
+            </a:r>
+          </a:p>
+          <a:p>
+            <a:r>
+              <a:rPr lang="en-US" sz="1200" b="0" i="0" kern="1200" dirty="0">
+                <a:solidFill>
+                  <a:schemeClr val="tx1"/>
+                </a:solidFill>
+                <a:effectLst/>
+                <a:latin typeface="+mn-lt"/>
+                <a:ea typeface="+mn-ea"/>
+                <a:cs typeface="+mn-cs"/>
+              </a:rPr>
+              <a:t>      }</a:t>
+            </a:r>
+          </a:p>
+          <a:p>
+            <a:r>
+              <a:rPr lang="en-US" sz="1200" b="0" i="0" kern="1200" dirty="0">
+                <a:solidFill>
+                  <a:schemeClr val="tx1"/>
+                </a:solidFill>
+                <a:effectLst/>
+                <a:latin typeface="+mn-lt"/>
+                <a:ea typeface="+mn-ea"/>
+                <a:cs typeface="+mn-cs"/>
+              </a:rPr>
+              <a:t>    }</a:t>
+            </a:r>
+          </a:p>
+          <a:p>
+            <a:r>
+              <a:rPr lang="en-US" sz="1200" b="0" i="0" kern="1200" dirty="0">
+                <a:solidFill>
+                  <a:schemeClr val="tx1"/>
+                </a:solidFill>
+                <a:effectLst/>
+                <a:latin typeface="+mn-lt"/>
+                <a:ea typeface="+mn-ea"/>
+                <a:cs typeface="+mn-cs"/>
+              </a:rPr>
+              <a:t>  }</a:t>
+            </a:r>
+          </a:p>
+          <a:p>
+            <a:r>
+              <a:rPr lang="en-US" sz="1200" b="0" i="0" kern="1200" dirty="0">
+                <a:solidFill>
+                  <a:schemeClr val="tx1"/>
+                </a:solidFill>
+                <a:effectLst/>
+                <a:latin typeface="+mn-lt"/>
+                <a:ea typeface="+mn-ea"/>
+                <a:cs typeface="+mn-cs"/>
+              </a:rPr>
+              <a:t>}</a:t>
             </a:r>
           </a:p>
           <a:p>
@@ -3716,235 +3298,6 @@
             </a:endParaRPr>
           </a:p>
           <a:p>
-            <a:r>
-              <a:rPr lang="en-US" sz="1200" b="1" i="0" kern="1200" dirty="0">
-                <a:solidFill>
-                  <a:schemeClr val="tx1"/>
-                </a:solidFill>
-                <a:effectLst/>
-                <a:latin typeface="+mn-lt"/>
-                <a:ea typeface="+mn-ea"/>
-                <a:cs typeface="+mn-cs"/>
-              </a:rPr>
-              <a:t>Manage All Stack Resources Through AWS CloudFormation</a:t>
-            </a:r>
-          </a:p>
-          <a:p>
-            <a:r>
-              <a:rPr lang="en-US" sz="1200" b="0" i="0" kern="1200" dirty="0">
-                <a:solidFill>
-                  <a:schemeClr val="tx1"/>
-                </a:solidFill>
-                <a:effectLst/>
-                <a:latin typeface="+mn-lt"/>
-                <a:ea typeface="+mn-ea"/>
-                <a:cs typeface="+mn-cs"/>
-              </a:rPr>
-              <a:t>After you launch a stack, use the AWS CloudFormation </a:t>
-            </a:r>
-            <a:r>
-              <a:rPr lang="en-US" sz="1200" b="0" i="0" u="none" strike="noStrike" kern="1200" dirty="0">
-                <a:solidFill>
-                  <a:schemeClr val="tx1"/>
-                </a:solidFill>
-                <a:effectLst/>
-                <a:latin typeface="+mn-lt"/>
-                <a:ea typeface="+mn-ea"/>
-                <a:cs typeface="+mn-cs"/>
-                <a:hlinkClick r:id="rId3"/>
-              </a:rPr>
-              <a:t>console</a:t>
-            </a:r>
-            <a:r>
-              <a:rPr lang="en-US" sz="1200" b="0" i="0" kern="1200" dirty="0">
-                <a:solidFill>
-                  <a:schemeClr val="tx1"/>
-                </a:solidFill>
-                <a:effectLst/>
-                <a:latin typeface="+mn-lt"/>
-                <a:ea typeface="+mn-ea"/>
-                <a:cs typeface="+mn-cs"/>
-              </a:rPr>
-              <a:t>, </a:t>
-            </a:r>
-            <a:r>
-              <a:rPr lang="en-US" sz="1200" b="0" i="0" u="none" strike="noStrike" kern="1200" dirty="0">
-                <a:solidFill>
-                  <a:schemeClr val="tx1"/>
-                </a:solidFill>
-                <a:effectLst/>
-                <a:latin typeface="+mn-lt"/>
-                <a:ea typeface="+mn-ea"/>
-                <a:cs typeface="+mn-cs"/>
-                <a:hlinkClick r:id="rId4"/>
-              </a:rPr>
-              <a:t>API</a:t>
-            </a:r>
-            <a:r>
-              <a:rPr lang="en-US" sz="1200" b="0" i="0" kern="1200" dirty="0">
-                <a:solidFill>
-                  <a:schemeClr val="tx1"/>
-                </a:solidFill>
-                <a:effectLst/>
-                <a:latin typeface="+mn-lt"/>
-                <a:ea typeface="+mn-ea"/>
-                <a:cs typeface="+mn-cs"/>
-              </a:rPr>
-              <a:t>, or </a:t>
-            </a:r>
-            <a:r>
-              <a:rPr lang="en-US" sz="1200" b="0" i="0" u="none" strike="noStrike" kern="1200" dirty="0">
-                <a:solidFill>
-                  <a:schemeClr val="tx1"/>
-                </a:solidFill>
-                <a:effectLst/>
-                <a:latin typeface="+mn-lt"/>
-                <a:ea typeface="+mn-ea"/>
-                <a:cs typeface="+mn-cs"/>
-                <a:hlinkClick r:id="rId5"/>
-              </a:rPr>
-              <a:t>AWS CLI</a:t>
-            </a:r>
-            <a:r>
-              <a:rPr lang="en-US" sz="1200" b="0" i="0" kern="1200" dirty="0">
-                <a:solidFill>
-                  <a:schemeClr val="tx1"/>
-                </a:solidFill>
-                <a:effectLst/>
-                <a:latin typeface="+mn-lt"/>
-                <a:ea typeface="+mn-ea"/>
-                <a:cs typeface="+mn-cs"/>
-              </a:rPr>
-              <a:t> to update resources in your stack. Do not make changes to stack resources outside of AWS CloudFormation. Doing so can create a mismatch between your stack's template and the current state of your stack resources, which can cause errors if you update or delete the stack. For more information, see </a:t>
-            </a:r>
-            <a:r>
-              <a:rPr lang="en-US" sz="1200" b="0" i="0" u="none" strike="noStrike" kern="1200" dirty="0">
-                <a:solidFill>
-                  <a:schemeClr val="tx1"/>
-                </a:solidFill>
-                <a:effectLst/>
-                <a:latin typeface="+mn-lt"/>
-                <a:ea typeface="+mn-ea"/>
-                <a:cs typeface="+mn-cs"/>
-                <a:hlinkClick r:id="rId6"/>
-              </a:rPr>
-              <a:t>Walkthrough: Updating a Stack</a:t>
-            </a:r>
-            <a:r>
-              <a:rPr lang="en-US" sz="1200" b="0" i="0" kern="1200" dirty="0">
-                <a:solidFill>
-                  <a:schemeClr val="tx1"/>
-                </a:solidFill>
-                <a:effectLst/>
-                <a:latin typeface="+mn-lt"/>
-                <a:ea typeface="+mn-ea"/>
-                <a:cs typeface="+mn-cs"/>
-              </a:rPr>
-              <a:t>.</a:t>
-            </a:r>
-          </a:p>
-          <a:p>
-            <a:endParaRPr lang="en-US" sz="1200" b="0" i="0" kern="1200" dirty="0">
-              <a:solidFill>
-                <a:schemeClr val="tx1"/>
-              </a:solidFill>
-              <a:effectLst/>
-              <a:latin typeface="+mn-lt"/>
-              <a:ea typeface="+mn-ea"/>
-              <a:cs typeface="+mn-cs"/>
-            </a:endParaRPr>
-          </a:p>
-          <a:p>
-            <a:r>
-              <a:rPr lang="en-US" sz="1200" b="1" i="0" kern="1200" dirty="0">
-                <a:solidFill>
-                  <a:schemeClr val="tx1"/>
-                </a:solidFill>
-                <a:effectLst/>
-                <a:latin typeface="+mn-lt"/>
-                <a:ea typeface="+mn-ea"/>
-                <a:cs typeface="+mn-cs"/>
-              </a:rPr>
-              <a:t>Create Change Sets Before Updating Your Stacks</a:t>
-            </a:r>
-          </a:p>
-          <a:p>
-            <a:r>
-              <a:rPr lang="en-US" sz="1200" b="0" i="0" kern="1200" dirty="0">
-                <a:solidFill>
-                  <a:schemeClr val="tx1"/>
-                </a:solidFill>
-                <a:effectLst/>
-                <a:latin typeface="+mn-lt"/>
-                <a:ea typeface="+mn-ea"/>
-                <a:cs typeface="+mn-cs"/>
-              </a:rPr>
-              <a:t>Change sets allow you to see how proposed changes to a stack might impact your running resources before you implement them. AWS CloudFormation doesn't make any changes to your stack until you execute the change set, allowing you to decide whether to proceed with your proposed changes or create another change set.</a:t>
-            </a:r>
-          </a:p>
-          <a:p>
-            <a:endParaRPr lang="en-US" dirty="0"/>
-          </a:p>
-          <a:p>
-            <a:r>
-              <a:rPr lang="en-US" sz="1200" b="1" i="0" kern="1200" dirty="0">
-                <a:solidFill>
-                  <a:schemeClr val="tx1"/>
-                </a:solidFill>
-                <a:effectLst/>
-                <a:latin typeface="+mn-lt"/>
-                <a:ea typeface="+mn-ea"/>
-                <a:cs typeface="+mn-cs"/>
-              </a:rPr>
-              <a:t>Use Code Reviews and Revision Controls to Manage Your Templates</a:t>
-            </a:r>
-          </a:p>
-          <a:p>
-            <a:r>
-              <a:rPr lang="en-US" sz="1200" b="0" i="0" kern="1200" dirty="0">
-                <a:solidFill>
-                  <a:schemeClr val="tx1"/>
-                </a:solidFill>
-                <a:effectLst/>
-                <a:latin typeface="+mn-lt"/>
-                <a:ea typeface="+mn-ea"/>
-                <a:cs typeface="+mn-cs"/>
-              </a:rPr>
-              <a:t>Your stack templates describe the configuration of your AWS resources, such as their property values. To review changes and to keep an accurate history of your resources, use code reviews and revision controls. These methods can help you track changes between different versions of your templates, which can help you track changes to your stack resources. Also, by maintaining a history, you can always revert your stack to a certain version of your template.</a:t>
-            </a:r>
-          </a:p>
-          <a:p>
-            <a:br>
-              <a:rPr lang="en-US" dirty="0"/>
-            </a:br>
-            <a:r>
-              <a:rPr lang="en-US" sz="1200" b="1" i="0" kern="1200" dirty="0">
-                <a:solidFill>
-                  <a:schemeClr val="tx1"/>
-                </a:solidFill>
-                <a:effectLst/>
-                <a:latin typeface="+mn-lt"/>
-                <a:ea typeface="+mn-ea"/>
-                <a:cs typeface="+mn-cs"/>
-              </a:rPr>
-              <a:t>Update Your Amazon EC2 Linux Instances Regularly</a:t>
-            </a:r>
-          </a:p>
-          <a:p>
-            <a:r>
-              <a:rPr lang="en-US" sz="1200" b="0" i="0" kern="1200" dirty="0">
-                <a:solidFill>
-                  <a:schemeClr val="tx1"/>
-                </a:solidFill>
-                <a:effectLst/>
-                <a:latin typeface="+mn-lt"/>
-                <a:ea typeface="+mn-ea"/>
-                <a:cs typeface="+mn-cs"/>
-              </a:rPr>
-              <a:t>On all your Amazon EC2 Linux instances and Amazon EC2 Linux instances created with AWS CloudFormation, regularly run the yum update command to update the RPM package. This ensures that you get the latest fixes and security updates.</a:t>
-            </a:r>
-          </a:p>
-          <a:p>
             <a:endParaRPr lang="en-US" dirty="0"/>
           </a:p>
         </p:txBody>
@@ -3975,7 +3328,7 @@
     </p:spTree>
     <p:extLst>
       <p:ext uri="{BB962C8B-B14F-4D97-AF65-F5344CB8AC3E}">
-        <p14:creationId xmlns:p14="http://schemas.microsoft.com/office/powerpoint/2010/main" val="550315607"/>
+        <p14:creationId xmlns:p14="http://schemas.microsoft.com/office/powerpoint/2010/main" val="4219339037"/>
       </p:ext>
     </p:extLst>
   </p:cSld>
@@ -4029,6 +3382,73 @@
           <a:bodyPr/>
           <a:lstStyle/>
           <a:p>
+            <a:r>
+              <a:rPr lang="en-US" sz="1200" b="1" i="0" kern="1200" dirty="0">
+                <a:solidFill>
+                  <a:schemeClr val="tx1"/>
+                </a:solidFill>
+                <a:effectLst/>
+                <a:latin typeface="+mn-lt"/>
+                <a:ea typeface="+mn-ea"/>
+                <a:cs typeface="+mn-cs"/>
+              </a:rPr>
+              <a:t>Verify Quotas for All Resource Types</a:t>
+            </a:r>
+          </a:p>
+          <a:p>
+            <a:r>
+              <a:rPr lang="en-US" sz="1200" b="0" i="0" kern="1200" dirty="0">
+                <a:solidFill>
+                  <a:schemeClr val="tx1"/>
+                </a:solidFill>
+                <a:effectLst/>
+                <a:latin typeface="+mn-lt"/>
+                <a:ea typeface="+mn-ea"/>
+                <a:cs typeface="+mn-cs"/>
+              </a:rPr>
+              <a:t>Before launching a stack, ensure that you can create all the resources that you want without hitting your AWS account limits. If you hit a limit, AWS CloudFormation won't create your stack successfully until you increase your quota or delete extra resources. Each service can have various limits that you should be aware of before launching a stack. For example, by default, you can only launch 200 AWS CloudFormation stacks per region in your AWS account. For more information about limits and how to increase the default limits</a:t>
+            </a:r>
+          </a:p>
+          <a:p>
+            <a:r>
+              <a:rPr lang="en-US" sz="1200" b="1" i="0" kern="1200" dirty="0">
+                <a:solidFill>
+                  <a:schemeClr val="tx1"/>
+                </a:solidFill>
+                <a:effectLst/>
+                <a:latin typeface="+mn-lt"/>
+                <a:ea typeface="+mn-ea"/>
+                <a:cs typeface="+mn-cs"/>
+              </a:rPr>
+              <a:t>Use IAM to Control Access</a:t>
+            </a:r>
+          </a:p>
+          <a:p>
+            <a:r>
+              <a:rPr lang="en-US" sz="1200" b="0" i="0" kern="1200" dirty="0">
+                <a:solidFill>
+                  <a:schemeClr val="tx1"/>
+                </a:solidFill>
+                <a:effectLst/>
+                <a:latin typeface="+mn-lt"/>
+                <a:ea typeface="+mn-ea"/>
+                <a:cs typeface="+mn-cs"/>
+              </a:rPr>
+              <a:t>IAM is an AWS service that you can use to manage users and their permissions in AWS. You can use IAM with AWS CloudFormation to specify what AWS CloudFormation actions users can perform, such as viewing stack templates, creating stacks, or deleting stacks. Furthermore, anyone managing AWS CloudFormation stacks will require permissions to resources within those stacks. For example, if users want to use AWS CloudFormation to launch, update, or terminate Amazon EC2 instances, they must have permission to call the relevant Amazon EC2 actions.</a:t>
+            </a:r>
+          </a:p>
+          <a:p>
+            <a:endParaRPr lang="en-US" sz="1200" b="0" i="0" kern="1200" dirty="0">
+              <a:solidFill>
+                <a:schemeClr val="tx1"/>
+              </a:solidFill>
+              <a:effectLst/>
+              <a:latin typeface="+mn-lt"/>
+              <a:ea typeface="+mn-ea"/>
+              <a:cs typeface="+mn-cs"/>
+            </a:endParaRPr>
+          </a:p>
+          <a:p>
             <a:endParaRPr lang="en-US" dirty="0"/>
           </a:p>
         </p:txBody>
@@ -4059,7 +3479,673 @@
     </p:spTree>
     <p:extLst>
       <p:ext uri="{BB962C8B-B14F-4D97-AF65-F5344CB8AC3E}">
-        <p14:creationId xmlns:p14="http://schemas.microsoft.com/office/powerpoint/2010/main" val="509920797"/>
+        <p14:creationId xmlns:p14="http://schemas.microsoft.com/office/powerpoint/2010/main" val="542002156"/>
+      </p:ext>
+    </p:extLst>
+  </p:cSld>
+  <p:clrMapOvr>
+    <a:masterClrMapping/>
+  </p:clrMapOvr>
+</p:notes>
+</file>
+
+<file path=ppt/notesSlides/notesSlide8.xml><?xml version="1.0" encoding="utf-8"?>
+<p:notes xmlns:a="http://schemas.openxmlformats.org/drawingml/2006/main" xmlns:r="http://schemas.openxmlformats.org/officeDocument/2006/relationships" xmlns:p="http://schemas.openxmlformats.org/presentationml/2006/main">
+  <p:cSld>
+    <p:spTree>
+      <p:nvGrpSpPr>
+        <p:cNvPr id="1" name=""/>
+        <p:cNvGrpSpPr/>
+        <p:nvPr/>
+      </p:nvGrpSpPr>
+      <p:grpSpPr>
+        <a:xfrm>
+          <a:off x="0" y="0"/>
+          <a:ext cx="0" cy="0"/>
+          <a:chOff x="0" y="0"/>
+          <a:chExt cx="0" cy="0"/>
+        </a:xfrm>
+      </p:grpSpPr>
+      <p:sp>
+        <p:nvSpPr>
+          <p:cNvPr id="2" name="Slide Image Placeholder 1"/>
+          <p:cNvSpPr>
+            <a:spLocks noGrp="1" noRot="1" noChangeAspect="1"/>
+          </p:cNvSpPr>
+          <p:nvPr>
+            <p:ph type="sldImg"/>
+          </p:nvPr>
+        </p:nvSpPr>
+        <p:spPr/>
+      </p:sp>
+      <p:sp>
+        <p:nvSpPr>
+          <p:cNvPr id="3" name="Notes Placeholder 2"/>
+          <p:cNvSpPr>
+            <a:spLocks noGrp="1"/>
+          </p:cNvSpPr>
+          <p:nvPr>
+            <p:ph type="body" idx="1"/>
+          </p:nvPr>
+        </p:nvSpPr>
+        <p:spPr/>
+        <p:txBody>
+          <a:bodyPr/>
+          <a:lstStyle/>
+          <a:p>
+            <a:r>
+              <a:rPr lang="en-US" sz="1200" b="1" i="0" u="sng" kern="1200" dirty="0">
+                <a:solidFill>
+                  <a:schemeClr val="tx1"/>
+                </a:solidFill>
+                <a:effectLst/>
+                <a:latin typeface="+mn-lt"/>
+                <a:ea typeface="+mn-ea"/>
+                <a:cs typeface="+mn-cs"/>
+              </a:rPr>
+              <a:t>Good practice:</a:t>
+            </a:r>
+          </a:p>
+          <a:p>
+            <a:br>
+              <a:rPr lang="en-US" sz="1200" b="1" i="0" kern="1200" dirty="0">
+                <a:solidFill>
+                  <a:schemeClr val="tx1"/>
+                </a:solidFill>
+                <a:effectLst/>
+                <a:latin typeface="+mn-lt"/>
+                <a:ea typeface="+mn-ea"/>
+                <a:cs typeface="+mn-cs"/>
+              </a:rPr>
+            </a:br>
+            <a:r>
+              <a:rPr lang="en-US" sz="1200" b="1" i="0" kern="1200" dirty="0">
+                <a:solidFill>
+                  <a:schemeClr val="tx1"/>
+                </a:solidFill>
+                <a:effectLst/>
+                <a:latin typeface="+mn-lt"/>
+                <a:ea typeface="+mn-ea"/>
+                <a:cs typeface="+mn-cs"/>
+              </a:rPr>
+              <a:t>Reuse Templates to Replicate Stacks in Multiple Environments</a:t>
+            </a:r>
+          </a:p>
+          <a:p>
+            <a:r>
+              <a:rPr lang="en-US" sz="1200" b="0" i="0" kern="1200" dirty="0">
+                <a:solidFill>
+                  <a:schemeClr val="tx1"/>
+                </a:solidFill>
+                <a:effectLst/>
+                <a:latin typeface="+mn-lt"/>
+                <a:ea typeface="+mn-ea"/>
+                <a:cs typeface="+mn-cs"/>
+              </a:rPr>
+              <a:t>After you have your stacks and resources set up, you can reuse your templates to replicate your infrastructure in multiple environments. For example, you can create environments for development, testing, and production so that you can test changes before implementing them into production. To make templates reusable, use the parameters, mappings, and conditions sections so that you can customize your stacks when you create them. For example, for your </a:t>
+            </a:r>
+            <a:r>
+              <a:rPr lang="en-US" sz="1200" b="0" i="1" kern="1200" dirty="0">
+                <a:solidFill>
+                  <a:schemeClr val="tx1"/>
+                </a:solidFill>
+                <a:effectLst/>
+                <a:latin typeface="+mn-lt"/>
+                <a:ea typeface="+mn-ea"/>
+                <a:cs typeface="+mn-cs"/>
+              </a:rPr>
+              <a:t>development</a:t>
+            </a:r>
+            <a:r>
+              <a:rPr lang="en-US" sz="1200" b="0" i="0" kern="1200" dirty="0">
+                <a:solidFill>
+                  <a:schemeClr val="tx1"/>
+                </a:solidFill>
+                <a:effectLst/>
+                <a:latin typeface="+mn-lt"/>
+                <a:ea typeface="+mn-ea"/>
+                <a:cs typeface="+mn-cs"/>
+              </a:rPr>
+              <a:t> environments, you can specify </a:t>
+            </a:r>
+            <a:r>
+              <a:rPr lang="en-US" sz="1200" b="1" i="0" kern="1200" dirty="0">
+                <a:solidFill>
+                  <a:schemeClr val="tx1"/>
+                </a:solidFill>
+                <a:effectLst/>
+                <a:latin typeface="+mn-lt"/>
+                <a:ea typeface="+mn-ea"/>
+                <a:cs typeface="+mn-cs"/>
+              </a:rPr>
+              <a:t>a lower-cost </a:t>
+            </a:r>
+            <a:r>
+              <a:rPr lang="en-US" sz="1200" b="0" i="0" kern="1200" dirty="0">
+                <a:solidFill>
+                  <a:schemeClr val="tx1"/>
+                </a:solidFill>
+                <a:effectLst/>
+                <a:latin typeface="+mn-lt"/>
+                <a:ea typeface="+mn-ea"/>
+                <a:cs typeface="+mn-cs"/>
+              </a:rPr>
+              <a:t>instance type compared to your </a:t>
+            </a:r>
+            <a:r>
+              <a:rPr lang="en-US" sz="1200" b="0" i="1" kern="1200" dirty="0">
+                <a:solidFill>
+                  <a:schemeClr val="tx1"/>
+                </a:solidFill>
+                <a:effectLst/>
+                <a:latin typeface="+mn-lt"/>
+                <a:ea typeface="+mn-ea"/>
+                <a:cs typeface="+mn-cs"/>
+              </a:rPr>
+              <a:t>production</a:t>
+            </a:r>
+            <a:r>
+              <a:rPr lang="en-US" sz="1200" b="0" i="0" kern="1200" dirty="0">
+                <a:solidFill>
+                  <a:schemeClr val="tx1"/>
+                </a:solidFill>
+                <a:effectLst/>
+                <a:latin typeface="+mn-lt"/>
+                <a:ea typeface="+mn-ea"/>
+                <a:cs typeface="+mn-cs"/>
+              </a:rPr>
+              <a:t> environment, but all other configurations and settings remain the same. For more information about parameters, mappings, and conditions,</a:t>
+            </a:r>
+          </a:p>
+          <a:p>
+            <a:endParaRPr lang="en-US" sz="1200" b="1" i="0" kern="1200" dirty="0">
+              <a:solidFill>
+                <a:schemeClr val="tx1"/>
+              </a:solidFill>
+              <a:effectLst/>
+              <a:latin typeface="+mn-lt"/>
+              <a:ea typeface="+mn-ea"/>
+              <a:cs typeface="+mn-cs"/>
+            </a:endParaRPr>
+          </a:p>
+          <a:p>
+            <a:r>
+              <a:rPr lang="en-US" sz="1200" b="1" i="0" kern="1200" dirty="0">
+                <a:solidFill>
+                  <a:schemeClr val="tx1"/>
+                </a:solidFill>
+                <a:effectLst/>
+                <a:latin typeface="+mn-lt"/>
+                <a:ea typeface="+mn-ea"/>
+                <a:cs typeface="+mn-cs"/>
+              </a:rPr>
+              <a:t>Do Not Embed Credentials in Your Templates</a:t>
+            </a:r>
+          </a:p>
+          <a:p>
+            <a:r>
+              <a:rPr lang="en-US" sz="1200" b="0" i="0" kern="1200" dirty="0">
+                <a:solidFill>
+                  <a:schemeClr val="tx1"/>
+                </a:solidFill>
+                <a:effectLst/>
+                <a:latin typeface="+mn-lt"/>
+                <a:ea typeface="+mn-ea"/>
+                <a:cs typeface="+mn-cs"/>
+              </a:rPr>
+              <a:t>Rather than embedding sensitive information in your AWS CloudFormation templates, use input parameters to pass in information whenever you create or update a stack. If you do, make sure to use the </a:t>
+            </a:r>
+            <a:r>
+              <a:rPr lang="en-US" sz="1200" b="0" i="0" kern="1200" dirty="0" err="1">
+                <a:solidFill>
+                  <a:schemeClr val="tx1"/>
+                </a:solidFill>
+                <a:effectLst/>
+                <a:latin typeface="+mn-lt"/>
+                <a:ea typeface="+mn-ea"/>
+                <a:cs typeface="+mn-cs"/>
+              </a:rPr>
+              <a:t>NoEcho</a:t>
+            </a:r>
+            <a:r>
+              <a:rPr lang="en-US" sz="1200" b="0" i="0" kern="1200" dirty="0">
+                <a:solidFill>
+                  <a:schemeClr val="tx1"/>
+                </a:solidFill>
+                <a:effectLst/>
+                <a:latin typeface="+mn-lt"/>
+                <a:ea typeface="+mn-ea"/>
+                <a:cs typeface="+mn-cs"/>
+              </a:rPr>
+              <a:t> property to obfuscate the parameter value.</a:t>
+            </a:r>
+          </a:p>
+          <a:p>
+            <a:r>
+              <a:rPr lang="en-US" sz="1200" b="0" i="0" kern="1200" dirty="0">
+                <a:solidFill>
+                  <a:schemeClr val="tx1"/>
+                </a:solidFill>
+                <a:effectLst/>
+                <a:latin typeface="+mn-lt"/>
+                <a:ea typeface="+mn-ea"/>
+                <a:cs typeface="+mn-cs"/>
+              </a:rPr>
+              <a:t>For example, suppose your stack creates a new database instance. When the database is created, AWS CloudFormation needs to pass a database administrator password. You can pass in a password by using an input parameter instead of embedding it in your template. For more information</a:t>
+            </a:r>
+          </a:p>
+          <a:p>
+            <a:endParaRPr lang="en-US" sz="1200" b="1" i="0" kern="1200" dirty="0">
+              <a:solidFill>
+                <a:schemeClr val="tx1"/>
+              </a:solidFill>
+              <a:effectLst/>
+              <a:latin typeface="+mn-lt"/>
+              <a:ea typeface="+mn-ea"/>
+              <a:cs typeface="+mn-cs"/>
+            </a:endParaRPr>
+          </a:p>
+          <a:p>
+            <a:r>
+              <a:rPr lang="en-US" sz="1200" b="1" i="0" kern="1200" dirty="0">
+                <a:solidFill>
+                  <a:schemeClr val="tx1"/>
+                </a:solidFill>
+                <a:effectLst/>
+                <a:latin typeface="+mn-lt"/>
+                <a:ea typeface="+mn-ea"/>
+                <a:cs typeface="+mn-cs"/>
+              </a:rPr>
+              <a:t>Use AWS-Specific Parameter Types</a:t>
+            </a:r>
+          </a:p>
+          <a:p>
+            <a:r>
+              <a:rPr lang="en-US" sz="1200" b="0" i="0" kern="1200" dirty="0">
+                <a:solidFill>
+                  <a:schemeClr val="tx1"/>
+                </a:solidFill>
+                <a:effectLst/>
+                <a:latin typeface="+mn-lt"/>
+                <a:ea typeface="+mn-ea"/>
+                <a:cs typeface="+mn-cs"/>
+              </a:rPr>
+              <a:t>If your template requires inputs for existing AWS-specific values, such as existing Amazon Virtual Private Cloud IDs or an Amazon EC2 key pair name, use AWS-specific parameter types. For example, you can specify a parameter as type AWS::EC2::</a:t>
+            </a:r>
+            <a:r>
+              <a:rPr lang="en-US" sz="1200" b="0" i="0" kern="1200" dirty="0" err="1">
+                <a:solidFill>
+                  <a:schemeClr val="tx1"/>
+                </a:solidFill>
+                <a:effectLst/>
+                <a:latin typeface="+mn-lt"/>
+                <a:ea typeface="+mn-ea"/>
+                <a:cs typeface="+mn-cs"/>
+              </a:rPr>
+              <a:t>KeyPair</a:t>
+            </a:r>
+            <a:r>
+              <a:rPr lang="en-US" sz="1200" b="0" i="0" kern="1200" dirty="0">
+                <a:solidFill>
+                  <a:schemeClr val="tx1"/>
+                </a:solidFill>
+                <a:effectLst/>
+                <a:latin typeface="+mn-lt"/>
+                <a:ea typeface="+mn-ea"/>
+                <a:cs typeface="+mn-cs"/>
+              </a:rPr>
+              <a:t>::</a:t>
+            </a:r>
+            <a:r>
+              <a:rPr lang="en-US" sz="1200" b="0" i="0" kern="1200" dirty="0" err="1">
+                <a:solidFill>
+                  <a:schemeClr val="tx1"/>
+                </a:solidFill>
+                <a:effectLst/>
+                <a:latin typeface="+mn-lt"/>
+                <a:ea typeface="+mn-ea"/>
+                <a:cs typeface="+mn-cs"/>
+              </a:rPr>
+              <a:t>KeyName</a:t>
+            </a:r>
+            <a:r>
+              <a:rPr lang="en-US" sz="1200" b="0" i="0" kern="1200" dirty="0">
+                <a:solidFill>
+                  <a:schemeClr val="tx1"/>
+                </a:solidFill>
+                <a:effectLst/>
+                <a:latin typeface="+mn-lt"/>
+                <a:ea typeface="+mn-ea"/>
+                <a:cs typeface="+mn-cs"/>
+              </a:rPr>
+              <a:t>, which takes an existing key pair name that is in your AWS account and in the region where you are creating the stack.</a:t>
+            </a:r>
+          </a:p>
+          <a:p>
+            <a:endParaRPr lang="en-US" sz="1200" b="1" i="0" kern="1200" dirty="0">
+              <a:solidFill>
+                <a:schemeClr val="tx1"/>
+              </a:solidFill>
+              <a:effectLst/>
+              <a:latin typeface="+mn-lt"/>
+              <a:ea typeface="+mn-ea"/>
+              <a:cs typeface="+mn-cs"/>
+            </a:endParaRPr>
+          </a:p>
+          <a:p>
+            <a:r>
+              <a:rPr lang="en-US" sz="1200" b="1" i="0" kern="1200" dirty="0">
+                <a:solidFill>
+                  <a:schemeClr val="tx1"/>
+                </a:solidFill>
+                <a:effectLst/>
+                <a:latin typeface="+mn-lt"/>
+                <a:ea typeface="+mn-ea"/>
+                <a:cs typeface="+mn-cs"/>
+              </a:rPr>
+              <a:t>Validate Templates Before Using Them</a:t>
+            </a:r>
+          </a:p>
+          <a:p>
+            <a:r>
+              <a:rPr lang="en-US" sz="1200" b="0" i="0" kern="1200" dirty="0">
+                <a:solidFill>
+                  <a:schemeClr val="tx1"/>
+                </a:solidFill>
+                <a:effectLst/>
+                <a:latin typeface="+mn-lt"/>
+                <a:ea typeface="+mn-ea"/>
+                <a:cs typeface="+mn-cs"/>
+              </a:rPr>
+              <a:t>Before you use a template to create or update a stack, you can use AWS CloudFormation to validate it. Validating a template can help you catch syntax and some semantic errors, such as circular dependencies, before AWS CloudFormation creates any resources. If you use the AWS CloudFormation console, the console automatically validates the template after you specify input parameters. For the AWS CLI or AWS CloudFormation API.</a:t>
+            </a:r>
+          </a:p>
+          <a:p>
+            <a:r>
+              <a:rPr lang="en-US" sz="1200" b="0" i="0" kern="1200" dirty="0">
+                <a:solidFill>
+                  <a:schemeClr val="tx1"/>
+                </a:solidFill>
+                <a:effectLst/>
+                <a:latin typeface="+mn-lt"/>
+                <a:ea typeface="+mn-ea"/>
+                <a:cs typeface="+mn-cs"/>
+              </a:rPr>
+              <a:t>During validation, AWS CloudFormation first checks if the template is valid JSON. If it isn't, AWS CloudFormation checks if the template is valid YAML. If both checks fail, AWS CloudFormation returns a template validation error.</a:t>
+            </a:r>
+          </a:p>
+          <a:p>
+            <a:endParaRPr lang="en-US" sz="1200" b="0" i="0" kern="1200" dirty="0">
+              <a:solidFill>
+                <a:schemeClr val="tx1"/>
+              </a:solidFill>
+              <a:effectLst/>
+              <a:latin typeface="+mn-lt"/>
+              <a:ea typeface="+mn-ea"/>
+              <a:cs typeface="+mn-cs"/>
+            </a:endParaRPr>
+          </a:p>
+          <a:p>
+            <a:r>
+              <a:rPr lang="en-US" sz="1200" b="1" i="0" kern="1200" dirty="0">
+                <a:solidFill>
+                  <a:schemeClr val="tx1"/>
+                </a:solidFill>
+                <a:effectLst/>
+                <a:latin typeface="+mn-lt"/>
+                <a:ea typeface="+mn-ea"/>
+                <a:cs typeface="+mn-cs"/>
+              </a:rPr>
+              <a:t>Manage All Stack Resources Through AWS CloudFormation</a:t>
+            </a:r>
+          </a:p>
+          <a:p>
+            <a:r>
+              <a:rPr lang="en-US" sz="1200" b="0" i="0" kern="1200" dirty="0">
+                <a:solidFill>
+                  <a:schemeClr val="tx1"/>
+                </a:solidFill>
+                <a:effectLst/>
+                <a:latin typeface="+mn-lt"/>
+                <a:ea typeface="+mn-ea"/>
+                <a:cs typeface="+mn-cs"/>
+              </a:rPr>
+              <a:t>After you launch a stack, use the AWS CloudFormation </a:t>
+            </a:r>
+            <a:r>
+              <a:rPr lang="en-US" sz="1200" b="0" i="0" u="none" strike="noStrike" kern="1200" dirty="0">
+                <a:solidFill>
+                  <a:schemeClr val="tx1"/>
+                </a:solidFill>
+                <a:effectLst/>
+                <a:latin typeface="+mn-lt"/>
+                <a:ea typeface="+mn-ea"/>
+                <a:cs typeface="+mn-cs"/>
+                <a:hlinkClick r:id="rId3"/>
+              </a:rPr>
+              <a:t>console</a:t>
+            </a:r>
+            <a:r>
+              <a:rPr lang="en-US" sz="1200" b="0" i="0" kern="1200" dirty="0">
+                <a:solidFill>
+                  <a:schemeClr val="tx1"/>
+                </a:solidFill>
+                <a:effectLst/>
+                <a:latin typeface="+mn-lt"/>
+                <a:ea typeface="+mn-ea"/>
+                <a:cs typeface="+mn-cs"/>
+              </a:rPr>
+              <a:t>, </a:t>
+            </a:r>
+            <a:r>
+              <a:rPr lang="en-US" sz="1200" b="0" i="0" u="none" strike="noStrike" kern="1200" dirty="0">
+                <a:solidFill>
+                  <a:schemeClr val="tx1"/>
+                </a:solidFill>
+                <a:effectLst/>
+                <a:latin typeface="+mn-lt"/>
+                <a:ea typeface="+mn-ea"/>
+                <a:cs typeface="+mn-cs"/>
+                <a:hlinkClick r:id="rId4"/>
+              </a:rPr>
+              <a:t>API</a:t>
+            </a:r>
+            <a:r>
+              <a:rPr lang="en-US" sz="1200" b="0" i="0" kern="1200" dirty="0">
+                <a:solidFill>
+                  <a:schemeClr val="tx1"/>
+                </a:solidFill>
+                <a:effectLst/>
+                <a:latin typeface="+mn-lt"/>
+                <a:ea typeface="+mn-ea"/>
+                <a:cs typeface="+mn-cs"/>
+              </a:rPr>
+              <a:t>, or </a:t>
+            </a:r>
+            <a:r>
+              <a:rPr lang="en-US" sz="1200" b="0" i="0" u="none" strike="noStrike" kern="1200" dirty="0">
+                <a:solidFill>
+                  <a:schemeClr val="tx1"/>
+                </a:solidFill>
+                <a:effectLst/>
+                <a:latin typeface="+mn-lt"/>
+                <a:ea typeface="+mn-ea"/>
+                <a:cs typeface="+mn-cs"/>
+                <a:hlinkClick r:id="rId5"/>
+              </a:rPr>
+              <a:t>AWS CLI</a:t>
+            </a:r>
+            <a:r>
+              <a:rPr lang="en-US" sz="1200" b="0" i="0" kern="1200" dirty="0">
+                <a:solidFill>
+                  <a:schemeClr val="tx1"/>
+                </a:solidFill>
+                <a:effectLst/>
+                <a:latin typeface="+mn-lt"/>
+                <a:ea typeface="+mn-ea"/>
+                <a:cs typeface="+mn-cs"/>
+              </a:rPr>
+              <a:t> to update resources in your stack. Do not make changes to stack resources outside of AWS CloudFormation. Doing so can create a mismatch between your stack's template and the current state of your stack resources, which can cause errors if you update or delete the stack. For more information, see </a:t>
+            </a:r>
+            <a:r>
+              <a:rPr lang="en-US" sz="1200" b="0" i="0" u="none" strike="noStrike" kern="1200" dirty="0">
+                <a:solidFill>
+                  <a:schemeClr val="tx1"/>
+                </a:solidFill>
+                <a:effectLst/>
+                <a:latin typeface="+mn-lt"/>
+                <a:ea typeface="+mn-ea"/>
+                <a:cs typeface="+mn-cs"/>
+                <a:hlinkClick r:id="rId6"/>
+              </a:rPr>
+              <a:t>Walkthrough: Updating a Stack</a:t>
+            </a:r>
+            <a:r>
+              <a:rPr lang="en-US" sz="1200" b="0" i="0" kern="1200" dirty="0">
+                <a:solidFill>
+                  <a:schemeClr val="tx1"/>
+                </a:solidFill>
+                <a:effectLst/>
+                <a:latin typeface="+mn-lt"/>
+                <a:ea typeface="+mn-ea"/>
+                <a:cs typeface="+mn-cs"/>
+              </a:rPr>
+              <a:t>.</a:t>
+            </a:r>
+          </a:p>
+          <a:p>
+            <a:endParaRPr lang="en-US" sz="1200" b="0" i="0" kern="1200" dirty="0">
+              <a:solidFill>
+                <a:schemeClr val="tx1"/>
+              </a:solidFill>
+              <a:effectLst/>
+              <a:latin typeface="+mn-lt"/>
+              <a:ea typeface="+mn-ea"/>
+              <a:cs typeface="+mn-cs"/>
+            </a:endParaRPr>
+          </a:p>
+          <a:p>
+            <a:r>
+              <a:rPr lang="en-US" sz="1200" b="1" i="0" kern="1200" dirty="0">
+                <a:solidFill>
+                  <a:schemeClr val="tx1"/>
+                </a:solidFill>
+                <a:effectLst/>
+                <a:latin typeface="+mn-lt"/>
+                <a:ea typeface="+mn-ea"/>
+                <a:cs typeface="+mn-cs"/>
+              </a:rPr>
+              <a:t>Create Change Sets Before Updating Your Stacks</a:t>
+            </a:r>
+          </a:p>
+          <a:p>
+            <a:r>
+              <a:rPr lang="en-US" sz="1200" b="0" i="0" kern="1200" dirty="0">
+                <a:solidFill>
+                  <a:schemeClr val="tx1"/>
+                </a:solidFill>
+                <a:effectLst/>
+                <a:latin typeface="+mn-lt"/>
+                <a:ea typeface="+mn-ea"/>
+                <a:cs typeface="+mn-cs"/>
+              </a:rPr>
+              <a:t>Change sets allow you to see how proposed changes to a stack might impact your running resources before you implement them. AWS CloudFormation doesn't make any changes to your stack until you execute the change set, allowing you to decide whether to proceed with your proposed changes or create another change set.</a:t>
+            </a:r>
+          </a:p>
+          <a:p>
+            <a:endParaRPr lang="en-US" dirty="0"/>
+          </a:p>
+          <a:p>
+            <a:r>
+              <a:rPr lang="en-US" sz="1200" b="1" i="0" kern="1200" dirty="0">
+                <a:solidFill>
+                  <a:schemeClr val="tx1"/>
+                </a:solidFill>
+                <a:effectLst/>
+                <a:latin typeface="+mn-lt"/>
+                <a:ea typeface="+mn-ea"/>
+                <a:cs typeface="+mn-cs"/>
+              </a:rPr>
+              <a:t>Use Code Reviews and Revision Controls to Manage Your Templates</a:t>
+            </a:r>
+          </a:p>
+          <a:p>
+            <a:r>
+              <a:rPr lang="en-US" sz="1200" b="0" i="0" kern="1200" dirty="0">
+                <a:solidFill>
+                  <a:schemeClr val="tx1"/>
+                </a:solidFill>
+                <a:effectLst/>
+                <a:latin typeface="+mn-lt"/>
+                <a:ea typeface="+mn-ea"/>
+                <a:cs typeface="+mn-cs"/>
+              </a:rPr>
+              <a:t>Your stack templates describe the configuration of your AWS resources, such as their property values. To review changes and to keep an accurate history of your resources, use code reviews and revision controls. These methods can help you track changes between different versions of your templates, which can help you track changes to your stack resources. Also, by maintaining a history, you can always revert your stack to a certain version of your template.</a:t>
+            </a:r>
+          </a:p>
+          <a:p>
+            <a:br>
+              <a:rPr lang="en-US" dirty="0"/>
+            </a:br>
+            <a:r>
+              <a:rPr lang="en-US" sz="1200" b="1" i="0" kern="1200" dirty="0">
+                <a:solidFill>
+                  <a:schemeClr val="tx1"/>
+                </a:solidFill>
+                <a:effectLst/>
+                <a:latin typeface="+mn-lt"/>
+                <a:ea typeface="+mn-ea"/>
+                <a:cs typeface="+mn-cs"/>
+              </a:rPr>
+              <a:t>Update Your Amazon EC2 Linux Instances Regularly</a:t>
+            </a:r>
+          </a:p>
+          <a:p>
+            <a:r>
+              <a:rPr lang="en-US" sz="1200" b="0" i="0" kern="1200" dirty="0">
+                <a:solidFill>
+                  <a:schemeClr val="tx1"/>
+                </a:solidFill>
+                <a:effectLst/>
+                <a:latin typeface="+mn-lt"/>
+                <a:ea typeface="+mn-ea"/>
+                <a:cs typeface="+mn-cs"/>
+              </a:rPr>
+              <a:t>On all your Amazon EC2 Linux instances and Amazon EC2 Linux instances created with AWS CloudFormation, regularly run the yum update command to update the RPM package. This ensures that you get the latest fixes and security updates.</a:t>
+            </a:r>
+          </a:p>
+          <a:p>
+            <a:endParaRPr lang="en-US" dirty="0"/>
+          </a:p>
+        </p:txBody>
+      </p:sp>
+      <p:sp>
+        <p:nvSpPr>
+          <p:cNvPr id="4" name="Slide Number Placeholder 3"/>
+          <p:cNvSpPr>
+            <a:spLocks noGrp="1"/>
+          </p:cNvSpPr>
+          <p:nvPr>
+            <p:ph type="sldNum" sz="quarter" idx="5"/>
+          </p:nvPr>
+        </p:nvSpPr>
+        <p:spPr/>
+        <p:txBody>
+          <a:bodyPr/>
+          <a:lstStyle/>
+          <a:p>
+            <a:fld id="{854849D2-CA60-4E91-8A83-9389C3F76D2A}" type="slidenum">
+              <a:rPr lang="en-US" smtClean="0"/>
+              <a:t>11</a:t>
+            </a:fld>
+            <a:endParaRPr lang="en-US"/>
+          </a:p>
+        </p:txBody>
+      </p:sp>
+    </p:spTree>
+    <p:extLst>
+      <p:ext uri="{BB962C8B-B14F-4D97-AF65-F5344CB8AC3E}">
+        <p14:creationId xmlns:p14="http://schemas.microsoft.com/office/powerpoint/2010/main" val="550315607"/>
       </p:ext>
     </p:extLst>
   </p:cSld>
@@ -4791,7 +4877,7 @@
           <a:p>
             <a:fld id="{27B8273F-2766-4200-80E4-DA0439332E4F}" type="datetimeFigureOut">
               <a:rPr lang="en-US" smtClean="0"/>
-              <a:t>10/7/2019</a:t>
+              <a:t>10/9/2019</a:t>
             </a:fld>
             <a:endParaRPr lang="en-US"/>
           </a:p>
@@ -5042,7 +5128,7 @@
           <a:p>
             <a:fld id="{27B8273F-2766-4200-80E4-DA0439332E4F}" type="datetimeFigureOut">
               <a:rPr lang="en-US" smtClean="0"/>
-              <a:t>10/7/2019</a:t>
+              <a:t>10/9/2019</a:t>
             </a:fld>
             <a:endParaRPr lang="en-US"/>
           </a:p>
@@ -5356,7 +5442,7 @@
           <a:p>
             <a:fld id="{27B8273F-2766-4200-80E4-DA0439332E4F}" type="datetimeFigureOut">
               <a:rPr lang="en-US" smtClean="0"/>
-              <a:t>10/7/2019</a:t>
+              <a:t>10/9/2019</a:t>
             </a:fld>
             <a:endParaRPr lang="en-US"/>
           </a:p>
@@ -5697,7 +5783,7 @@
           <a:p>
             <a:fld id="{27B8273F-2766-4200-80E4-DA0439332E4F}" type="datetimeFigureOut">
               <a:rPr lang="en-US" smtClean="0"/>
-              <a:t>10/7/2019</a:t>
+              <a:t>10/9/2019</a:t>
             </a:fld>
             <a:endParaRPr lang="en-US"/>
           </a:p>
@@ -6011,7 +6097,7 @@
           <a:p>
             <a:fld id="{27B8273F-2766-4200-80E4-DA0439332E4F}" type="datetimeFigureOut">
               <a:rPr lang="en-US" smtClean="0"/>
-              <a:t>10/7/2019</a:t>
+              <a:t>10/9/2019</a:t>
             </a:fld>
             <a:endParaRPr lang="en-US"/>
           </a:p>
@@ -6404,7 +6490,7 @@
           <a:p>
             <a:fld id="{27B8273F-2766-4200-80E4-DA0439332E4F}" type="datetimeFigureOut">
               <a:rPr lang="en-US" smtClean="0"/>
-              <a:t>10/7/2019</a:t>
+              <a:t>10/9/2019</a:t>
             </a:fld>
             <a:endParaRPr lang="en-US"/>
           </a:p>
@@ -6574,7 +6660,7 @@
           <a:p>
             <a:fld id="{27B8273F-2766-4200-80E4-DA0439332E4F}" type="datetimeFigureOut">
               <a:rPr lang="en-US" smtClean="0"/>
-              <a:t>10/7/2019</a:t>
+              <a:t>10/9/2019</a:t>
             </a:fld>
             <a:endParaRPr lang="en-US"/>
           </a:p>
@@ -6754,7 +6840,7 @@
           <a:p>
             <a:fld id="{27B8273F-2766-4200-80E4-DA0439332E4F}" type="datetimeFigureOut">
               <a:rPr lang="en-US" smtClean="0"/>
-              <a:t>10/7/2019</a:t>
+              <a:t>10/9/2019</a:t>
             </a:fld>
             <a:endParaRPr lang="en-US"/>
           </a:p>
@@ -9300,7 +9386,7 @@
           <a:p>
             <a:fld id="{27B8273F-2766-4200-80E4-DA0439332E4F}" type="datetimeFigureOut">
               <a:rPr lang="en-US" smtClean="0"/>
-              <a:t>10/7/2019</a:t>
+              <a:t>10/9/2019</a:t>
             </a:fld>
             <a:endParaRPr lang="en-US"/>
           </a:p>
@@ -9547,7 +9633,7 @@
           <a:p>
             <a:fld id="{27B8273F-2766-4200-80E4-DA0439332E4F}" type="datetimeFigureOut">
               <a:rPr lang="en-US" smtClean="0"/>
-              <a:t>10/7/2019</a:t>
+              <a:t>10/9/2019</a:t>
             </a:fld>
             <a:endParaRPr lang="en-US"/>
           </a:p>
@@ -9779,7 +9865,7 @@
           <a:p>
             <a:fld id="{27B8273F-2766-4200-80E4-DA0439332E4F}" type="datetimeFigureOut">
               <a:rPr lang="en-US" smtClean="0"/>
-              <a:t>10/7/2019</a:t>
+              <a:t>10/9/2019</a:t>
             </a:fld>
             <a:endParaRPr lang="en-US"/>
           </a:p>
@@ -10153,7 +10239,7 @@
           <a:p>
             <a:fld id="{27B8273F-2766-4200-80E4-DA0439332E4F}" type="datetimeFigureOut">
               <a:rPr lang="en-US" smtClean="0"/>
-              <a:t>10/7/2019</a:t>
+              <a:t>10/9/2019</a:t>
             </a:fld>
             <a:endParaRPr lang="en-US"/>
           </a:p>
@@ -10276,7 +10362,7 @@
           <a:p>
             <a:fld id="{27B8273F-2766-4200-80E4-DA0439332E4F}" type="datetimeFigureOut">
               <a:rPr lang="en-US" smtClean="0"/>
-              <a:t>10/7/2019</a:t>
+              <a:t>10/9/2019</a:t>
             </a:fld>
             <a:endParaRPr lang="en-US"/>
           </a:p>
@@ -10371,7 +10457,7 @@
           <a:p>
             <a:fld id="{27B8273F-2766-4200-80E4-DA0439332E4F}" type="datetimeFigureOut">
               <a:rPr lang="en-US" smtClean="0"/>
-              <a:t>10/7/2019</a:t>
+              <a:t>10/9/2019</a:t>
             </a:fld>
             <a:endParaRPr lang="en-US"/>
           </a:p>
@@ -10626,7 +10712,7 @@
           <a:p>
             <a:fld id="{27B8273F-2766-4200-80E4-DA0439332E4F}" type="datetimeFigureOut">
               <a:rPr lang="en-US" smtClean="0"/>
-              <a:t>10/7/2019</a:t>
+              <a:t>10/9/2019</a:t>
             </a:fld>
             <a:endParaRPr lang="en-US"/>
           </a:p>
@@ -10889,7 +10975,7 @@
           <a:p>
             <a:fld id="{27B8273F-2766-4200-80E4-DA0439332E4F}" type="datetimeFigureOut">
               <a:rPr lang="en-US" smtClean="0"/>
-              <a:t>10/7/2019</a:t>
+              <a:t>10/9/2019</a:t>
             </a:fld>
             <a:endParaRPr lang="en-US"/>
           </a:p>
@@ -11632,7 +11718,7 @@
           <a:p>
             <a:fld id="{27B8273F-2766-4200-80E4-DA0439332E4F}" type="datetimeFigureOut">
               <a:rPr lang="en-US" smtClean="0"/>
-              <a:t>10/7/2019</a:t>
+              <a:t>10/9/2019</a:t>
             </a:fld>
             <a:endParaRPr lang="en-US"/>
           </a:p>
@@ -12270,13 +12356,7 @@
       </p:grpSpPr>
       <p:sp>
         <p:nvSpPr>
-          <p:cNvPr id="3" name="Text Placeholder 2">
-            <a:extLst>
-              <a:ext uri="{FF2B5EF4-FFF2-40B4-BE49-F238E27FC236}">
-                <a16:creationId xmlns:a16="http://schemas.microsoft.com/office/drawing/2014/main" id="{F8723D03-0721-4539-88DC-C9FAEB1E82F6}"/>
-              </a:ext>
-            </a:extLst>
-          </p:cNvPr>
+          <p:cNvPr id="3" name="Text Placeholder 2"/>
           <p:cNvSpPr>
             <a:spLocks noGrp="1"/>
           </p:cNvSpPr>
@@ -12284,27 +12364,228 @@
             <p:ph type="body" sz="quarter" idx="10"/>
           </p:nvPr>
         </p:nvSpPr>
-        <p:spPr>
-          <a:xfrm>
-            <a:off x="0" y="0"/>
-            <a:ext cx="12192000" cy="932688"/>
-          </a:xfrm>
-        </p:spPr>
+        <p:spPr/>
         <p:txBody>
           <a:bodyPr/>
           <a:lstStyle/>
           <a:p>
             <a:r>
-              <a:rPr lang="en-US" dirty="0"/>
-              <a:t>Cloud Formation Basics Part 1</a:t>
-            </a:r>
+              <a:rPr lang="en-US" sz="2800" dirty="0"/>
+              <a:t>Template publishing in AWS</a:t>
+            </a:r>
+            <a:endParaRPr lang="en-US" dirty="0"/>
+          </a:p>
+        </p:txBody>
+      </p:sp>
+      <p:pic>
+        <p:nvPicPr>
+          <p:cNvPr id="5" name="Content Placeholder 4">
+            <a:extLst>
+              <a:ext uri="{FF2B5EF4-FFF2-40B4-BE49-F238E27FC236}">
+                <a16:creationId xmlns:a16="http://schemas.microsoft.com/office/drawing/2014/main" id="{DC054EAB-242B-4453-AC57-B4B23C93F010}"/>
+              </a:ext>
+            </a:extLst>
+          </p:cNvPr>
+          <p:cNvPicPr>
+            <a:picLocks noGrp="1" noChangeAspect="1"/>
+          </p:cNvPicPr>
+          <p:nvPr>
+            <p:ph idx="1"/>
+          </p:nvPr>
+        </p:nvPicPr>
+        <p:blipFill>
+          <a:blip r:embed="rId3"/>
+          <a:stretch>
+            <a:fillRect/>
+          </a:stretch>
+        </p:blipFill>
+        <p:spPr>
+          <a:xfrm>
+            <a:off x="3957673" y="1186480"/>
+            <a:ext cx="6685079" cy="5253397"/>
+          </a:xfrm>
+          <a:prstGeom prst="rect">
+            <a:avLst/>
+          </a:prstGeom>
+        </p:spPr>
+      </p:pic>
+      <p:sp>
+        <p:nvSpPr>
+          <p:cNvPr id="4" name="Rectangle 3">
+            <a:extLst>
+              <a:ext uri="{FF2B5EF4-FFF2-40B4-BE49-F238E27FC236}">
+                <a16:creationId xmlns:a16="http://schemas.microsoft.com/office/drawing/2014/main" id="{EBBF3C57-ED3A-432D-B8BD-0D5450A4598C}"/>
+              </a:ext>
+            </a:extLst>
+          </p:cNvPr>
+          <p:cNvSpPr/>
+          <p:nvPr/>
+        </p:nvSpPr>
+        <p:spPr>
+          <a:xfrm>
+            <a:off x="250092" y="1453035"/>
+            <a:ext cx="3188678" cy="3556038"/>
+          </a:xfrm>
+          <a:prstGeom prst="rect">
+            <a:avLst/>
+          </a:prstGeom>
+        </p:spPr>
+        <p:txBody>
+          <a:bodyPr wrap="square">
+            <a:spAutoFit/>
+          </a:bodyPr>
+          <a:lstStyle/>
+          <a:p>
+            <a:pPr marL="342900" indent="-342900">
+              <a:lnSpc>
+                <a:spcPct val="120000"/>
+              </a:lnSpc>
+              <a:spcBef>
+                <a:spcPts val="1000"/>
+              </a:spcBef>
+              <a:buClr>
+                <a:schemeClr val="accent1"/>
+              </a:buClr>
+              <a:buSzPct val="80000"/>
+              <a:buFont typeface="Wingdings 3" charset="2"/>
+              <a:buChar char=""/>
+            </a:pPr>
+            <a:r>
+              <a:rPr lang="en-US" sz="1400" dirty="0">
+                <a:solidFill>
+                  <a:schemeClr val="tx1">
+                    <a:lumMod val="75000"/>
+                    <a:lumOff val="25000"/>
+                  </a:schemeClr>
+                </a:solidFill>
+              </a:rPr>
+              <a:t>Create a new template or use an existing CloudFormation template using the JSON or YAML format.</a:t>
+            </a:r>
+          </a:p>
+          <a:p>
+            <a:pPr marL="342900" indent="-342900">
+              <a:lnSpc>
+                <a:spcPct val="120000"/>
+              </a:lnSpc>
+              <a:spcBef>
+                <a:spcPts val="1000"/>
+              </a:spcBef>
+              <a:buClr>
+                <a:schemeClr val="accent1"/>
+              </a:buClr>
+              <a:buSzPct val="80000"/>
+              <a:buFont typeface="Wingdings 3" charset="2"/>
+              <a:buChar char=""/>
+            </a:pPr>
+            <a:r>
+              <a:rPr lang="en-US" sz="1400" dirty="0">
+                <a:solidFill>
+                  <a:schemeClr val="tx1">
+                    <a:lumMod val="75000"/>
+                    <a:lumOff val="25000"/>
+                  </a:schemeClr>
+                </a:solidFill>
+              </a:rPr>
+              <a:t>Save your code template locally or in an S3 bucket.</a:t>
+            </a:r>
+          </a:p>
+          <a:p>
+            <a:pPr marL="342900" indent="-342900">
+              <a:lnSpc>
+                <a:spcPct val="120000"/>
+              </a:lnSpc>
+              <a:spcBef>
+                <a:spcPts val="1000"/>
+              </a:spcBef>
+              <a:buClr>
+                <a:schemeClr val="accent1"/>
+              </a:buClr>
+              <a:buSzPct val="80000"/>
+              <a:buFont typeface="Wingdings 3" charset="2"/>
+              <a:buChar char=""/>
+            </a:pPr>
+            <a:r>
+              <a:rPr lang="en-US" sz="1400" dirty="0">
+                <a:solidFill>
+                  <a:schemeClr val="tx1">
+                    <a:lumMod val="75000"/>
+                    <a:lumOff val="25000"/>
+                  </a:schemeClr>
+                </a:solidFill>
+              </a:rPr>
+              <a:t>Use AWS CloudFormation to build a stack on your template.</a:t>
+            </a:r>
+          </a:p>
+          <a:p>
+            <a:pPr marL="342900" indent="-342900">
+              <a:lnSpc>
+                <a:spcPct val="120000"/>
+              </a:lnSpc>
+              <a:spcBef>
+                <a:spcPts val="1000"/>
+              </a:spcBef>
+              <a:buClr>
+                <a:schemeClr val="accent1"/>
+              </a:buClr>
+              <a:buSzPct val="80000"/>
+              <a:buFont typeface="Wingdings 3" charset="2"/>
+              <a:buChar char=""/>
+            </a:pPr>
+            <a:r>
+              <a:rPr lang="en-US" sz="1400" dirty="0">
+                <a:solidFill>
+                  <a:schemeClr val="tx1">
+                    <a:lumMod val="75000"/>
+                    <a:lumOff val="25000"/>
+                  </a:schemeClr>
+                </a:solidFill>
+              </a:rPr>
+              <a:t>AWS CloudFormation constructs and configures the stack resources that you have specified in your template.</a:t>
+            </a:r>
+          </a:p>
+        </p:txBody>
+      </p:sp>
+      <p:sp>
+        <p:nvSpPr>
+          <p:cNvPr id="2" name="Rectangle 1">
+            <a:extLst>
+              <a:ext uri="{FF2B5EF4-FFF2-40B4-BE49-F238E27FC236}">
+                <a16:creationId xmlns:a16="http://schemas.microsoft.com/office/drawing/2014/main" id="{8B93679C-1ED0-4126-B6FF-637C9938BDB1}"/>
+              </a:ext>
+            </a:extLst>
+          </p:cNvPr>
+          <p:cNvSpPr/>
+          <p:nvPr/>
+        </p:nvSpPr>
+        <p:spPr>
+          <a:xfrm>
+            <a:off x="441477" y="6439877"/>
+            <a:ext cx="10201275" cy="369332"/>
+          </a:xfrm>
+          <a:prstGeom prst="rect">
+            <a:avLst/>
+          </a:prstGeom>
+        </p:spPr>
+        <p:txBody>
+          <a:bodyPr wrap="square">
+            <a:spAutoFit/>
+          </a:bodyPr>
+          <a:lstStyle/>
+          <a:p>
+            <a:r>
+              <a:rPr lang="en-US" dirty="0">
+                <a:hlinkClick r:id="rId4"/>
+              </a:rPr>
+              <a:t>https://github.com/awslabs/aws-cloudformation-templates/blob/master/aws/services/</a:t>
+            </a:r>
+            <a:endParaRPr lang="en-US" dirty="0"/>
           </a:p>
         </p:txBody>
       </p:sp>
     </p:spTree>
     <p:extLst>
       <p:ext uri="{BB962C8B-B14F-4D97-AF65-F5344CB8AC3E}">
-        <p14:creationId xmlns:p14="http://schemas.microsoft.com/office/powerpoint/2010/main" val="3848635475"/>
+        <p14:creationId xmlns:p14="http://schemas.microsoft.com/office/powerpoint/2010/main" val="604164821"/>
       </p:ext>
     </p:extLst>
   </p:cSld>
@@ -12333,6 +12614,116 @@
       </p:grpSpPr>
       <p:sp>
         <p:nvSpPr>
+          <p:cNvPr id="3" name="Text Placeholder 2">
+            <a:extLst>
+              <a:ext uri="{FF2B5EF4-FFF2-40B4-BE49-F238E27FC236}">
+                <a16:creationId xmlns:a16="http://schemas.microsoft.com/office/drawing/2014/main" id="{F8723D03-0721-4539-88DC-C9FAEB1E82F6}"/>
+              </a:ext>
+            </a:extLst>
+          </p:cNvPr>
+          <p:cNvSpPr>
+            <a:spLocks noGrp="1"/>
+          </p:cNvSpPr>
+          <p:nvPr>
+            <p:ph type="body" sz="quarter" idx="10"/>
+          </p:nvPr>
+        </p:nvSpPr>
+        <p:spPr>
+          <a:xfrm>
+            <a:off x="0" y="0"/>
+            <a:ext cx="12192000" cy="932688"/>
+          </a:xfrm>
+        </p:spPr>
+        <p:txBody>
+          <a:bodyPr/>
+          <a:lstStyle/>
+          <a:p>
+            <a:r>
+              <a:rPr lang="en-US" dirty="0"/>
+              <a:t>Cloud Formation Stack</a:t>
+            </a:r>
+          </a:p>
+        </p:txBody>
+      </p:sp>
+      <p:pic>
+        <p:nvPicPr>
+          <p:cNvPr id="31" name="Picture 2">
+            <a:extLst>
+              <a:ext uri="{FF2B5EF4-FFF2-40B4-BE49-F238E27FC236}">
+                <a16:creationId xmlns:a16="http://schemas.microsoft.com/office/drawing/2014/main" id="{6DECBA2D-F126-48BC-8AC5-391A81C8B79C}"/>
+              </a:ext>
+            </a:extLst>
+          </p:cNvPr>
+          <p:cNvPicPr>
+            <a:picLocks noChangeAspect="1" noChangeArrowheads="1"/>
+          </p:cNvPicPr>
+          <p:nvPr/>
+        </p:nvPicPr>
+        <p:blipFill>
+          <a:blip r:embed="rId3">
+            <a:extLst>
+              <a:ext uri="{28A0092B-C50C-407E-A947-70E740481C1C}">
+                <a14:useLocalDpi xmlns:a14="http://schemas.microsoft.com/office/drawing/2010/main" val="0"/>
+              </a:ext>
+            </a:extLst>
+          </a:blip>
+          <a:srcRect/>
+          <a:stretch>
+            <a:fillRect/>
+          </a:stretch>
+        </p:blipFill>
+        <p:spPr bwMode="auto">
+          <a:xfrm>
+            <a:off x="477795" y="1289578"/>
+            <a:ext cx="7911800" cy="5568422"/>
+          </a:xfrm>
+          <a:prstGeom prst="rect">
+            <a:avLst/>
+          </a:prstGeom>
+          <a:noFill/>
+          <a:extLst>
+            <a:ext uri="{909E8E84-426E-40DD-AFC4-6F175D3DCCD1}">
+              <a14:hiddenFill xmlns:a14="http://schemas.microsoft.com/office/drawing/2010/main">
+                <a:solidFill>
+                  <a:srgbClr val="FFFFFF"/>
+                </a:solidFill>
+              </a14:hiddenFill>
+            </a:ext>
+          </a:extLst>
+        </p:spPr>
+      </p:pic>
+    </p:spTree>
+    <p:extLst>
+      <p:ext uri="{BB962C8B-B14F-4D97-AF65-F5344CB8AC3E}">
+        <p14:creationId xmlns:p14="http://schemas.microsoft.com/office/powerpoint/2010/main" val="4052348876"/>
+      </p:ext>
+    </p:extLst>
+  </p:cSld>
+  <p:clrMapOvr>
+    <a:masterClrMapping/>
+  </p:clrMapOvr>
+</p:sld>
+</file>
+
+<file path=ppt/slides/slide12.xml><?xml version="1.0" encoding="utf-8"?>
+<p:sld xmlns:a="http://schemas.openxmlformats.org/drawingml/2006/main" xmlns:r="http://schemas.openxmlformats.org/officeDocument/2006/relationships" xmlns:p="http://schemas.openxmlformats.org/presentationml/2006/main">
+  <p:cSld>
+    <p:spTree>
+      <p:nvGrpSpPr>
+        <p:cNvPr id="1" name=""/>
+        <p:cNvGrpSpPr/>
+        <p:nvPr/>
+      </p:nvGrpSpPr>
+      <p:grpSpPr>
+        <a:xfrm>
+          <a:off x="0" y="0"/>
+          <a:ext cx="0" cy="0"/>
+          <a:chOff x="0" y="0"/>
+          <a:chExt cx="0" cy="0"/>
+        </a:xfrm>
+      </p:grpSpPr>
+      <p:sp>
+        <p:nvSpPr>
           <p:cNvPr id="2" name="Content Placeholder 1"/>
           <p:cNvSpPr>
             <a:spLocks noGrp="1"/>
@@ -12344,14 +12735,43 @@
         <p:spPr>
           <a:xfrm>
             <a:off x="304800" y="1219200"/>
-            <a:ext cx="7858897" cy="4800600"/>
+            <a:ext cx="9472246" cy="4800600"/>
           </a:xfrm>
         </p:spPr>
         <p:txBody>
           <a:bodyPr numCol="2"/>
           <a:lstStyle/>
           <a:p>
-            <a:endParaRPr lang="en-US" dirty="0"/>
+            <a:r>
+              <a:rPr lang="en-US" dirty="0"/>
+              <a:t>Create Stack from CloudFormation template: “</a:t>
+            </a:r>
+            <a:r>
+              <a:rPr lang="en-US" dirty="0" err="1"/>
+              <a:t>elb</a:t>
+            </a:r>
+            <a:r>
+              <a:rPr lang="en-US" dirty="0"/>
+              <a:t> with 2 instances”</a:t>
+            </a:r>
+          </a:p>
+          <a:p>
+            <a:r>
+              <a:rPr lang="en-US" dirty="0"/>
+              <a:t>Load Stack to the AWS</a:t>
+            </a:r>
+          </a:p>
+          <a:p>
+            <a:r>
+              <a:rPr lang="en-US" dirty="0"/>
+              <a:t>Update Stack: Add 3d Instance</a:t>
+            </a:r>
+          </a:p>
+          <a:p>
+            <a:r>
+              <a:rPr lang="en-US" dirty="0"/>
+              <a:t>Upload changes to AWS</a:t>
+            </a:r>
           </a:p>
         </p:txBody>
       </p:sp>
@@ -14376,6 +14796,1890 @@
           <p:cNvPr id="3" name="Text Placeholder 2">
             <a:extLst>
               <a:ext uri="{FF2B5EF4-FFF2-40B4-BE49-F238E27FC236}">
+                <a16:creationId xmlns:a16="http://schemas.microsoft.com/office/drawing/2014/main" id="{F8723D03-0721-4539-88DC-C9FAEB1E82F6}"/>
+              </a:ext>
+            </a:extLst>
+          </p:cNvPr>
+          <p:cNvSpPr>
+            <a:spLocks noGrp="1"/>
+          </p:cNvSpPr>
+          <p:nvPr>
+            <p:ph type="body" sz="quarter" idx="10"/>
+          </p:nvPr>
+        </p:nvSpPr>
+        <p:spPr>
+          <a:xfrm>
+            <a:off x="0" y="0"/>
+            <a:ext cx="12192000" cy="932688"/>
+          </a:xfrm>
+        </p:spPr>
+        <p:txBody>
+          <a:bodyPr/>
+          <a:lstStyle/>
+          <a:p>
+            <a:r>
+              <a:rPr lang="en-US" dirty="0"/>
+              <a:t>Cloud Formation Objects definition: “Ref”, “Properties”</a:t>
+            </a:r>
+          </a:p>
+        </p:txBody>
+      </p:sp>
+      <p:sp>
+        <p:nvSpPr>
+          <p:cNvPr id="4" name="Rectangle 3">
+            <a:extLst>
+              <a:ext uri="{FF2B5EF4-FFF2-40B4-BE49-F238E27FC236}">
+                <a16:creationId xmlns:a16="http://schemas.microsoft.com/office/drawing/2014/main" id="{327309C4-644D-4F67-B18C-B98A5E413D80}"/>
+              </a:ext>
+            </a:extLst>
+          </p:cNvPr>
+          <p:cNvSpPr/>
+          <p:nvPr/>
+        </p:nvSpPr>
+        <p:spPr>
+          <a:xfrm>
+            <a:off x="726831" y="1199505"/>
+            <a:ext cx="6096000" cy="5724644"/>
+          </a:xfrm>
+          <a:prstGeom prst="rect">
+            <a:avLst/>
+          </a:prstGeom>
+        </p:spPr>
+        <p:txBody>
+          <a:bodyPr>
+            <a:spAutoFit/>
+          </a:bodyPr>
+          <a:lstStyle/>
+          <a:p>
+            <a:r>
+              <a:rPr lang="en-US" sz="1200" dirty="0"/>
+              <a:t>{</a:t>
+            </a:r>
+          </a:p>
+          <a:p>
+            <a:r>
+              <a:rPr lang="en-US" sz="1200" dirty="0"/>
+              <a:t>    "Resources": {</a:t>
+            </a:r>
+          </a:p>
+          <a:p>
+            <a:r>
+              <a:rPr lang="en-US" sz="1200" dirty="0"/>
+              <a:t>        "Ec2Instance": {</a:t>
+            </a:r>
+          </a:p>
+          <a:p>
+            <a:r>
+              <a:rPr lang="en-US" sz="1200" dirty="0"/>
+              <a:t>            "</a:t>
+            </a:r>
+            <a:r>
+              <a:rPr lang="en-US" sz="1200" dirty="0">
+                <a:highlight>
+                  <a:srgbClr val="FFFF00"/>
+                </a:highlight>
+              </a:rPr>
+              <a:t>Type": "AWS::EC2::Instance</a:t>
+            </a:r>
+            <a:r>
+              <a:rPr lang="en-US" sz="1200" dirty="0"/>
+              <a:t>",</a:t>
+            </a:r>
+          </a:p>
+          <a:p>
+            <a:r>
+              <a:rPr lang="en-US" sz="1200" dirty="0"/>
+              <a:t>            "</a:t>
+            </a:r>
+            <a:r>
+              <a:rPr lang="en-US" sz="1200" dirty="0">
+                <a:highlight>
+                  <a:srgbClr val="FFFF00"/>
+                </a:highlight>
+              </a:rPr>
+              <a:t>Properties</a:t>
+            </a:r>
+            <a:r>
+              <a:rPr lang="en-US" sz="1200" dirty="0"/>
+              <a:t>": {</a:t>
+            </a:r>
+          </a:p>
+          <a:p>
+            <a:r>
+              <a:rPr lang="en-US" sz="1200" dirty="0"/>
+              <a:t>                "</a:t>
+            </a:r>
+            <a:r>
+              <a:rPr lang="en-US" sz="1200" dirty="0" err="1"/>
+              <a:t>SecurityGroups</a:t>
+            </a:r>
+            <a:r>
+              <a:rPr lang="en-US" sz="1200" dirty="0"/>
+              <a:t>": [</a:t>
+            </a:r>
+          </a:p>
+          <a:p>
+            <a:r>
+              <a:rPr lang="en-US" sz="1200" dirty="0"/>
+              <a:t>                    {</a:t>
+            </a:r>
+          </a:p>
+          <a:p>
+            <a:r>
+              <a:rPr lang="en-US" sz="1200" dirty="0"/>
+              <a:t>                        </a:t>
+            </a:r>
+            <a:r>
+              <a:rPr lang="en-US" sz="1200" dirty="0">
+                <a:highlight>
+                  <a:srgbClr val="FFFF00"/>
+                </a:highlight>
+              </a:rPr>
+              <a:t>"</a:t>
+            </a:r>
+            <a:r>
+              <a:rPr lang="en-US" sz="1200" dirty="0">
+                <a:solidFill>
+                  <a:srgbClr val="FF0000"/>
+                </a:solidFill>
+                <a:highlight>
+                  <a:srgbClr val="FFFF00"/>
+                </a:highlight>
+              </a:rPr>
+              <a:t>Ref</a:t>
+            </a:r>
+            <a:r>
+              <a:rPr lang="en-US" sz="1200" dirty="0">
+                <a:highlight>
+                  <a:srgbClr val="FFFF00"/>
+                </a:highlight>
+              </a:rPr>
+              <a:t>": </a:t>
+            </a:r>
+            <a:r>
+              <a:rPr lang="en-US" sz="1200" dirty="0"/>
+              <a:t>"</a:t>
+            </a:r>
+            <a:r>
+              <a:rPr lang="en-US" sz="1200" dirty="0" err="1">
+                <a:solidFill>
+                  <a:srgbClr val="FF0000"/>
+                </a:solidFill>
+              </a:rPr>
+              <a:t>InstanceSecurityGroup</a:t>
+            </a:r>
+            <a:r>
+              <a:rPr lang="en-US" sz="1200" dirty="0"/>
+              <a:t>"</a:t>
+            </a:r>
+          </a:p>
+          <a:p>
+            <a:r>
+              <a:rPr lang="en-US" sz="1200" dirty="0"/>
+              <a:t>                    }</a:t>
+            </a:r>
+          </a:p>
+          <a:p>
+            <a:r>
+              <a:rPr lang="en-US" sz="1200" dirty="0"/>
+              <a:t>                ],</a:t>
+            </a:r>
+          </a:p>
+          <a:p>
+            <a:r>
+              <a:rPr lang="en-US" sz="1200" dirty="0"/>
+              <a:t>                "</a:t>
+            </a:r>
+            <a:r>
+              <a:rPr lang="en-US" sz="1200" dirty="0" err="1"/>
+              <a:t>KeyName</a:t>
+            </a:r>
+            <a:r>
+              <a:rPr lang="en-US" sz="1200" dirty="0"/>
+              <a:t>": "</a:t>
+            </a:r>
+            <a:r>
+              <a:rPr lang="en-US" sz="1200" dirty="0" err="1"/>
+              <a:t>mykey</a:t>
+            </a:r>
+            <a:r>
+              <a:rPr lang="en-US" sz="1200" dirty="0"/>
+              <a:t>",</a:t>
+            </a:r>
+          </a:p>
+          <a:p>
+            <a:r>
+              <a:rPr lang="en-US" sz="1200" dirty="0"/>
+              <a:t>                "</a:t>
+            </a:r>
+            <a:r>
+              <a:rPr lang="en-US" sz="1200" dirty="0" err="1"/>
+              <a:t>ImageId</a:t>
+            </a:r>
+            <a:r>
+              <a:rPr lang="en-US" sz="1200" dirty="0"/>
+              <a:t>": ""</a:t>
+            </a:r>
+          </a:p>
+          <a:p>
+            <a:r>
+              <a:rPr lang="en-US" sz="1200" dirty="0"/>
+              <a:t>            }</a:t>
+            </a:r>
+          </a:p>
+          <a:p>
+            <a:r>
+              <a:rPr lang="en-US" sz="1200" dirty="0"/>
+              <a:t>        },</a:t>
+            </a:r>
+          </a:p>
+          <a:p>
+            <a:r>
+              <a:rPr lang="en-US" sz="1200" dirty="0"/>
+              <a:t>        "</a:t>
+            </a:r>
+            <a:r>
+              <a:rPr lang="en-US" sz="1200" dirty="0" err="1">
+                <a:solidFill>
+                  <a:srgbClr val="FF0000"/>
+                </a:solidFill>
+              </a:rPr>
+              <a:t>InstanceSecurityGroup</a:t>
+            </a:r>
+            <a:r>
+              <a:rPr lang="en-US" sz="1200" dirty="0"/>
+              <a:t>": {</a:t>
+            </a:r>
+          </a:p>
+          <a:p>
+            <a:r>
+              <a:rPr lang="en-US" sz="1200" dirty="0"/>
+              <a:t>            "Type": "AWS::EC2::</a:t>
+            </a:r>
+            <a:r>
+              <a:rPr lang="en-US" sz="1200" dirty="0" err="1"/>
+              <a:t>SecurityGroup</a:t>
+            </a:r>
+            <a:r>
+              <a:rPr lang="en-US" sz="1200" dirty="0"/>
+              <a:t>",</a:t>
+            </a:r>
+          </a:p>
+          <a:p>
+            <a:r>
+              <a:rPr lang="en-US" sz="1200" dirty="0"/>
+              <a:t>            "</a:t>
+            </a:r>
+            <a:r>
+              <a:rPr lang="en-US" sz="1200" b="1" dirty="0">
+                <a:highlight>
+                  <a:srgbClr val="FFFF00"/>
+                </a:highlight>
+              </a:rPr>
+              <a:t>Properties</a:t>
+            </a:r>
+            <a:r>
+              <a:rPr lang="en-US" sz="1200" dirty="0"/>
+              <a:t>": {</a:t>
+            </a:r>
+          </a:p>
+          <a:p>
+            <a:r>
+              <a:rPr lang="en-US" sz="1200" dirty="0"/>
+              <a:t>                "</a:t>
+            </a:r>
+            <a:r>
+              <a:rPr lang="en-US" sz="1200" dirty="0" err="1"/>
+              <a:t>GroupDescription</a:t>
+            </a:r>
+            <a:r>
+              <a:rPr lang="en-US" sz="1200" dirty="0"/>
+              <a:t>": "Enable SSH access via port 22",</a:t>
+            </a:r>
+          </a:p>
+          <a:p>
+            <a:r>
+              <a:rPr lang="en-US" sz="1200" dirty="0"/>
+              <a:t>                "</a:t>
+            </a:r>
+            <a:r>
+              <a:rPr lang="en-US" sz="1200" dirty="0" err="1"/>
+              <a:t>SecurityGroupIngress</a:t>
+            </a:r>
+            <a:r>
+              <a:rPr lang="en-US" sz="1200" dirty="0"/>
+              <a:t>": [</a:t>
+            </a:r>
+          </a:p>
+          <a:p>
+            <a:r>
+              <a:rPr lang="en-US" sz="1200" dirty="0"/>
+              <a:t>                    {</a:t>
+            </a:r>
+          </a:p>
+          <a:p>
+            <a:r>
+              <a:rPr lang="en-US" sz="1200" dirty="0"/>
+              <a:t>                        "</a:t>
+            </a:r>
+            <a:r>
+              <a:rPr lang="en-US" sz="1200" dirty="0" err="1"/>
+              <a:t>IpProtocol</a:t>
+            </a:r>
+            <a:r>
+              <a:rPr lang="en-US" sz="1200" dirty="0"/>
+              <a:t>": "</a:t>
+            </a:r>
+            <a:r>
+              <a:rPr lang="en-US" sz="1200" dirty="0" err="1"/>
+              <a:t>tcp</a:t>
+            </a:r>
+            <a:r>
+              <a:rPr lang="en-US" sz="1200" dirty="0"/>
+              <a:t>",</a:t>
+            </a:r>
+          </a:p>
+          <a:p>
+            <a:r>
+              <a:rPr lang="en-US" sz="1200" dirty="0"/>
+              <a:t>                        "</a:t>
+            </a:r>
+            <a:r>
+              <a:rPr lang="en-US" sz="1200" dirty="0" err="1"/>
+              <a:t>FromPort</a:t>
+            </a:r>
+            <a:r>
+              <a:rPr lang="en-US" sz="1200" dirty="0"/>
+              <a:t>": "22",</a:t>
+            </a:r>
+          </a:p>
+          <a:p>
+            <a:r>
+              <a:rPr lang="en-US" sz="1200" dirty="0"/>
+              <a:t>                        "</a:t>
+            </a:r>
+            <a:r>
+              <a:rPr lang="en-US" sz="1200" dirty="0" err="1"/>
+              <a:t>ToPort</a:t>
+            </a:r>
+            <a:r>
+              <a:rPr lang="en-US" sz="1200" dirty="0"/>
+              <a:t>": "22",</a:t>
+            </a:r>
+          </a:p>
+          <a:p>
+            <a:r>
+              <a:rPr lang="en-US" sz="1200" dirty="0"/>
+              <a:t>                        "</a:t>
+            </a:r>
+            <a:r>
+              <a:rPr lang="en-US" sz="1200" dirty="0" err="1"/>
+              <a:t>CidrIp</a:t>
+            </a:r>
+            <a:r>
+              <a:rPr lang="en-US" sz="1200" dirty="0"/>
+              <a:t>": "0.0.0.0/0"</a:t>
+            </a:r>
+          </a:p>
+          <a:p>
+            <a:r>
+              <a:rPr lang="en-US" sz="1200" dirty="0"/>
+              <a:t>                    }</a:t>
+            </a:r>
+          </a:p>
+          <a:p>
+            <a:r>
+              <a:rPr lang="en-US" sz="1200" dirty="0"/>
+              <a:t>                ]</a:t>
+            </a:r>
+          </a:p>
+          <a:p>
+            <a:r>
+              <a:rPr lang="en-US" sz="1200" dirty="0"/>
+              <a:t>            }</a:t>
+            </a:r>
+          </a:p>
+          <a:p>
+            <a:r>
+              <a:rPr lang="en-US" sz="1200" dirty="0"/>
+              <a:t>        }</a:t>
+            </a:r>
+          </a:p>
+          <a:p>
+            <a:r>
+              <a:rPr lang="en-US" sz="1200" dirty="0"/>
+              <a:t>    }</a:t>
+            </a:r>
+          </a:p>
+          <a:p>
+            <a:r>
+              <a:rPr lang="en-US" sz="1200" dirty="0"/>
+              <a:t>}</a:t>
+            </a:r>
+          </a:p>
+        </p:txBody>
+      </p:sp>
+      <p:sp>
+        <p:nvSpPr>
+          <p:cNvPr id="5" name="Rectangle 4">
+            <a:extLst>
+              <a:ext uri="{FF2B5EF4-FFF2-40B4-BE49-F238E27FC236}">
+                <a16:creationId xmlns:a16="http://schemas.microsoft.com/office/drawing/2014/main" id="{B8C1CE22-420F-4AE0-8371-5B7C1537A953}"/>
+              </a:ext>
+            </a:extLst>
+          </p:cNvPr>
+          <p:cNvSpPr/>
+          <p:nvPr/>
+        </p:nvSpPr>
+        <p:spPr>
+          <a:xfrm>
+            <a:off x="5908431" y="1294572"/>
+            <a:ext cx="6096000" cy="4939814"/>
+          </a:xfrm>
+          <a:prstGeom prst="rect">
+            <a:avLst/>
+          </a:prstGeom>
+        </p:spPr>
+        <p:txBody>
+          <a:bodyPr>
+            <a:spAutoFit/>
+          </a:bodyPr>
+          <a:lstStyle/>
+          <a:p>
+            <a:r>
+              <a:rPr lang="en-US" sz="1100" dirty="0"/>
+              <a:t>"Listeners": [</a:t>
+            </a:r>
+          </a:p>
+          <a:p>
+            <a:r>
+              <a:rPr lang="en-US" sz="1100" dirty="0"/>
+              <a:t>          {</a:t>
+            </a:r>
+          </a:p>
+          <a:p>
+            <a:r>
+              <a:rPr lang="en-US" sz="1100" dirty="0"/>
+              <a:t>            "</a:t>
+            </a:r>
+            <a:r>
+              <a:rPr lang="en-US" sz="1100" dirty="0" err="1"/>
+              <a:t>LoadBalancerPort</a:t>
+            </a:r>
+            <a:r>
+              <a:rPr lang="en-US" sz="1100" dirty="0"/>
+              <a:t>": "8888",</a:t>
+            </a:r>
+          </a:p>
+          <a:p>
+            <a:r>
+              <a:rPr lang="en-US" sz="1100" dirty="0"/>
+              <a:t>            "</a:t>
+            </a:r>
+            <a:r>
+              <a:rPr lang="en-US" sz="1100" dirty="0" err="1"/>
+              <a:t>InstancePort</a:t>
+            </a:r>
+            <a:r>
+              <a:rPr lang="en-US" sz="1100" dirty="0"/>
+              <a:t>": {</a:t>
+            </a:r>
+          </a:p>
+          <a:p>
+            <a:r>
+              <a:rPr lang="en-US" sz="1100" dirty="0"/>
+              <a:t>              "Ref": "</a:t>
+            </a:r>
+            <a:r>
+              <a:rPr lang="en-US" sz="1100" dirty="0" err="1">
+                <a:highlight>
+                  <a:srgbClr val="FFFF00"/>
+                </a:highlight>
+              </a:rPr>
+              <a:t>WebServerPort</a:t>
+            </a:r>
+            <a:r>
+              <a:rPr lang="en-US" sz="1100" dirty="0"/>
+              <a:t>"</a:t>
+            </a:r>
+          </a:p>
+          <a:p>
+            <a:r>
+              <a:rPr lang="en-US" sz="1100" dirty="0"/>
+              <a:t>            },</a:t>
+            </a:r>
+          </a:p>
+          <a:p>
+            <a:r>
+              <a:rPr lang="en-US" sz="1100" dirty="0"/>
+              <a:t>            "Protocol": "HTTP"</a:t>
+            </a:r>
+          </a:p>
+          <a:p>
+            <a:r>
+              <a:rPr lang="en-US" sz="1100" dirty="0"/>
+              <a:t>          }</a:t>
+            </a:r>
+          </a:p>
+          <a:p>
+            <a:r>
+              <a:rPr lang="en-US" sz="1100" dirty="0"/>
+              <a:t>        ],</a:t>
+            </a:r>
+          </a:p>
+          <a:p>
+            <a:r>
+              <a:rPr lang="en-US" sz="1100" dirty="0"/>
+              <a:t>        "</a:t>
+            </a:r>
+            <a:r>
+              <a:rPr lang="en-US" sz="1100" dirty="0" err="1"/>
+              <a:t>HealthCheck</a:t>
+            </a:r>
+            <a:r>
+              <a:rPr lang="en-US" sz="1100" dirty="0"/>
+              <a:t>": {</a:t>
+            </a:r>
+          </a:p>
+          <a:p>
+            <a:r>
+              <a:rPr lang="en-US" sz="1100" dirty="0"/>
+              <a:t>          "</a:t>
+            </a:r>
+            <a:r>
+              <a:rPr lang="en-US" sz="1100" dirty="0">
+                <a:highlight>
+                  <a:srgbClr val="FFFF00"/>
+                </a:highlight>
+              </a:rPr>
+              <a:t>Target</a:t>
+            </a:r>
+            <a:r>
+              <a:rPr lang="en-US" sz="1100" dirty="0"/>
+              <a:t>": { // </a:t>
+            </a:r>
+            <a:r>
+              <a:rPr lang="en-US" sz="1100" dirty="0">
+                <a:highlight>
+                  <a:srgbClr val="FFFF00"/>
+                </a:highlight>
+              </a:rPr>
+              <a:t>set to </a:t>
+            </a:r>
+            <a:r>
+              <a:rPr lang="en-US" sz="1050" dirty="0">
+                <a:highlight>
+                  <a:srgbClr val="FFFF00"/>
+                </a:highlight>
+              </a:rPr>
+              <a:t>HTTP:8888/</a:t>
+            </a:r>
+            <a:endParaRPr lang="en-US" sz="1100" dirty="0">
+              <a:highlight>
+                <a:srgbClr val="FFFF00"/>
+              </a:highlight>
+            </a:endParaRPr>
+          </a:p>
+          <a:p>
+            <a:r>
+              <a:rPr lang="en-US" sz="1100" dirty="0"/>
+              <a:t>            "</a:t>
+            </a:r>
+            <a:r>
+              <a:rPr lang="en-US" sz="1100" dirty="0" err="1"/>
+              <a:t>Fn</a:t>
+            </a:r>
+            <a:r>
+              <a:rPr lang="en-US" sz="1100" dirty="0"/>
+              <a:t>::Join": [</a:t>
+            </a:r>
+          </a:p>
+          <a:p>
+            <a:r>
+              <a:rPr lang="en-US" sz="1100" dirty="0"/>
+              <a:t>              "",</a:t>
+            </a:r>
+          </a:p>
+          <a:p>
+            <a:r>
+              <a:rPr lang="en-US" sz="1100" dirty="0"/>
+              <a:t>              [</a:t>
+            </a:r>
+          </a:p>
+          <a:p>
+            <a:r>
+              <a:rPr lang="en-US" sz="1100" dirty="0"/>
+              <a:t>                "HTTP:",</a:t>
+            </a:r>
+          </a:p>
+          <a:p>
+            <a:r>
+              <a:rPr lang="en-US" sz="1100" dirty="0"/>
+              <a:t>                {</a:t>
+            </a:r>
+          </a:p>
+          <a:p>
+            <a:r>
+              <a:rPr lang="en-US" sz="1100" dirty="0"/>
+              <a:t>                  "</a:t>
+            </a:r>
+            <a:r>
+              <a:rPr lang="en-US" sz="1100" dirty="0">
+                <a:solidFill>
+                  <a:srgbClr val="FF0000"/>
+                </a:solidFill>
+                <a:highlight>
+                  <a:srgbClr val="FFFF00"/>
+                </a:highlight>
+              </a:rPr>
+              <a:t>Ref</a:t>
+            </a:r>
+            <a:r>
+              <a:rPr lang="en-US" sz="1100" dirty="0"/>
+              <a:t>": "</a:t>
+            </a:r>
+            <a:r>
+              <a:rPr lang="en-US" sz="1100" dirty="0" err="1">
+                <a:highlight>
+                  <a:srgbClr val="FFFF00"/>
+                </a:highlight>
+              </a:rPr>
+              <a:t>WebServerPort</a:t>
+            </a:r>
+            <a:r>
+              <a:rPr lang="en-US" sz="1100" dirty="0"/>
+              <a:t>"</a:t>
+            </a:r>
+          </a:p>
+          <a:p>
+            <a:r>
+              <a:rPr lang="en-US" sz="1100" dirty="0"/>
+              <a:t>                },</a:t>
+            </a:r>
+          </a:p>
+          <a:p>
+            <a:r>
+              <a:rPr lang="en-US" sz="1100" dirty="0"/>
+              <a:t>                "/"</a:t>
+            </a:r>
+          </a:p>
+          <a:p>
+            <a:r>
+              <a:rPr lang="en-US" sz="1100" dirty="0"/>
+              <a:t>              ]</a:t>
+            </a:r>
+          </a:p>
+          <a:p>
+            <a:r>
+              <a:rPr lang="en-US" sz="1100" dirty="0"/>
+              <a:t>            ]</a:t>
+            </a:r>
+          </a:p>
+          <a:p>
+            <a:r>
+              <a:rPr lang="en-US" sz="1100" dirty="0"/>
+              <a:t>          },</a:t>
+            </a:r>
+          </a:p>
+          <a:p>
+            <a:r>
+              <a:rPr lang="en-US" sz="1100" dirty="0"/>
+              <a:t>          "</a:t>
+            </a:r>
+            <a:r>
+              <a:rPr lang="en-US" sz="1100" dirty="0" err="1"/>
+              <a:t>HealthyThreshold</a:t>
+            </a:r>
+            <a:r>
+              <a:rPr lang="en-US" sz="1100" dirty="0"/>
+              <a:t>": "3",</a:t>
+            </a:r>
+          </a:p>
+          <a:p>
+            <a:r>
+              <a:rPr lang="en-US" sz="1100" dirty="0"/>
+              <a:t>          "</a:t>
+            </a:r>
+            <a:r>
+              <a:rPr lang="en-US" sz="1100" dirty="0" err="1"/>
+              <a:t>UnhealthyThreshold</a:t>
+            </a:r>
+            <a:r>
+              <a:rPr lang="en-US" sz="1100" dirty="0"/>
+              <a:t>": "5",</a:t>
+            </a:r>
+          </a:p>
+          <a:p>
+            <a:r>
+              <a:rPr lang="en-US" sz="1100" dirty="0"/>
+              <a:t>          "Interval": "30",</a:t>
+            </a:r>
+          </a:p>
+          <a:p>
+            <a:r>
+              <a:rPr lang="en-US" sz="1100" dirty="0"/>
+              <a:t>          "Timeout": "5"</a:t>
+            </a:r>
+          </a:p>
+          <a:p>
+            <a:r>
+              <a:rPr lang="en-US" sz="1100" dirty="0"/>
+              <a:t>        }</a:t>
+            </a:r>
+          </a:p>
+          <a:p>
+            <a:r>
+              <a:rPr lang="en-US" sz="1100" dirty="0"/>
+              <a:t>      }</a:t>
+            </a:r>
+          </a:p>
+        </p:txBody>
+      </p:sp>
+    </p:spTree>
+    <p:extLst>
+      <p:ext uri="{BB962C8B-B14F-4D97-AF65-F5344CB8AC3E}">
+        <p14:creationId xmlns:p14="http://schemas.microsoft.com/office/powerpoint/2010/main" val="3848635475"/>
+      </p:ext>
+    </p:extLst>
+  </p:cSld>
+  <p:clrMapOvr>
+    <a:masterClrMapping/>
+  </p:clrMapOvr>
+</p:sld>
+</file>
+
+<file path=ppt/slides/slide8.xml><?xml version="1.0" encoding="utf-8"?>
+<p:sld xmlns:a="http://schemas.openxmlformats.org/drawingml/2006/main" xmlns:r="http://schemas.openxmlformats.org/officeDocument/2006/relationships" xmlns:p="http://schemas.openxmlformats.org/presentationml/2006/main">
+  <p:cSld>
+    <p:spTree>
+      <p:nvGrpSpPr>
+        <p:cNvPr id="1" name=""/>
+        <p:cNvGrpSpPr/>
+        <p:nvPr/>
+      </p:nvGrpSpPr>
+      <p:grpSpPr>
+        <a:xfrm>
+          <a:off x="0" y="0"/>
+          <a:ext cx="0" cy="0"/>
+          <a:chOff x="0" y="0"/>
+          <a:chExt cx="0" cy="0"/>
+        </a:xfrm>
+      </p:grpSpPr>
+      <p:sp>
+        <p:nvSpPr>
+          <p:cNvPr id="9" name="Rectangle 8">
+            <a:extLst>
+              <a:ext uri="{FF2B5EF4-FFF2-40B4-BE49-F238E27FC236}">
+                <a16:creationId xmlns:a16="http://schemas.microsoft.com/office/drawing/2014/main" id="{EBB687FE-98F5-4271-AB3D-4AC0FDCE3E3B}"/>
+              </a:ext>
+            </a:extLst>
+          </p:cNvPr>
+          <p:cNvSpPr/>
+          <p:nvPr/>
+        </p:nvSpPr>
+        <p:spPr>
+          <a:xfrm>
+            <a:off x="2915138" y="4955559"/>
+            <a:ext cx="7362093" cy="648072"/>
+          </a:xfrm>
+          <a:prstGeom prst="rect">
+            <a:avLst/>
+          </a:prstGeom>
+          <a:solidFill>
+            <a:schemeClr val="accent1">
+              <a:lumMod val="20000"/>
+              <a:lumOff val="80000"/>
+            </a:schemeClr>
+          </a:solidFill>
+        </p:spPr>
+        <p:style>
+          <a:lnRef idx="2">
+            <a:schemeClr val="accent1">
+              <a:shade val="50000"/>
+            </a:schemeClr>
+          </a:lnRef>
+          <a:fillRef idx="1">
+            <a:schemeClr val="accent1"/>
+          </a:fillRef>
+          <a:effectRef idx="0">
+            <a:schemeClr val="accent1"/>
+          </a:effectRef>
+          <a:fontRef idx="minor">
+            <a:schemeClr val="lt1"/>
+          </a:fontRef>
+        </p:style>
+        <p:txBody>
+          <a:bodyPr rtlCol="0" anchor="ctr"/>
+          <a:lstStyle/>
+          <a:p>
+            <a:pPr algn="ctr"/>
+            <a:endParaRPr lang="en-US"/>
+          </a:p>
+        </p:txBody>
+      </p:sp>
+      <p:sp>
+        <p:nvSpPr>
+          <p:cNvPr id="3" name="Text Placeholder 2">
+            <a:extLst>
+              <a:ext uri="{FF2B5EF4-FFF2-40B4-BE49-F238E27FC236}">
+                <a16:creationId xmlns:a16="http://schemas.microsoft.com/office/drawing/2014/main" id="{F8723D03-0721-4539-88DC-C9FAEB1E82F6}"/>
+              </a:ext>
+            </a:extLst>
+          </p:cNvPr>
+          <p:cNvSpPr>
+            <a:spLocks noGrp="1"/>
+          </p:cNvSpPr>
+          <p:nvPr>
+            <p:ph type="body" sz="quarter" idx="10"/>
+          </p:nvPr>
+        </p:nvSpPr>
+        <p:spPr>
+          <a:xfrm>
+            <a:off x="0" y="0"/>
+            <a:ext cx="12192000" cy="932688"/>
+          </a:xfrm>
+        </p:spPr>
+        <p:txBody>
+          <a:bodyPr/>
+          <a:lstStyle/>
+          <a:p>
+            <a:r>
+              <a:rPr lang="en-US" dirty="0"/>
+              <a:t>Cloud Formation Function: “</a:t>
+            </a:r>
+            <a:r>
+              <a:rPr lang="en-US" dirty="0" err="1"/>
+              <a:t>Fn</a:t>
+            </a:r>
+            <a:r>
+              <a:rPr lang="en-US" dirty="0"/>
+              <a:t>::</a:t>
+            </a:r>
+            <a:r>
+              <a:rPr lang="en-US" dirty="0" err="1"/>
+              <a:t>FindInMap</a:t>
+            </a:r>
+            <a:r>
+              <a:rPr lang="en-US" dirty="0"/>
+              <a:t>”, “</a:t>
+            </a:r>
+            <a:r>
+              <a:rPr lang="en-US" dirty="0" err="1"/>
+              <a:t>Fn</a:t>
+            </a:r>
+            <a:r>
+              <a:rPr lang="en-US" dirty="0"/>
+              <a:t>::</a:t>
+            </a:r>
+            <a:r>
+              <a:rPr lang="en-US" dirty="0" err="1"/>
+              <a:t>GetAtt</a:t>
+            </a:r>
+            <a:r>
+              <a:rPr lang="en-US" dirty="0"/>
+              <a:t>”</a:t>
+            </a:r>
+          </a:p>
+        </p:txBody>
+      </p:sp>
+      <p:sp>
+        <p:nvSpPr>
+          <p:cNvPr id="4" name="Rectangle 3">
+            <a:extLst>
+              <a:ext uri="{FF2B5EF4-FFF2-40B4-BE49-F238E27FC236}">
+                <a16:creationId xmlns:a16="http://schemas.microsoft.com/office/drawing/2014/main" id="{327309C4-644D-4F67-B18C-B98A5E413D80}"/>
+              </a:ext>
+            </a:extLst>
+          </p:cNvPr>
+          <p:cNvSpPr/>
+          <p:nvPr/>
+        </p:nvSpPr>
+        <p:spPr>
+          <a:xfrm>
+            <a:off x="5759938" y="1129166"/>
+            <a:ext cx="6096000" cy="276999"/>
+          </a:xfrm>
+          <a:prstGeom prst="rect">
+            <a:avLst/>
+          </a:prstGeom>
+        </p:spPr>
+        <p:txBody>
+          <a:bodyPr>
+            <a:spAutoFit/>
+          </a:bodyPr>
+          <a:lstStyle/>
+          <a:p>
+            <a:endParaRPr lang="en-US" sz="1200" dirty="0"/>
+          </a:p>
+        </p:txBody>
+      </p:sp>
+      <p:sp>
+        <p:nvSpPr>
+          <p:cNvPr id="2" name="Rectangle 1">
+            <a:extLst>
+              <a:ext uri="{FF2B5EF4-FFF2-40B4-BE49-F238E27FC236}">
+                <a16:creationId xmlns:a16="http://schemas.microsoft.com/office/drawing/2014/main" id="{7C67FB54-5D7C-469F-9E60-DBC8773BACDA}"/>
+              </a:ext>
+            </a:extLst>
+          </p:cNvPr>
+          <p:cNvSpPr/>
+          <p:nvPr/>
+        </p:nvSpPr>
+        <p:spPr>
+          <a:xfrm>
+            <a:off x="828430" y="1042103"/>
+            <a:ext cx="6096000" cy="5893921"/>
+          </a:xfrm>
+          <a:prstGeom prst="rect">
+            <a:avLst/>
+          </a:prstGeom>
+        </p:spPr>
+        <p:txBody>
+          <a:bodyPr>
+            <a:spAutoFit/>
+          </a:bodyPr>
+          <a:lstStyle/>
+          <a:p>
+            <a:r>
+              <a:rPr lang="en-US" sz="1100" dirty="0"/>
+              <a:t>{</a:t>
+            </a:r>
+          </a:p>
+          <a:p>
+            <a:r>
+              <a:rPr lang="en-US" sz="1100" dirty="0"/>
+              <a:t>  "Parameters": {</a:t>
+            </a:r>
+          </a:p>
+          <a:p>
+            <a:r>
+              <a:rPr lang="en-US" sz="700" dirty="0"/>
+              <a:t>    "</a:t>
+            </a:r>
+            <a:r>
+              <a:rPr lang="en-US" sz="700" dirty="0" err="1"/>
+              <a:t>KeyName</a:t>
+            </a:r>
+            <a:r>
+              <a:rPr lang="en-US" sz="700" dirty="0"/>
+              <a:t>": {</a:t>
+            </a:r>
+          </a:p>
+          <a:p>
+            <a:r>
+              <a:rPr lang="en-US" sz="700" dirty="0"/>
+              <a:t>      "Description": "Name of an existing EC2 </a:t>
+            </a:r>
+            <a:r>
+              <a:rPr lang="en-US" sz="700" dirty="0" err="1"/>
+              <a:t>KeyPair</a:t>
+            </a:r>
+            <a:r>
+              <a:rPr lang="en-US" sz="700" dirty="0"/>
+              <a:t> to enable SSH access to the instance",</a:t>
+            </a:r>
+          </a:p>
+          <a:p>
+            <a:r>
+              <a:rPr lang="en-US" sz="700" dirty="0"/>
+              <a:t>      "Type": "String"</a:t>
+            </a:r>
+          </a:p>
+          <a:p>
+            <a:r>
+              <a:rPr lang="en-US" sz="700" dirty="0"/>
+              <a:t>    }</a:t>
+            </a:r>
+          </a:p>
+          <a:p>
+            <a:r>
+              <a:rPr lang="en-US" sz="1100" dirty="0"/>
+              <a:t>  },</a:t>
+            </a:r>
+          </a:p>
+          <a:p>
+            <a:r>
+              <a:rPr lang="en-US" sz="1100" dirty="0"/>
+              <a:t>  "Mappings": {</a:t>
+            </a:r>
+          </a:p>
+          <a:p>
+            <a:r>
+              <a:rPr lang="en-US" sz="1100" dirty="0"/>
+              <a:t> </a:t>
+            </a:r>
+            <a:r>
+              <a:rPr lang="en-US" sz="900" dirty="0"/>
+              <a:t>   </a:t>
+            </a:r>
+            <a:r>
+              <a:rPr lang="en-US" sz="1000" dirty="0"/>
+              <a:t>"</a:t>
+            </a:r>
+            <a:r>
+              <a:rPr lang="en-US" sz="1000" dirty="0" err="1">
+                <a:highlight>
+                  <a:srgbClr val="FFFF00"/>
+                </a:highlight>
+              </a:rPr>
+              <a:t>RegionMap</a:t>
+            </a:r>
+            <a:r>
+              <a:rPr lang="en-US" sz="1000" dirty="0"/>
+              <a:t>": {</a:t>
+            </a:r>
+          </a:p>
+          <a:p>
+            <a:r>
+              <a:rPr lang="en-US" sz="1000" dirty="0"/>
+              <a:t>      "us-east-1": {</a:t>
+            </a:r>
+          </a:p>
+          <a:p>
+            <a:r>
+              <a:rPr lang="en-US" sz="1000" dirty="0"/>
+              <a:t>        "AMI": "ami-76f0061f"</a:t>
+            </a:r>
+          </a:p>
+          <a:p>
+            <a:r>
+              <a:rPr lang="en-US" sz="1000" dirty="0"/>
+              <a:t>      },</a:t>
+            </a:r>
+          </a:p>
+          <a:p>
+            <a:r>
+              <a:rPr lang="en-US" sz="1000" dirty="0"/>
+              <a:t>      "us-west-1": {</a:t>
+            </a:r>
+          </a:p>
+          <a:p>
+            <a:r>
+              <a:rPr lang="en-US" sz="1000" dirty="0"/>
+              <a:t>        "AMI": "ami-655a0a20"</a:t>
+            </a:r>
+          </a:p>
+          <a:p>
+            <a:r>
+              <a:rPr lang="en-US" sz="1000" dirty="0"/>
+              <a:t>      },</a:t>
+            </a:r>
+          </a:p>
+          <a:p>
+            <a:r>
+              <a:rPr lang="en-US" sz="1000" dirty="0"/>
+              <a:t>      "eu-west-1": {</a:t>
+            </a:r>
+          </a:p>
+          <a:p>
+            <a:r>
+              <a:rPr lang="en-US" sz="1000" dirty="0"/>
+              <a:t>        "AMI": "ami-7fd4e10b"</a:t>
+            </a:r>
+          </a:p>
+          <a:p>
+            <a:r>
+              <a:rPr lang="en-US" sz="1000" dirty="0"/>
+              <a:t>      }</a:t>
+            </a:r>
+          </a:p>
+          <a:p>
+            <a:r>
+              <a:rPr lang="en-US" sz="1100" dirty="0"/>
+              <a:t>  },</a:t>
+            </a:r>
+          </a:p>
+          <a:p>
+            <a:r>
+              <a:rPr lang="en-US" sz="800" dirty="0"/>
+              <a:t>  "Resources": {</a:t>
+            </a:r>
+          </a:p>
+          <a:p>
+            <a:r>
+              <a:rPr lang="en-US" sz="800" dirty="0"/>
+              <a:t>    "Ec2Instance": {</a:t>
+            </a:r>
+          </a:p>
+          <a:p>
+            <a:r>
+              <a:rPr lang="en-US" sz="800" dirty="0"/>
+              <a:t>      "Type": "AWS::EC2::Instance",</a:t>
+            </a:r>
+          </a:p>
+          <a:p>
+            <a:r>
+              <a:rPr lang="en-US" sz="800" dirty="0"/>
+              <a:t>      "Properties": {</a:t>
+            </a:r>
+          </a:p>
+          <a:p>
+            <a:r>
+              <a:rPr lang="en-US" sz="800" dirty="0"/>
+              <a:t>        "</a:t>
+            </a:r>
+            <a:r>
+              <a:rPr lang="en-US" sz="800" dirty="0" err="1"/>
+              <a:t>KeyName</a:t>
+            </a:r>
+            <a:r>
+              <a:rPr lang="en-US" sz="800" dirty="0"/>
+              <a:t>": {</a:t>
+            </a:r>
+          </a:p>
+          <a:p>
+            <a:r>
+              <a:rPr lang="en-US" sz="800" dirty="0"/>
+              <a:t>          "Ref": "</a:t>
+            </a:r>
+            <a:r>
+              <a:rPr lang="en-US" sz="800" dirty="0" err="1"/>
+              <a:t>KeyName</a:t>
+            </a:r>
+            <a:r>
+              <a:rPr lang="en-US" sz="800" dirty="0"/>
+              <a:t>"</a:t>
+            </a:r>
+          </a:p>
+          <a:p>
+            <a:r>
+              <a:rPr lang="en-US" sz="800" dirty="0"/>
+              <a:t>        },</a:t>
+            </a:r>
+          </a:p>
+          <a:p>
+            <a:r>
+              <a:rPr lang="en-US" sz="800" dirty="0"/>
+              <a:t>        "</a:t>
+            </a:r>
+            <a:r>
+              <a:rPr lang="en-US" sz="800" dirty="0" err="1"/>
+              <a:t>ImageId</a:t>
+            </a:r>
+            <a:r>
+              <a:rPr lang="en-US" sz="800" dirty="0"/>
+              <a:t>": {</a:t>
+            </a:r>
+          </a:p>
+          <a:p>
+            <a:r>
+              <a:rPr lang="en-US" sz="1000" dirty="0"/>
+              <a:t>          "</a:t>
+            </a:r>
+            <a:r>
+              <a:rPr lang="en-US" sz="1000" dirty="0" err="1">
+                <a:highlight>
+                  <a:srgbClr val="FFFF00"/>
+                </a:highlight>
+              </a:rPr>
+              <a:t>Fn</a:t>
+            </a:r>
+            <a:r>
+              <a:rPr lang="en-US" sz="1000" dirty="0">
+                <a:highlight>
+                  <a:srgbClr val="FFFF00"/>
+                </a:highlight>
+              </a:rPr>
+              <a:t>::</a:t>
+            </a:r>
+            <a:r>
+              <a:rPr lang="en-US" sz="1000" dirty="0" err="1">
+                <a:highlight>
+                  <a:srgbClr val="FFFF00"/>
+                </a:highlight>
+              </a:rPr>
+              <a:t>FindInMap</a:t>
+            </a:r>
+            <a:r>
+              <a:rPr lang="en-US" sz="1000" dirty="0"/>
+              <a:t>": [</a:t>
+            </a:r>
+          </a:p>
+          <a:p>
+            <a:r>
+              <a:rPr lang="en-US" sz="800" dirty="0"/>
+              <a:t>            "</a:t>
+            </a:r>
+            <a:r>
+              <a:rPr lang="en-US" sz="800" dirty="0" err="1">
+                <a:solidFill>
+                  <a:srgbClr val="FF0000"/>
+                </a:solidFill>
+                <a:highlight>
+                  <a:srgbClr val="FFFF00"/>
+                </a:highlight>
+              </a:rPr>
+              <a:t>RegionMap</a:t>
+            </a:r>
+            <a:r>
+              <a:rPr lang="en-US" sz="800" dirty="0">
+                <a:solidFill>
+                  <a:srgbClr val="FF0000"/>
+                </a:solidFill>
+              </a:rPr>
+              <a:t>",</a:t>
+            </a:r>
+          </a:p>
+          <a:p>
+            <a:r>
+              <a:rPr lang="en-US" sz="800" dirty="0"/>
+              <a:t>            {</a:t>
+            </a:r>
+          </a:p>
+          <a:p>
+            <a:r>
+              <a:rPr lang="en-US" sz="800" dirty="0"/>
+              <a:t>              "Ref": "AWS::Region"</a:t>
+            </a:r>
+          </a:p>
+          <a:p>
+            <a:r>
+              <a:rPr lang="en-US" sz="800" dirty="0"/>
+              <a:t>            },</a:t>
+            </a:r>
+          </a:p>
+          <a:p>
+            <a:r>
+              <a:rPr lang="en-US" sz="800" dirty="0"/>
+              <a:t>            "AMI"</a:t>
+            </a:r>
+          </a:p>
+          <a:p>
+            <a:r>
+              <a:rPr lang="en-US" sz="800" dirty="0"/>
+              <a:t>          ]</a:t>
+            </a:r>
+          </a:p>
+          <a:p>
+            <a:r>
+              <a:rPr lang="en-US" sz="800" dirty="0"/>
+              <a:t>        },</a:t>
+            </a:r>
+          </a:p>
+          <a:p>
+            <a:r>
+              <a:rPr lang="en-US" sz="800" dirty="0"/>
+              <a:t>        "</a:t>
+            </a:r>
+            <a:r>
+              <a:rPr lang="en-US" sz="800" dirty="0" err="1"/>
+              <a:t>UserData</a:t>
+            </a:r>
+            <a:r>
+              <a:rPr lang="en-US" sz="800" dirty="0"/>
+              <a:t>": {</a:t>
+            </a:r>
+          </a:p>
+          <a:p>
+            <a:r>
+              <a:rPr lang="en-US" sz="800" dirty="0"/>
+              <a:t>          "</a:t>
+            </a:r>
+            <a:r>
+              <a:rPr lang="en-US" sz="800" dirty="0" err="1"/>
+              <a:t>Fn</a:t>
+            </a:r>
+            <a:r>
+              <a:rPr lang="en-US" sz="800" dirty="0"/>
+              <a:t>::Base64": "80"</a:t>
+            </a:r>
+          </a:p>
+          <a:p>
+            <a:r>
+              <a:rPr lang="en-US" sz="800" dirty="0"/>
+              <a:t>        }</a:t>
+            </a:r>
+          </a:p>
+          <a:p>
+            <a:r>
+              <a:rPr lang="en-US" sz="800" dirty="0"/>
+              <a:t>      }</a:t>
+            </a:r>
+          </a:p>
+          <a:p>
+            <a:r>
+              <a:rPr lang="en-US" sz="1100" dirty="0"/>
+              <a:t>    }</a:t>
+            </a:r>
+          </a:p>
+          <a:p>
+            <a:r>
+              <a:rPr lang="en-US" sz="1100" dirty="0"/>
+              <a:t>  }</a:t>
+            </a:r>
+          </a:p>
+          <a:p>
+            <a:r>
+              <a:rPr lang="en-US" sz="1100" dirty="0"/>
+              <a:t>}</a:t>
+            </a:r>
+          </a:p>
+        </p:txBody>
+      </p:sp>
+      <p:sp>
+        <p:nvSpPr>
+          <p:cNvPr id="6" name="Rectangle 5">
+            <a:extLst>
+              <a:ext uri="{FF2B5EF4-FFF2-40B4-BE49-F238E27FC236}">
+                <a16:creationId xmlns:a16="http://schemas.microsoft.com/office/drawing/2014/main" id="{A44B8168-AFB2-4461-B7A5-CD9D9D2159AD}"/>
+              </a:ext>
+            </a:extLst>
+          </p:cNvPr>
+          <p:cNvSpPr/>
+          <p:nvPr/>
+        </p:nvSpPr>
+        <p:spPr>
+          <a:xfrm>
+            <a:off x="5814646" y="1129166"/>
+            <a:ext cx="6096000" cy="3162404"/>
+          </a:xfrm>
+          <a:prstGeom prst="rect">
+            <a:avLst/>
+          </a:prstGeom>
+        </p:spPr>
+        <p:txBody>
+          <a:bodyPr>
+            <a:spAutoFit/>
+          </a:bodyPr>
+          <a:lstStyle/>
+          <a:p>
+            <a:r>
+              <a:rPr lang="en-US" sz="1050" dirty="0"/>
+              <a:t>"Outputs": {</a:t>
+            </a:r>
+          </a:p>
+          <a:p>
+            <a:r>
+              <a:rPr lang="en-US" sz="1050" dirty="0"/>
+              <a:t>  "</a:t>
+            </a:r>
+            <a:r>
+              <a:rPr lang="en-US" sz="1050" b="1" dirty="0" err="1">
+                <a:solidFill>
+                  <a:srgbClr val="FF0000"/>
+                </a:solidFill>
+                <a:highlight>
+                  <a:srgbClr val="FFFF00"/>
+                </a:highlight>
+              </a:rPr>
+              <a:t>InstallURL</a:t>
+            </a:r>
+            <a:r>
+              <a:rPr lang="en-US" sz="1050" dirty="0"/>
+              <a:t>": {</a:t>
+            </a:r>
+          </a:p>
+          <a:p>
+            <a:r>
+              <a:rPr lang="en-US" sz="1050" dirty="0"/>
+              <a:t>    "Value": {</a:t>
+            </a:r>
+          </a:p>
+          <a:p>
+            <a:r>
+              <a:rPr lang="en-US" sz="1050" dirty="0"/>
+              <a:t>      "</a:t>
+            </a:r>
+            <a:r>
+              <a:rPr lang="en-US" sz="1050" dirty="0" err="1"/>
+              <a:t>Fn</a:t>
+            </a:r>
+            <a:r>
+              <a:rPr lang="en-US" sz="1050" dirty="0"/>
+              <a:t>::Join": [</a:t>
+            </a:r>
+          </a:p>
+          <a:p>
+            <a:r>
+              <a:rPr lang="en-US" sz="1050" dirty="0"/>
+              <a:t>        "",</a:t>
+            </a:r>
+          </a:p>
+          <a:p>
+            <a:r>
+              <a:rPr lang="en-US" sz="1050" dirty="0"/>
+              <a:t>        [</a:t>
+            </a:r>
+          </a:p>
+          <a:p>
+            <a:r>
+              <a:rPr lang="en-US" sz="1050" dirty="0"/>
+              <a:t>          "</a:t>
+            </a:r>
+            <a:r>
+              <a:rPr lang="en-US" sz="1050" dirty="0">
+                <a:solidFill>
+                  <a:srgbClr val="FF0000"/>
+                </a:solidFill>
+              </a:rPr>
+              <a:t>http://</a:t>
+            </a:r>
+            <a:r>
+              <a:rPr lang="en-US" sz="1050" dirty="0"/>
+              <a:t>",</a:t>
+            </a:r>
+          </a:p>
+          <a:p>
+            <a:r>
+              <a:rPr lang="en-US" sz="1050" dirty="0"/>
+              <a:t>          {</a:t>
+            </a:r>
+          </a:p>
+          <a:p>
+            <a:r>
+              <a:rPr lang="en-US" sz="1050" dirty="0"/>
+              <a:t>            "</a:t>
+            </a:r>
+            <a:r>
+              <a:rPr lang="en-US" sz="1050" dirty="0" err="1"/>
+              <a:t>Fn</a:t>
+            </a:r>
+            <a:r>
+              <a:rPr lang="en-US" sz="1050" dirty="0"/>
+              <a:t>::</a:t>
+            </a:r>
+            <a:r>
+              <a:rPr lang="en-US" sz="1050" dirty="0" err="1"/>
+              <a:t>GetAtt</a:t>
+            </a:r>
+            <a:r>
+              <a:rPr lang="en-US" sz="1050" dirty="0"/>
+              <a:t>": [</a:t>
+            </a:r>
+          </a:p>
+          <a:p>
+            <a:r>
+              <a:rPr lang="en-US" sz="1050" dirty="0"/>
+              <a:t>              "</a:t>
+            </a:r>
+            <a:r>
+              <a:rPr lang="en-US" sz="1050" dirty="0" err="1">
+                <a:highlight>
+                  <a:srgbClr val="FFFF00"/>
+                </a:highlight>
+              </a:rPr>
+              <a:t>ElasticLoadBalancer</a:t>
+            </a:r>
+            <a:r>
+              <a:rPr lang="en-US" sz="1050" dirty="0"/>
+              <a:t>",</a:t>
+            </a:r>
+          </a:p>
+          <a:p>
+            <a:r>
+              <a:rPr lang="en-US" sz="1050" dirty="0"/>
+              <a:t>              "</a:t>
+            </a:r>
+            <a:r>
+              <a:rPr lang="en-US" sz="1050" dirty="0" err="1">
+                <a:solidFill>
+                  <a:srgbClr val="FF0000"/>
+                </a:solidFill>
+              </a:rPr>
+              <a:t>DNSName</a:t>
+            </a:r>
+            <a:r>
+              <a:rPr lang="en-US" sz="1050" dirty="0"/>
+              <a:t>"</a:t>
+            </a:r>
+          </a:p>
+          <a:p>
+            <a:r>
+              <a:rPr lang="en-US" sz="1050" dirty="0"/>
+              <a:t>            ]</a:t>
+            </a:r>
+          </a:p>
+          <a:p>
+            <a:r>
+              <a:rPr lang="en-US" sz="1050" dirty="0"/>
+              <a:t>          },</a:t>
+            </a:r>
+          </a:p>
+          <a:p>
+            <a:r>
+              <a:rPr lang="en-US" sz="1050" dirty="0"/>
+              <a:t>          </a:t>
+            </a:r>
+            <a:r>
+              <a:rPr lang="en-US" sz="1050" dirty="0">
+                <a:solidFill>
+                  <a:srgbClr val="FF0000"/>
+                </a:solidFill>
+              </a:rPr>
+              <a:t>"/wp-admin/</a:t>
+            </a:r>
+            <a:r>
+              <a:rPr lang="en-US" sz="1050" dirty="0" err="1">
+                <a:solidFill>
+                  <a:srgbClr val="FF0000"/>
+                </a:solidFill>
+              </a:rPr>
+              <a:t>install.php</a:t>
+            </a:r>
+            <a:r>
+              <a:rPr lang="en-US" sz="1050" dirty="0"/>
+              <a:t>"</a:t>
+            </a:r>
+          </a:p>
+          <a:p>
+            <a:r>
+              <a:rPr lang="en-US" sz="1050" dirty="0"/>
+              <a:t>        ]</a:t>
+            </a:r>
+          </a:p>
+          <a:p>
+            <a:r>
+              <a:rPr lang="en-US" sz="1050" dirty="0"/>
+              <a:t>      ]</a:t>
+            </a:r>
+          </a:p>
+          <a:p>
+            <a:r>
+              <a:rPr lang="en-US" sz="1050" dirty="0"/>
+              <a:t>    },</a:t>
+            </a:r>
+          </a:p>
+          <a:p>
+            <a:r>
+              <a:rPr lang="en-US" sz="1050" dirty="0"/>
+              <a:t>    "Description": "Installation URL of the WordPress website"</a:t>
+            </a:r>
+          </a:p>
+          <a:p>
+            <a:r>
+              <a:rPr lang="en-US" sz="1050" dirty="0"/>
+              <a:t>  },</a:t>
+            </a:r>
+          </a:p>
+        </p:txBody>
+      </p:sp>
+      <p:sp>
+        <p:nvSpPr>
+          <p:cNvPr id="7" name="Rectangle 1">
+            <a:extLst>
+              <a:ext uri="{FF2B5EF4-FFF2-40B4-BE49-F238E27FC236}">
+                <a16:creationId xmlns:a16="http://schemas.microsoft.com/office/drawing/2014/main" id="{A5F54E0F-4A5E-4B0A-9AB4-F455AE06A7E5}"/>
+              </a:ext>
+            </a:extLst>
+          </p:cNvPr>
+          <p:cNvSpPr>
+            <a:spLocks noChangeArrowheads="1"/>
+          </p:cNvSpPr>
+          <p:nvPr/>
+        </p:nvSpPr>
+        <p:spPr bwMode="auto">
+          <a:xfrm>
+            <a:off x="2915138" y="5232923"/>
+            <a:ext cx="7439857" cy="253916"/>
+          </a:xfrm>
+          <a:prstGeom prst="rect">
+            <a:avLst/>
+          </a:prstGeom>
+          <a:noFill/>
+          <a:ln>
+            <a:noFill/>
+          </a:ln>
+          <a:effectLst/>
+          <a:extLst>
+            <a:ext uri="{909E8E84-426E-40DD-AFC4-6F175D3DCCD1}">
+              <a14:hiddenFill xmlns:a14="http://schemas.microsoft.com/office/drawing/2010/main">
+                <a:solidFill>
+                  <a:schemeClr val="accent1"/>
+                </a:solidFill>
+              </a14:hiddenFill>
+            </a:ext>
+            <a:ext uri="{91240B29-F687-4F45-9708-019B960494DF}">
+              <a14:hiddenLine xmlns:a14="http://schemas.microsoft.com/office/drawing/2010/main" w="9525">
+                <a:solidFill>
+                  <a:schemeClr val="tx1"/>
+                </a:solidFill>
+                <a:miter lim="800000"/>
+                <a:headEnd/>
+                <a:tailEnd/>
+              </a14:hiddenLine>
+            </a:ext>
+            <a:ext uri="{AF507438-7753-43E0-B8FC-AC1667EBCBE1}">
+              <a14:hiddenEffects xmlns:a14="http://schemas.microsoft.com/office/drawing/2010/main">
+                <a:effectLst>
+                  <a:outerShdw dist="35921" dir="2700000" algn="ctr" rotWithShape="0">
+                    <a:schemeClr val="bg2"/>
+                  </a:outerShdw>
+                </a:effectLst>
+              </a14:hiddenEffects>
+            </a:ext>
+          </a:extLst>
+        </p:spPr>
+        <p:txBody>
+          <a:bodyPr vert="horz" wrap="none" lIns="91440" tIns="45720" rIns="91440" bIns="45720" numCol="1" anchor="ctr" anchorCtr="0" compatLnSpc="1">
+            <a:prstTxWarp prst="textNoShape">
+              <a:avLst/>
+            </a:prstTxWarp>
+            <a:spAutoFit/>
+          </a:bodyPr>
+          <a:lstStyle>
+            <a:lvl1pPr eaLnBrk="0" fontAlgn="base" hangingPunct="0">
+              <a:spcBef>
+                <a:spcPct val="0"/>
+              </a:spcBef>
+              <a:spcAft>
+                <a:spcPct val="0"/>
+              </a:spcAft>
+              <a:defRPr>
+                <a:solidFill>
+                  <a:schemeClr val="tx1"/>
+                </a:solidFill>
+                <a:latin typeface="Arial" panose="020B0604020202020204" pitchFamily="34" charset="0"/>
+              </a:defRPr>
+            </a:lvl1pPr>
+            <a:lvl2pPr eaLnBrk="0" fontAlgn="base" hangingPunct="0">
+              <a:spcBef>
+                <a:spcPct val="0"/>
+              </a:spcBef>
+              <a:spcAft>
+                <a:spcPct val="0"/>
+              </a:spcAft>
+              <a:defRPr>
+                <a:solidFill>
+                  <a:schemeClr val="tx1"/>
+                </a:solidFill>
+                <a:latin typeface="Arial" panose="020B0604020202020204" pitchFamily="34" charset="0"/>
+              </a:defRPr>
+            </a:lvl2pPr>
+            <a:lvl3pPr eaLnBrk="0" fontAlgn="base" hangingPunct="0">
+              <a:spcBef>
+                <a:spcPct val="0"/>
+              </a:spcBef>
+              <a:spcAft>
+                <a:spcPct val="0"/>
+              </a:spcAft>
+              <a:defRPr>
+                <a:solidFill>
+                  <a:schemeClr val="tx1"/>
+                </a:solidFill>
+                <a:latin typeface="Arial" panose="020B0604020202020204" pitchFamily="34" charset="0"/>
+              </a:defRPr>
+            </a:lvl3pPr>
+            <a:lvl4pPr eaLnBrk="0" fontAlgn="base" hangingPunct="0">
+              <a:spcBef>
+                <a:spcPct val="0"/>
+              </a:spcBef>
+              <a:spcAft>
+                <a:spcPct val="0"/>
+              </a:spcAft>
+              <a:defRPr>
+                <a:solidFill>
+                  <a:schemeClr val="tx1"/>
+                </a:solidFill>
+                <a:latin typeface="Arial" panose="020B0604020202020204" pitchFamily="34" charset="0"/>
+              </a:defRPr>
+            </a:lvl4pPr>
+            <a:lvl5pPr eaLnBrk="0" fontAlgn="base" hangingPunct="0">
+              <a:spcBef>
+                <a:spcPct val="0"/>
+              </a:spcBef>
+              <a:spcAft>
+                <a:spcPct val="0"/>
+              </a:spcAft>
+              <a:defRPr>
+                <a:solidFill>
+                  <a:schemeClr val="tx1"/>
+                </a:solidFill>
+                <a:latin typeface="Arial" panose="020B0604020202020204" pitchFamily="34" charset="0"/>
+              </a:defRPr>
+            </a:lvl5pPr>
+            <a:lvl6pPr eaLnBrk="0" fontAlgn="base" hangingPunct="0">
+              <a:spcBef>
+                <a:spcPct val="0"/>
+              </a:spcBef>
+              <a:spcAft>
+                <a:spcPct val="0"/>
+              </a:spcAft>
+              <a:defRPr>
+                <a:solidFill>
+                  <a:schemeClr val="tx1"/>
+                </a:solidFill>
+                <a:latin typeface="Arial" panose="020B0604020202020204" pitchFamily="34" charset="0"/>
+              </a:defRPr>
+            </a:lvl6pPr>
+            <a:lvl7pPr eaLnBrk="0" fontAlgn="base" hangingPunct="0">
+              <a:spcBef>
+                <a:spcPct val="0"/>
+              </a:spcBef>
+              <a:spcAft>
+                <a:spcPct val="0"/>
+              </a:spcAft>
+              <a:defRPr>
+                <a:solidFill>
+                  <a:schemeClr val="tx1"/>
+                </a:solidFill>
+                <a:latin typeface="Arial" panose="020B0604020202020204" pitchFamily="34" charset="0"/>
+              </a:defRPr>
+            </a:lvl7pPr>
+            <a:lvl8pPr eaLnBrk="0" fontAlgn="base" hangingPunct="0">
+              <a:spcBef>
+                <a:spcPct val="0"/>
+              </a:spcBef>
+              <a:spcAft>
+                <a:spcPct val="0"/>
+              </a:spcAft>
+              <a:defRPr>
+                <a:solidFill>
+                  <a:schemeClr val="tx1"/>
+                </a:solidFill>
+                <a:latin typeface="Arial" panose="020B0604020202020204" pitchFamily="34" charset="0"/>
+              </a:defRPr>
+            </a:lvl8pPr>
+            <a:lvl9pPr eaLnBrk="0" fontAlgn="base" hangingPunct="0">
+              <a:spcBef>
+                <a:spcPct val="0"/>
+              </a:spcBef>
+              <a:spcAft>
+                <a:spcPct val="0"/>
+              </a:spcAft>
+              <a:defRPr>
+                <a:solidFill>
+                  <a:schemeClr val="tx1"/>
+                </a:solidFill>
+                <a:latin typeface="Arial" panose="020B0604020202020204" pitchFamily="34" charset="0"/>
+              </a:defRPr>
+            </a:lvl9pPr>
+          </a:lstStyle>
+          <a:p>
+            <a:pPr marL="0" marR="0" lvl="0" indent="0" algn="l" defTabSz="914400" rtl="0" eaLnBrk="0" fontAlgn="base" latinLnBrk="0" hangingPunct="0">
+              <a:lnSpc>
+                <a:spcPct val="100000"/>
+              </a:lnSpc>
+              <a:spcBef>
+                <a:spcPct val="0"/>
+              </a:spcBef>
+              <a:spcAft>
+                <a:spcPct val="0"/>
+              </a:spcAft>
+              <a:buClrTx/>
+              <a:buSzTx/>
+              <a:buFontTx/>
+              <a:buNone/>
+              <a:tabLst/>
+            </a:pPr>
+            <a:r>
+              <a:rPr kumimoji="0" lang="en-US" altLang="en-US" sz="1050" b="0" i="0" u="none" strike="noStrike" cap="none" normalizeH="0" baseline="0" dirty="0">
+                <a:ln>
+                  <a:noFill/>
+                </a:ln>
+                <a:solidFill>
+                  <a:srgbClr val="383A42"/>
+                </a:solidFill>
+                <a:effectLst/>
+                <a:latin typeface="Consolas" panose="020B0609020204030204" pitchFamily="49" charset="0"/>
+              </a:rPr>
+              <a:t>http://mywptests-elasticl-1gb51l6sl8y5v-206169572.us-east-2.elb.amazonaws.com/wp-admin/install.php</a:t>
+            </a:r>
+            <a:r>
+              <a:rPr kumimoji="0" lang="en-US" altLang="en-US" sz="900" b="0" i="0" u="none" strike="noStrike" cap="none" normalizeH="0" baseline="0" dirty="0">
+                <a:ln>
+                  <a:noFill/>
+                </a:ln>
+                <a:solidFill>
+                  <a:schemeClr val="tx1"/>
+                </a:solidFill>
+                <a:effectLst/>
+              </a:rPr>
+              <a:t> </a:t>
+            </a:r>
+            <a:endParaRPr kumimoji="0" lang="en-US" altLang="en-US" sz="2000" b="0" i="0" u="none" strike="noStrike" cap="none" normalizeH="0" baseline="0" dirty="0">
+              <a:ln>
+                <a:noFill/>
+              </a:ln>
+              <a:solidFill>
+                <a:schemeClr val="tx1"/>
+              </a:solidFill>
+              <a:effectLst/>
+              <a:latin typeface="Arial" panose="020B0604020202020204" pitchFamily="34" charset="0"/>
+            </a:endParaRPr>
+          </a:p>
+        </p:txBody>
+      </p:sp>
+      <p:sp>
+        <p:nvSpPr>
+          <p:cNvPr id="8" name="TextBox 7">
+            <a:extLst>
+              <a:ext uri="{FF2B5EF4-FFF2-40B4-BE49-F238E27FC236}">
+                <a16:creationId xmlns:a16="http://schemas.microsoft.com/office/drawing/2014/main" id="{A046F456-0585-44FF-B8A5-F54204C94233}"/>
+              </a:ext>
+            </a:extLst>
+          </p:cNvPr>
+          <p:cNvSpPr txBox="1"/>
+          <p:nvPr/>
+        </p:nvSpPr>
+        <p:spPr>
+          <a:xfrm>
+            <a:off x="2915138" y="4955559"/>
+            <a:ext cx="867545" cy="261610"/>
+          </a:xfrm>
+          <a:prstGeom prst="rect">
+            <a:avLst/>
+          </a:prstGeom>
+          <a:noFill/>
+        </p:spPr>
+        <p:txBody>
+          <a:bodyPr wrap="none" rtlCol="0">
+            <a:spAutoFit/>
+          </a:bodyPr>
+          <a:lstStyle/>
+          <a:p>
+            <a:r>
+              <a:rPr lang="en-US" sz="1100" dirty="0" err="1">
+                <a:solidFill>
+                  <a:srgbClr val="FF0000"/>
+                </a:solidFill>
+                <a:highlight>
+                  <a:srgbClr val="FFFF00"/>
+                </a:highlight>
+              </a:rPr>
+              <a:t>InstallURL</a:t>
+            </a:r>
+            <a:r>
+              <a:rPr lang="en-US" sz="1100" dirty="0"/>
+              <a:t>:</a:t>
+            </a:r>
+          </a:p>
+        </p:txBody>
+      </p:sp>
+    </p:spTree>
+    <p:extLst>
+      <p:ext uri="{BB962C8B-B14F-4D97-AF65-F5344CB8AC3E}">
+        <p14:creationId xmlns:p14="http://schemas.microsoft.com/office/powerpoint/2010/main" val="706986752"/>
+      </p:ext>
+    </p:extLst>
+  </p:cSld>
+  <p:clrMapOvr>
+    <a:masterClrMapping/>
+  </p:clrMapOvr>
+</p:sld>
+</file>
+
+<file path=ppt/slides/slide9.xml><?xml version="1.0" encoding="utf-8"?>
+<p:sld xmlns:a="http://schemas.openxmlformats.org/drawingml/2006/main" xmlns:r="http://schemas.openxmlformats.org/officeDocument/2006/relationships" xmlns:p="http://schemas.openxmlformats.org/presentationml/2006/main">
+  <p:cSld>
+    <p:spTree>
+      <p:nvGrpSpPr>
+        <p:cNvPr id="1" name=""/>
+        <p:cNvGrpSpPr/>
+        <p:nvPr/>
+      </p:nvGrpSpPr>
+      <p:grpSpPr>
+        <a:xfrm>
+          <a:off x="0" y="0"/>
+          <a:ext cx="0" cy="0"/>
+          <a:chOff x="0" y="0"/>
+          <a:chExt cx="0" cy="0"/>
+        </a:xfrm>
+      </p:grpSpPr>
+      <p:sp>
+        <p:nvSpPr>
+          <p:cNvPr id="3" name="Text Placeholder 2">
+            <a:extLst>
+              <a:ext uri="{FF2B5EF4-FFF2-40B4-BE49-F238E27FC236}">
                 <a16:creationId xmlns:a16="http://schemas.microsoft.com/office/drawing/2014/main" id="{0A37B082-A20B-4314-A8B8-D8517FBA995F}"/>
               </a:ext>
             </a:extLst>
@@ -14546,337 +16850,6 @@
     <p:extLst>
       <p:ext uri="{BB962C8B-B14F-4D97-AF65-F5344CB8AC3E}">
         <p14:creationId xmlns:p14="http://schemas.microsoft.com/office/powerpoint/2010/main" val="4139540359"/>
-      </p:ext>
-    </p:extLst>
-  </p:cSld>
-  <p:clrMapOvr>
-    <a:masterClrMapping/>
-  </p:clrMapOvr>
-</p:sld>
-</file>
-
-<file path=ppt/slides/slide8.xml><?xml version="1.0" encoding="utf-8"?>
-<p:sld xmlns:a="http://schemas.openxmlformats.org/drawingml/2006/main" xmlns:r="http://schemas.openxmlformats.org/officeDocument/2006/relationships" xmlns:p="http://schemas.openxmlformats.org/presentationml/2006/main">
-  <p:cSld>
-    <p:spTree>
-      <p:nvGrpSpPr>
-        <p:cNvPr id="1" name=""/>
-        <p:cNvGrpSpPr/>
-        <p:nvPr/>
-      </p:nvGrpSpPr>
-      <p:grpSpPr>
-        <a:xfrm>
-          <a:off x="0" y="0"/>
-          <a:ext cx="0" cy="0"/>
-          <a:chOff x="0" y="0"/>
-          <a:chExt cx="0" cy="0"/>
-        </a:xfrm>
-      </p:grpSpPr>
-      <p:sp>
-        <p:nvSpPr>
-          <p:cNvPr id="3" name="Text Placeholder 2"/>
-          <p:cNvSpPr>
-            <a:spLocks noGrp="1"/>
-          </p:cNvSpPr>
-          <p:nvPr>
-            <p:ph type="body" sz="quarter" idx="10"/>
-          </p:nvPr>
-        </p:nvSpPr>
-        <p:spPr/>
-        <p:txBody>
-          <a:bodyPr/>
-          <a:lstStyle/>
-          <a:p>
-            <a:r>
-              <a:rPr lang="en-US" sz="2800" dirty="0"/>
-              <a:t>Template publishing in AWS</a:t>
-            </a:r>
-            <a:endParaRPr lang="en-US" dirty="0"/>
-          </a:p>
-        </p:txBody>
-      </p:sp>
-      <p:pic>
-        <p:nvPicPr>
-          <p:cNvPr id="5" name="Content Placeholder 4">
-            <a:extLst>
-              <a:ext uri="{FF2B5EF4-FFF2-40B4-BE49-F238E27FC236}">
-                <a16:creationId xmlns:a16="http://schemas.microsoft.com/office/drawing/2014/main" id="{DC054EAB-242B-4453-AC57-B4B23C93F010}"/>
-              </a:ext>
-            </a:extLst>
-          </p:cNvPr>
-          <p:cNvPicPr>
-            <a:picLocks noGrp="1" noChangeAspect="1"/>
-          </p:cNvPicPr>
-          <p:nvPr>
-            <p:ph idx="1"/>
-          </p:nvPr>
-        </p:nvPicPr>
-        <p:blipFill>
-          <a:blip r:embed="rId3"/>
-          <a:stretch>
-            <a:fillRect/>
-          </a:stretch>
-        </p:blipFill>
-        <p:spPr>
-          <a:xfrm>
-            <a:off x="3957673" y="1186480"/>
-            <a:ext cx="6685079" cy="5253397"/>
-          </a:xfrm>
-          <a:prstGeom prst="rect">
-            <a:avLst/>
-          </a:prstGeom>
-        </p:spPr>
-      </p:pic>
-      <p:sp>
-        <p:nvSpPr>
-          <p:cNvPr id="4" name="Rectangle 3">
-            <a:extLst>
-              <a:ext uri="{FF2B5EF4-FFF2-40B4-BE49-F238E27FC236}">
-                <a16:creationId xmlns:a16="http://schemas.microsoft.com/office/drawing/2014/main" id="{EBBF3C57-ED3A-432D-B8BD-0D5450A4598C}"/>
-              </a:ext>
-            </a:extLst>
-          </p:cNvPr>
-          <p:cNvSpPr/>
-          <p:nvPr/>
-        </p:nvSpPr>
-        <p:spPr>
-          <a:xfrm>
-            <a:off x="250092" y="1453035"/>
-            <a:ext cx="3188678" cy="3556038"/>
-          </a:xfrm>
-          <a:prstGeom prst="rect">
-            <a:avLst/>
-          </a:prstGeom>
-        </p:spPr>
-        <p:txBody>
-          <a:bodyPr wrap="square">
-            <a:spAutoFit/>
-          </a:bodyPr>
-          <a:lstStyle/>
-          <a:p>
-            <a:pPr marL="342900" indent="-342900">
-              <a:lnSpc>
-                <a:spcPct val="120000"/>
-              </a:lnSpc>
-              <a:spcBef>
-                <a:spcPts val="1000"/>
-              </a:spcBef>
-              <a:buClr>
-                <a:schemeClr val="accent1"/>
-              </a:buClr>
-              <a:buSzPct val="80000"/>
-              <a:buFont typeface="Wingdings 3" charset="2"/>
-              <a:buChar char=""/>
-            </a:pPr>
-            <a:r>
-              <a:rPr lang="en-US" sz="1400" dirty="0">
-                <a:solidFill>
-                  <a:schemeClr val="tx1">
-                    <a:lumMod val="75000"/>
-                    <a:lumOff val="25000"/>
-                  </a:schemeClr>
-                </a:solidFill>
-              </a:rPr>
-              <a:t>Create a new template or use an existing CloudFormation template using the JSON or YAML format.</a:t>
-            </a:r>
-          </a:p>
-          <a:p>
-            <a:pPr marL="342900" indent="-342900">
-              <a:lnSpc>
-                <a:spcPct val="120000"/>
-              </a:lnSpc>
-              <a:spcBef>
-                <a:spcPts val="1000"/>
-              </a:spcBef>
-              <a:buClr>
-                <a:schemeClr val="accent1"/>
-              </a:buClr>
-              <a:buSzPct val="80000"/>
-              <a:buFont typeface="Wingdings 3" charset="2"/>
-              <a:buChar char=""/>
-            </a:pPr>
-            <a:r>
-              <a:rPr lang="en-US" sz="1400" dirty="0">
-                <a:solidFill>
-                  <a:schemeClr val="tx1">
-                    <a:lumMod val="75000"/>
-                    <a:lumOff val="25000"/>
-                  </a:schemeClr>
-                </a:solidFill>
-              </a:rPr>
-              <a:t>Save your code template locally or in an S3 bucket.</a:t>
-            </a:r>
-          </a:p>
-          <a:p>
-            <a:pPr marL="342900" indent="-342900">
-              <a:lnSpc>
-                <a:spcPct val="120000"/>
-              </a:lnSpc>
-              <a:spcBef>
-                <a:spcPts val="1000"/>
-              </a:spcBef>
-              <a:buClr>
-                <a:schemeClr val="accent1"/>
-              </a:buClr>
-              <a:buSzPct val="80000"/>
-              <a:buFont typeface="Wingdings 3" charset="2"/>
-              <a:buChar char=""/>
-            </a:pPr>
-            <a:r>
-              <a:rPr lang="en-US" sz="1400" dirty="0">
-                <a:solidFill>
-                  <a:schemeClr val="tx1">
-                    <a:lumMod val="75000"/>
-                    <a:lumOff val="25000"/>
-                  </a:schemeClr>
-                </a:solidFill>
-              </a:rPr>
-              <a:t>Use AWS CloudFormation to build a stack on your template.</a:t>
-            </a:r>
-          </a:p>
-          <a:p>
-            <a:pPr marL="342900" indent="-342900">
-              <a:lnSpc>
-                <a:spcPct val="120000"/>
-              </a:lnSpc>
-              <a:spcBef>
-                <a:spcPts val="1000"/>
-              </a:spcBef>
-              <a:buClr>
-                <a:schemeClr val="accent1"/>
-              </a:buClr>
-              <a:buSzPct val="80000"/>
-              <a:buFont typeface="Wingdings 3" charset="2"/>
-              <a:buChar char=""/>
-            </a:pPr>
-            <a:r>
-              <a:rPr lang="en-US" sz="1400" dirty="0">
-                <a:solidFill>
-                  <a:schemeClr val="tx1">
-                    <a:lumMod val="75000"/>
-                    <a:lumOff val="25000"/>
-                  </a:schemeClr>
-                </a:solidFill>
-              </a:rPr>
-              <a:t>AWS CloudFormation constructs and configures the stack resources that you have specified in your template.</a:t>
-            </a:r>
-          </a:p>
-        </p:txBody>
-      </p:sp>
-    </p:spTree>
-    <p:extLst>
-      <p:ext uri="{BB962C8B-B14F-4D97-AF65-F5344CB8AC3E}">
-        <p14:creationId xmlns:p14="http://schemas.microsoft.com/office/powerpoint/2010/main" val="604164821"/>
-      </p:ext>
-    </p:extLst>
-  </p:cSld>
-  <p:clrMapOvr>
-    <a:masterClrMapping/>
-  </p:clrMapOvr>
-</p:sld>
-</file>
-
-<file path=ppt/slides/slide9.xml><?xml version="1.0" encoding="utf-8"?>
-<p:sld xmlns:a="http://schemas.openxmlformats.org/drawingml/2006/main" xmlns:r="http://schemas.openxmlformats.org/officeDocument/2006/relationships" xmlns:p="http://schemas.openxmlformats.org/presentationml/2006/main">
-  <p:cSld>
-    <p:spTree>
-      <p:nvGrpSpPr>
-        <p:cNvPr id="1" name=""/>
-        <p:cNvGrpSpPr/>
-        <p:nvPr/>
-      </p:nvGrpSpPr>
-      <p:grpSpPr>
-        <a:xfrm>
-          <a:off x="0" y="0"/>
-          <a:ext cx="0" cy="0"/>
-          <a:chOff x="0" y="0"/>
-          <a:chExt cx="0" cy="0"/>
-        </a:xfrm>
-      </p:grpSpPr>
-      <p:sp>
-        <p:nvSpPr>
-          <p:cNvPr id="3" name="Text Placeholder 2">
-            <a:extLst>
-              <a:ext uri="{FF2B5EF4-FFF2-40B4-BE49-F238E27FC236}">
-                <a16:creationId xmlns:a16="http://schemas.microsoft.com/office/drawing/2014/main" id="{F8723D03-0721-4539-88DC-C9FAEB1E82F6}"/>
-              </a:ext>
-            </a:extLst>
-          </p:cNvPr>
-          <p:cNvSpPr>
-            <a:spLocks noGrp="1"/>
-          </p:cNvSpPr>
-          <p:nvPr>
-            <p:ph type="body" sz="quarter" idx="10"/>
-          </p:nvPr>
-        </p:nvSpPr>
-        <p:spPr>
-          <a:xfrm>
-            <a:off x="0" y="0"/>
-            <a:ext cx="12192000" cy="932688"/>
-          </a:xfrm>
-        </p:spPr>
-        <p:txBody>
-          <a:bodyPr/>
-          <a:lstStyle/>
-          <a:p>
-            <a:r>
-              <a:rPr lang="en-US" dirty="0"/>
-              <a:t>Cloud Formation Stack</a:t>
-            </a:r>
-          </a:p>
-        </p:txBody>
-      </p:sp>
-      <p:pic>
-        <p:nvPicPr>
-          <p:cNvPr id="31" name="Picture 2">
-            <a:extLst>
-              <a:ext uri="{FF2B5EF4-FFF2-40B4-BE49-F238E27FC236}">
-                <a16:creationId xmlns:a16="http://schemas.microsoft.com/office/drawing/2014/main" id="{6DECBA2D-F126-48BC-8AC5-391A81C8B79C}"/>
-              </a:ext>
-            </a:extLst>
-          </p:cNvPr>
-          <p:cNvPicPr>
-            <a:picLocks noChangeAspect="1" noChangeArrowheads="1"/>
-          </p:cNvPicPr>
-          <p:nvPr/>
-        </p:nvPicPr>
-        <p:blipFill>
-          <a:blip r:embed="rId3">
-            <a:extLst>
-              <a:ext uri="{28A0092B-C50C-407E-A947-70E740481C1C}">
-                <a14:useLocalDpi xmlns:a14="http://schemas.microsoft.com/office/drawing/2010/main" val="0"/>
-              </a:ext>
-            </a:extLst>
-          </a:blip>
-          <a:srcRect/>
-          <a:stretch>
-            <a:fillRect/>
-          </a:stretch>
-        </p:blipFill>
-        <p:spPr bwMode="auto">
-          <a:xfrm>
-            <a:off x="477795" y="1289578"/>
-            <a:ext cx="7911800" cy="5568422"/>
-          </a:xfrm>
-          <a:prstGeom prst="rect">
-            <a:avLst/>
-          </a:prstGeom>
-          <a:noFill/>
-          <a:extLst>
-            <a:ext uri="{909E8E84-426E-40DD-AFC4-6F175D3DCCD1}">
-              <a14:hiddenFill xmlns:a14="http://schemas.microsoft.com/office/drawing/2010/main">
-                <a:solidFill>
-                  <a:srgbClr val="FFFFFF"/>
-                </a:solidFill>
-              </a14:hiddenFill>
-            </a:ext>
-          </a:extLst>
-        </p:spPr>
-      </p:pic>
-    </p:spTree>
-    <p:extLst>
-      <p:ext uri="{BB962C8B-B14F-4D97-AF65-F5344CB8AC3E}">
-        <p14:creationId xmlns:p14="http://schemas.microsoft.com/office/powerpoint/2010/main" val="4052348876"/>
       </p:ext>
     </p:extLst>
   </p:cSld>
